--- a/2018/18_05_18 Innovatec TEC/Startup Project Management.pptx
+++ b/2018/18_05_18 Innovatec TEC/Startup Project Management.pptx
@@ -5,12 +5,35 @@
     <p:sldMasterId id="2147483648" r:id="rId1"/>
   </p:sldMasterIdLst>
   <p:notesMasterIdLst>
-    <p:notesMasterId r:id="rId5"/>
+    <p:notesMasterId r:id="rId28"/>
   </p:notesMasterIdLst>
   <p:sldIdLst>
     <p:sldId id="256" r:id="rId2"/>
-    <p:sldId id="259" r:id="rId3"/>
-    <p:sldId id="260" r:id="rId4"/>
+    <p:sldId id="271" r:id="rId3"/>
+    <p:sldId id="272" r:id="rId4"/>
+    <p:sldId id="273" r:id="rId5"/>
+    <p:sldId id="275" r:id="rId6"/>
+    <p:sldId id="259" r:id="rId7"/>
+    <p:sldId id="274" r:id="rId8"/>
+    <p:sldId id="268" r:id="rId9"/>
+    <p:sldId id="264" r:id="rId10"/>
+    <p:sldId id="265" r:id="rId11"/>
+    <p:sldId id="266" r:id="rId12"/>
+    <p:sldId id="267" r:id="rId13"/>
+    <p:sldId id="276" r:id="rId14"/>
+    <p:sldId id="262" r:id="rId15"/>
+    <p:sldId id="278" r:id="rId16"/>
+    <p:sldId id="277" r:id="rId17"/>
+    <p:sldId id="280" r:id="rId18"/>
+    <p:sldId id="281" r:id="rId19"/>
+    <p:sldId id="282" r:id="rId20"/>
+    <p:sldId id="283" r:id="rId21"/>
+    <p:sldId id="284" r:id="rId22"/>
+    <p:sldId id="279" r:id="rId23"/>
+    <p:sldId id="261" r:id="rId24"/>
+    <p:sldId id="263" r:id="rId25"/>
+    <p:sldId id="269" r:id="rId26"/>
+    <p:sldId id="260" r:id="rId27"/>
   </p:sldIdLst>
   <p:sldSz cx="12192000" cy="6858000"/>
   <p:notesSz cx="6858000" cy="9144000"/>
@@ -199,7 +222,7 @@
           <a:p>
             <a:fld id="{2114BEC7-464B-4B1F-824D-7477A09890FC}" type="datetimeFigureOut">
               <a:rPr lang="es-MX" smtClean="0"/>
-              <a:t>14/05/2018</a:t>
+              <a:t>21/05/2018</a:t>
             </a:fld>
             <a:endParaRPr lang="es-MX"/>
           </a:p>
@@ -598,7 +621,7 @@
           <a:p>
             <a:fld id="{552B1494-313F-42DE-9786-65F5698C42ED}" type="datetimeFigureOut">
               <a:rPr lang="es-MX" smtClean="0"/>
-              <a:t>14/05/2018</a:t>
+              <a:t>21/05/2018</a:t>
             </a:fld>
             <a:endParaRPr lang="es-MX"/>
           </a:p>
@@ -768,7 +791,7 @@
           <a:p>
             <a:fld id="{552B1494-313F-42DE-9786-65F5698C42ED}" type="datetimeFigureOut">
               <a:rPr lang="es-MX" smtClean="0"/>
-              <a:t>14/05/2018</a:t>
+              <a:t>21/05/2018</a:t>
             </a:fld>
             <a:endParaRPr lang="es-MX"/>
           </a:p>
@@ -948,7 +971,7 @@
           <a:p>
             <a:fld id="{552B1494-313F-42DE-9786-65F5698C42ED}" type="datetimeFigureOut">
               <a:rPr lang="es-MX" smtClean="0"/>
-              <a:t>14/05/2018</a:t>
+              <a:t>21/05/2018</a:t>
             </a:fld>
             <a:endParaRPr lang="es-MX"/>
           </a:p>
@@ -1118,7 +1141,7 @@
           <a:p>
             <a:fld id="{552B1494-313F-42DE-9786-65F5698C42ED}" type="datetimeFigureOut">
               <a:rPr lang="es-MX" smtClean="0"/>
-              <a:t>14/05/2018</a:t>
+              <a:t>21/05/2018</a:t>
             </a:fld>
             <a:endParaRPr lang="es-MX"/>
           </a:p>
@@ -1364,7 +1387,7 @@
           <a:p>
             <a:fld id="{552B1494-313F-42DE-9786-65F5698C42ED}" type="datetimeFigureOut">
               <a:rPr lang="es-MX" smtClean="0"/>
-              <a:t>14/05/2018</a:t>
+              <a:t>21/05/2018</a:t>
             </a:fld>
             <a:endParaRPr lang="es-MX"/>
           </a:p>
@@ -1596,7 +1619,7 @@
           <a:p>
             <a:fld id="{552B1494-313F-42DE-9786-65F5698C42ED}" type="datetimeFigureOut">
               <a:rPr lang="es-MX" smtClean="0"/>
-              <a:t>14/05/2018</a:t>
+              <a:t>21/05/2018</a:t>
             </a:fld>
             <a:endParaRPr lang="es-MX"/>
           </a:p>
@@ -1963,7 +1986,7 @@
           <a:p>
             <a:fld id="{552B1494-313F-42DE-9786-65F5698C42ED}" type="datetimeFigureOut">
               <a:rPr lang="es-MX" smtClean="0"/>
-              <a:t>14/05/2018</a:t>
+              <a:t>21/05/2018</a:t>
             </a:fld>
             <a:endParaRPr lang="es-MX"/>
           </a:p>
@@ -2081,7 +2104,7 @@
           <a:p>
             <a:fld id="{552B1494-313F-42DE-9786-65F5698C42ED}" type="datetimeFigureOut">
               <a:rPr lang="es-MX" smtClean="0"/>
-              <a:t>14/05/2018</a:t>
+              <a:t>21/05/2018</a:t>
             </a:fld>
             <a:endParaRPr lang="es-MX"/>
           </a:p>
@@ -2176,7 +2199,7 @@
           <a:p>
             <a:fld id="{552B1494-313F-42DE-9786-65F5698C42ED}" type="datetimeFigureOut">
               <a:rPr lang="es-MX" smtClean="0"/>
-              <a:t>14/05/2018</a:t>
+              <a:t>21/05/2018</a:t>
             </a:fld>
             <a:endParaRPr lang="es-MX"/>
           </a:p>
@@ -2453,7 +2476,7 @@
           <a:p>
             <a:fld id="{552B1494-313F-42DE-9786-65F5698C42ED}" type="datetimeFigureOut">
               <a:rPr lang="es-MX" smtClean="0"/>
-              <a:t>14/05/2018</a:t>
+              <a:t>21/05/2018</a:t>
             </a:fld>
             <a:endParaRPr lang="es-MX"/>
           </a:p>
@@ -2706,7 +2729,7 @@
           <a:p>
             <a:fld id="{552B1494-313F-42DE-9786-65F5698C42ED}" type="datetimeFigureOut">
               <a:rPr lang="es-MX" smtClean="0"/>
-              <a:t>14/05/2018</a:t>
+              <a:t>21/05/2018</a:t>
             </a:fld>
             <a:endParaRPr lang="es-MX"/>
           </a:p>
@@ -2774,11 +2797,11 @@
       <p:bgPr>
         <a:gradFill flip="none" rotWithShape="1">
           <a:gsLst>
-            <a:gs pos="0">
+            <a:gs pos="25000">
               <a:srgbClr val="CC2B5E"/>
             </a:gs>
             <a:gs pos="100000">
-              <a:srgbClr val="753A88"/>
+              <a:srgbClr val="FFA269"/>
             </a:gs>
           </a:gsLst>
           <a:lin ang="5400000" scaled="1"/>
@@ -2931,7 +2954,7 @@
           <a:p>
             <a:fld id="{552B1494-313F-42DE-9786-65F5698C42ED}" type="datetimeFigureOut">
               <a:rPr lang="es-MX" smtClean="0"/>
-              <a:t>14/05/2018</a:t>
+              <a:t>21/05/2018</a:t>
             </a:fld>
             <a:endParaRPr lang="es-MX"/>
           </a:p>
@@ -3348,8 +3371,8 @@
         </p:nvSpPr>
         <p:spPr>
           <a:xfrm rot="5400000">
-            <a:off x="-2421168" y="2783254"/>
-            <a:ext cx="6499686" cy="1638031"/>
+            <a:off x="-2575479" y="2722123"/>
+            <a:ext cx="6788989" cy="1638031"/>
           </a:xfrm>
         </p:spPr>
         <p:txBody>
@@ -3359,7 +3382,7 @@
           <a:lstStyle/>
           <a:p>
             <a:r>
-              <a:rPr lang="en-US" sz="7000" dirty="0" smtClean="0">
+              <a:rPr lang="en-US" sz="7000" b="1" dirty="0" smtClean="0">
                 <a:solidFill>
                   <a:schemeClr val="bg1">
                     <a:lumMod val="95000"/>
@@ -3372,7 +3395,7 @@
               <a:t>S</a:t>
             </a:r>
             <a:br>
-              <a:rPr lang="en-US" sz="7000" dirty="0" smtClean="0">
+              <a:rPr lang="en-US" sz="7000" b="1" dirty="0" smtClean="0">
                 <a:solidFill>
                   <a:schemeClr val="bg1">
                     <a:lumMod val="95000"/>
@@ -3384,7 +3407,7 @@
               </a:rPr>
             </a:br>
             <a:r>
-              <a:rPr lang="en-US" sz="7000" dirty="0" smtClean="0">
+              <a:rPr lang="en-US" sz="7000" b="1" dirty="0" smtClean="0">
                 <a:solidFill>
                   <a:schemeClr val="bg1">
                     <a:lumMod val="95000"/>
@@ -3397,7 +3420,7 @@
               <a:t>T</a:t>
             </a:r>
             <a:br>
-              <a:rPr lang="en-US" sz="7000" dirty="0" smtClean="0">
+              <a:rPr lang="en-US" sz="7000" b="1" dirty="0" smtClean="0">
                 <a:solidFill>
                   <a:schemeClr val="bg1">
                     <a:lumMod val="95000"/>
@@ -3409,7 +3432,7 @@
               </a:rPr>
             </a:br>
             <a:r>
-              <a:rPr lang="en-US" sz="7000" dirty="0" smtClean="0">
+              <a:rPr lang="en-US" sz="7000" b="1" dirty="0" smtClean="0">
                 <a:solidFill>
                   <a:schemeClr val="bg1">
                     <a:lumMod val="95000"/>
@@ -3422,7 +3445,7 @@
               <a:t>A</a:t>
             </a:r>
             <a:br>
-              <a:rPr lang="en-US" sz="7000" dirty="0" smtClean="0">
+              <a:rPr lang="en-US" sz="7000" b="1" dirty="0" smtClean="0">
                 <a:solidFill>
                   <a:schemeClr val="bg1">
                     <a:lumMod val="95000"/>
@@ -3434,7 +3457,7 @@
               </a:rPr>
             </a:br>
             <a:r>
-              <a:rPr lang="en-US" sz="7000" dirty="0" smtClean="0">
+              <a:rPr lang="en-US" sz="7000" b="1" dirty="0" smtClean="0">
                 <a:solidFill>
                   <a:schemeClr val="bg1">
                     <a:lumMod val="95000"/>
@@ -3447,7 +3470,7 @@
               <a:t>R</a:t>
             </a:r>
             <a:br>
-              <a:rPr lang="en-US" sz="7000" dirty="0" smtClean="0">
+              <a:rPr lang="en-US" sz="7000" b="1" dirty="0" smtClean="0">
                 <a:solidFill>
                   <a:schemeClr val="bg1">
                     <a:lumMod val="95000"/>
@@ -3459,7 +3482,7 @@
               </a:rPr>
             </a:br>
             <a:r>
-              <a:rPr lang="en-US" sz="7000" dirty="0" smtClean="0">
+              <a:rPr lang="en-US" sz="7000" b="1" dirty="0" smtClean="0">
                 <a:solidFill>
                   <a:schemeClr val="bg1">
                     <a:lumMod val="95000"/>
@@ -3472,7 +3495,7 @@
               <a:t>T</a:t>
             </a:r>
             <a:br>
-              <a:rPr lang="en-US" sz="7000" dirty="0" smtClean="0">
+              <a:rPr lang="en-US" sz="7000" b="1" dirty="0" smtClean="0">
                 <a:solidFill>
                   <a:schemeClr val="bg1">
                     <a:lumMod val="95000"/>
@@ -3484,7 +3507,7 @@
               </a:rPr>
             </a:br>
             <a:r>
-              <a:rPr lang="en-US" sz="7000" dirty="0" smtClean="0">
+              <a:rPr lang="en-US" sz="7000" b="1" dirty="0" smtClean="0">
                 <a:solidFill>
                   <a:schemeClr val="bg1">
                     <a:lumMod val="95000"/>
@@ -3497,7 +3520,7 @@
               <a:t>U</a:t>
             </a:r>
             <a:br>
-              <a:rPr lang="en-US" sz="7000" dirty="0" smtClean="0">
+              <a:rPr lang="en-US" sz="7000" b="1" dirty="0" smtClean="0">
                 <a:solidFill>
                   <a:schemeClr val="bg1">
                     <a:lumMod val="95000"/>
@@ -3509,7 +3532,7 @@
               </a:rPr>
             </a:br>
             <a:r>
-              <a:rPr lang="en-US" sz="7000" dirty="0" smtClean="0">
+              <a:rPr lang="en-US" sz="7000" b="1" dirty="0" smtClean="0">
                 <a:solidFill>
                   <a:schemeClr val="bg1">
                     <a:lumMod val="95000"/>
@@ -3521,7 +3544,7 @@
               </a:rPr>
               <a:t>P</a:t>
             </a:r>
-            <a:endParaRPr lang="es-MX" sz="7000" dirty="0">
+            <a:endParaRPr lang="es-MX" sz="7000" b="1" dirty="0">
               <a:solidFill>
                 <a:schemeClr val="bg1">
                   <a:lumMod val="95000"/>
@@ -3633,6 +3656,1691 @@
     <p:extLst>
       <p:ext uri="{BB962C8B-B14F-4D97-AF65-F5344CB8AC3E}">
         <p14:creationId xmlns:p14="http://schemas.microsoft.com/office/powerpoint/2010/main" val="4284140311"/>
+      </p:ext>
+    </p:extLst>
+  </p:cSld>
+  <p:clrMapOvr>
+    <a:masterClrMapping/>
+  </p:clrMapOvr>
+  <p:timing>
+    <p:tnLst>
+      <p:par>
+        <p:cTn id="1" dur="indefinite" restart="never" nodeType="tmRoot"/>
+      </p:par>
+    </p:tnLst>
+  </p:timing>
+</p:sld>
+</file>
+
+<file path=ppt/slides/slide10.xml><?xml version="1.0" encoding="utf-8"?>
+<p:sld xmlns:a="http://schemas.openxmlformats.org/drawingml/2006/main" xmlns:r="http://schemas.openxmlformats.org/officeDocument/2006/relationships" xmlns:p="http://schemas.openxmlformats.org/presentationml/2006/main">
+  <p:cSld>
+    <p:spTree>
+      <p:nvGrpSpPr>
+        <p:cNvPr id="1" name=""/>
+        <p:cNvGrpSpPr/>
+        <p:nvPr/>
+      </p:nvGrpSpPr>
+      <p:grpSpPr>
+        <a:xfrm>
+          <a:off x="0" y="0"/>
+          <a:ext cx="0" cy="0"/>
+          <a:chOff x="0" y="0"/>
+          <a:chExt cx="0" cy="0"/>
+        </a:xfrm>
+      </p:grpSpPr>
+      <p:sp>
+        <p:nvSpPr>
+          <p:cNvPr id="4" name="CuadroTexto 3"/>
+          <p:cNvSpPr txBox="1"/>
+          <p:nvPr/>
+        </p:nvSpPr>
+        <p:spPr>
+          <a:xfrm>
+            <a:off x="980440" y="1151454"/>
+            <a:ext cx="10231120" cy="4555093"/>
+          </a:xfrm>
+          <a:prstGeom prst="rect">
+            <a:avLst/>
+          </a:prstGeom>
+          <a:noFill/>
+        </p:spPr>
+        <p:txBody>
+          <a:bodyPr wrap="square" rtlCol="0">
+            <a:spAutoFit/>
+          </a:bodyPr>
+          <a:lstStyle/>
+          <a:p>
+            <a:r>
+              <a:rPr lang="en-US" sz="4500" b="1" dirty="0">
+                <a:solidFill>
+                  <a:schemeClr val="bg1"/>
+                </a:solidFill>
+                <a:ea typeface="Open Sans Extrabold" panose="020B0906030804020204" pitchFamily="34" charset="0"/>
+                <a:cs typeface="Open Sans Extrabold" panose="020B0906030804020204" pitchFamily="34" charset="0"/>
+              </a:rPr>
+              <a:t>Be</a:t>
+            </a:r>
+          </a:p>
+          <a:p>
+            <a:r>
+              <a:rPr lang="en-US" sz="20000" b="1" dirty="0" smtClean="0">
+                <a:solidFill>
+                  <a:srgbClr val="FE9F69"/>
+                </a:solidFill>
+                <a:ea typeface="Open Sans Extrabold" panose="020B0906030804020204" pitchFamily="34" charset="0"/>
+                <a:cs typeface="Open Sans Extrabold" panose="020B0906030804020204" pitchFamily="34" charset="0"/>
+              </a:rPr>
+              <a:t>  #proud</a:t>
+            </a:r>
+          </a:p>
+          <a:p>
+            <a:pPr algn="r"/>
+            <a:r>
+              <a:rPr lang="en-US" sz="4500" b="1" dirty="0" smtClean="0">
+                <a:solidFill>
+                  <a:schemeClr val="bg1"/>
+                </a:solidFill>
+                <a:ea typeface="Open Sans Extrabold" panose="020B0906030804020204" pitchFamily="34" charset="0"/>
+                <a:cs typeface="Open Sans Extrabold" panose="020B0906030804020204" pitchFamily="34" charset="0"/>
+              </a:rPr>
+              <a:t>of your team</a:t>
+            </a:r>
+            <a:endParaRPr lang="es-MX" sz="4500" b="1" dirty="0">
+              <a:solidFill>
+                <a:schemeClr val="bg1"/>
+              </a:solidFill>
+              <a:ea typeface="Open Sans Extrabold" panose="020B0906030804020204" pitchFamily="34" charset="0"/>
+              <a:cs typeface="Open Sans Extrabold" panose="020B0906030804020204" pitchFamily="34" charset="0"/>
+            </a:endParaRPr>
+          </a:p>
+        </p:txBody>
+      </p:sp>
+    </p:spTree>
+    <p:extLst>
+      <p:ext uri="{BB962C8B-B14F-4D97-AF65-F5344CB8AC3E}">
+        <p14:creationId xmlns:p14="http://schemas.microsoft.com/office/powerpoint/2010/main" val="1907411541"/>
+      </p:ext>
+    </p:extLst>
+  </p:cSld>
+  <p:clrMapOvr>
+    <a:masterClrMapping/>
+  </p:clrMapOvr>
+  <p:timing>
+    <p:tnLst>
+      <p:par>
+        <p:cTn id="1" dur="indefinite" restart="never" nodeType="tmRoot"/>
+      </p:par>
+    </p:tnLst>
+  </p:timing>
+</p:sld>
+</file>
+
+<file path=ppt/slides/slide11.xml><?xml version="1.0" encoding="utf-8"?>
+<p:sld xmlns:a="http://schemas.openxmlformats.org/drawingml/2006/main" xmlns:r="http://schemas.openxmlformats.org/officeDocument/2006/relationships" xmlns:p="http://schemas.openxmlformats.org/presentationml/2006/main">
+  <p:cSld>
+    <p:spTree>
+      <p:nvGrpSpPr>
+        <p:cNvPr id="1" name=""/>
+        <p:cNvGrpSpPr/>
+        <p:nvPr/>
+      </p:nvGrpSpPr>
+      <p:grpSpPr>
+        <a:xfrm>
+          <a:off x="0" y="0"/>
+          <a:ext cx="0" cy="0"/>
+          <a:chOff x="0" y="0"/>
+          <a:chExt cx="0" cy="0"/>
+        </a:xfrm>
+      </p:grpSpPr>
+      <p:sp>
+        <p:nvSpPr>
+          <p:cNvPr id="3" name="Rectángulo 2"/>
+          <p:cNvSpPr/>
+          <p:nvPr/>
+        </p:nvSpPr>
+        <p:spPr>
+          <a:xfrm>
+            <a:off x="1451314" y="766733"/>
+            <a:ext cx="9289373" cy="6017032"/>
+          </a:xfrm>
+          <a:prstGeom prst="rect">
+            <a:avLst/>
+          </a:prstGeom>
+        </p:spPr>
+        <p:txBody>
+          <a:bodyPr wrap="square">
+            <a:spAutoFit/>
+          </a:bodyPr>
+          <a:lstStyle/>
+          <a:p>
+            <a:pPr algn="just"/>
+            <a:r>
+              <a:rPr lang="en-US" sz="9000" b="1" dirty="0" smtClean="0">
+                <a:solidFill>
+                  <a:srgbClr val="FE9F69"/>
+                </a:solidFill>
+                <a:ea typeface="Open Sans" panose="020B0606030504020204" pitchFamily="34" charset="0"/>
+                <a:cs typeface="Open Sans" panose="020B0606030504020204" pitchFamily="34" charset="0"/>
+              </a:rPr>
+              <a:t>research</a:t>
+            </a:r>
+            <a:r>
+              <a:rPr lang="en-US" sz="5000" b="1" dirty="0" smtClean="0">
+                <a:solidFill>
+                  <a:srgbClr val="FE9F69"/>
+                </a:solidFill>
+                <a:ea typeface="Open Sans" panose="020B0606030504020204" pitchFamily="34" charset="0"/>
+                <a:cs typeface="Open Sans" panose="020B0606030504020204" pitchFamily="34" charset="0"/>
+              </a:rPr>
+              <a:t> </a:t>
+            </a:r>
+          </a:p>
+          <a:p>
+            <a:pPr algn="just"/>
+            <a:r>
+              <a:rPr lang="en-US" sz="4500" b="1" dirty="0" smtClean="0">
+                <a:solidFill>
+                  <a:schemeClr val="bg1"/>
+                </a:solidFill>
+                <a:ea typeface="Open Sans" panose="020B0606030504020204" pitchFamily="34" charset="0"/>
+                <a:cs typeface="Open Sans" panose="020B0606030504020204" pitchFamily="34" charset="0"/>
+              </a:rPr>
+              <a:t>how to </a:t>
+            </a:r>
+            <a:r>
+              <a:rPr lang="en-US" sz="4500" b="1" dirty="0" err="1" smtClean="0">
+                <a:solidFill>
+                  <a:schemeClr val="bg1"/>
+                </a:solidFill>
+                <a:ea typeface="Open Sans" panose="020B0606030504020204" pitchFamily="34" charset="0"/>
+                <a:cs typeface="Open Sans" panose="020B0606030504020204" pitchFamily="34" charset="0"/>
+              </a:rPr>
+              <a:t>estimulate</a:t>
+            </a:r>
+            <a:r>
+              <a:rPr lang="en-US" sz="4500" b="1" dirty="0">
+                <a:solidFill>
+                  <a:schemeClr val="bg1"/>
+                </a:solidFill>
+                <a:ea typeface="Open Sans" panose="020B0606030504020204" pitchFamily="34" charset="0"/>
+                <a:cs typeface="Open Sans" panose="020B0606030504020204" pitchFamily="34" charset="0"/>
+              </a:rPr>
+              <a:t> </a:t>
+            </a:r>
+            <a:r>
+              <a:rPr lang="en-US" sz="4500" b="1" dirty="0" smtClean="0">
+                <a:solidFill>
+                  <a:schemeClr val="bg1"/>
+                </a:solidFill>
+                <a:ea typeface="Open Sans" panose="020B0606030504020204" pitchFamily="34" charset="0"/>
+                <a:cs typeface="Open Sans" panose="020B0606030504020204" pitchFamily="34" charset="0"/>
+              </a:rPr>
+              <a:t>your team       </a:t>
+            </a:r>
+          </a:p>
+          <a:p>
+            <a:pPr algn="just"/>
+            <a:r>
+              <a:rPr lang="en-US" sz="4500" b="1" dirty="0" smtClean="0">
+                <a:solidFill>
+                  <a:schemeClr val="bg1"/>
+                </a:solidFill>
+                <a:ea typeface="Open Sans" panose="020B0606030504020204" pitchFamily="34" charset="0"/>
+                <a:cs typeface="Open Sans" panose="020B0606030504020204" pitchFamily="34" charset="0"/>
+              </a:rPr>
+              <a:t>let them have fun </a:t>
+            </a:r>
+          </a:p>
+          <a:p>
+            <a:r>
+              <a:rPr lang="en-US" sz="4500" b="1" dirty="0" smtClean="0">
+                <a:solidFill>
+                  <a:schemeClr val="bg1"/>
+                </a:solidFill>
+                <a:ea typeface="Open Sans" panose="020B0606030504020204" pitchFamily="34" charset="0"/>
+                <a:cs typeface="Open Sans" panose="020B0606030504020204" pitchFamily="34" charset="0"/>
+              </a:rPr>
+              <a:t>let them </a:t>
+            </a:r>
+            <a:r>
+              <a:rPr lang="en-US" sz="8000" b="1" dirty="0" smtClean="0">
+                <a:solidFill>
+                  <a:srgbClr val="FFB88C"/>
+                </a:solidFill>
+                <a:ea typeface="Open Sans" panose="020B0606030504020204" pitchFamily="34" charset="0"/>
+                <a:cs typeface="Open Sans" panose="020B0606030504020204" pitchFamily="34" charset="0"/>
+              </a:rPr>
+              <a:t>create awesome nonsense things</a:t>
+            </a:r>
+            <a:r>
+              <a:rPr lang="en-US" sz="4500" b="1" dirty="0" smtClean="0">
+                <a:solidFill>
+                  <a:srgbClr val="FFB88C"/>
+                </a:solidFill>
+                <a:ea typeface="Open Sans" panose="020B0606030504020204" pitchFamily="34" charset="0"/>
+                <a:cs typeface="Open Sans" panose="020B0606030504020204" pitchFamily="34" charset="0"/>
+              </a:rPr>
+              <a:t>.</a:t>
+            </a:r>
+          </a:p>
+          <a:p>
+            <a:pPr algn="r"/>
+            <a:r>
+              <a:rPr lang="en-US" sz="4500" b="1" dirty="0" smtClean="0">
+                <a:solidFill>
+                  <a:schemeClr val="accent2">
+                    <a:lumMod val="75000"/>
+                  </a:schemeClr>
+                </a:solidFill>
+                <a:ea typeface="Open Sans" panose="020B0606030504020204" pitchFamily="34" charset="0"/>
+                <a:cs typeface="Open Sans" panose="020B0606030504020204" pitchFamily="34" charset="0"/>
+              </a:rPr>
+              <a:t> </a:t>
+            </a:r>
+            <a:endParaRPr lang="es-MX" sz="4500" dirty="0">
+              <a:solidFill>
+                <a:schemeClr val="accent2">
+                  <a:lumMod val="75000"/>
+                </a:schemeClr>
+              </a:solidFill>
+              <a:ea typeface="Open Sans" panose="020B0606030504020204" pitchFamily="34" charset="0"/>
+              <a:cs typeface="Open Sans" panose="020B0606030504020204" pitchFamily="34" charset="0"/>
+            </a:endParaRPr>
+          </a:p>
+        </p:txBody>
+      </p:sp>
+    </p:spTree>
+    <p:extLst>
+      <p:ext uri="{BB962C8B-B14F-4D97-AF65-F5344CB8AC3E}">
+        <p14:creationId xmlns:p14="http://schemas.microsoft.com/office/powerpoint/2010/main" val="1283228836"/>
+      </p:ext>
+    </p:extLst>
+  </p:cSld>
+  <p:clrMapOvr>
+    <a:masterClrMapping/>
+  </p:clrMapOvr>
+  <p:timing>
+    <p:tnLst>
+      <p:par>
+        <p:cTn id="1" dur="indefinite" restart="never" nodeType="tmRoot"/>
+      </p:par>
+    </p:tnLst>
+  </p:timing>
+</p:sld>
+</file>
+
+<file path=ppt/slides/slide12.xml><?xml version="1.0" encoding="utf-8"?>
+<p:sld xmlns:a="http://schemas.openxmlformats.org/drawingml/2006/main" xmlns:r="http://schemas.openxmlformats.org/officeDocument/2006/relationships" xmlns:p="http://schemas.openxmlformats.org/presentationml/2006/main">
+  <p:cSld>
+    <p:spTree>
+      <p:nvGrpSpPr>
+        <p:cNvPr id="1" name=""/>
+        <p:cNvGrpSpPr/>
+        <p:nvPr/>
+      </p:nvGrpSpPr>
+      <p:grpSpPr>
+        <a:xfrm>
+          <a:off x="0" y="0"/>
+          <a:ext cx="0" cy="0"/>
+          <a:chOff x="0" y="0"/>
+          <a:chExt cx="0" cy="0"/>
+        </a:xfrm>
+      </p:grpSpPr>
+      <p:sp>
+        <p:nvSpPr>
+          <p:cNvPr id="3" name="Rectángulo 2"/>
+          <p:cNvSpPr/>
+          <p:nvPr/>
+        </p:nvSpPr>
+        <p:spPr>
+          <a:xfrm>
+            <a:off x="481414" y="293898"/>
+            <a:ext cx="11710586" cy="1015663"/>
+          </a:xfrm>
+          <a:prstGeom prst="rect">
+            <a:avLst/>
+          </a:prstGeom>
+        </p:spPr>
+        <p:txBody>
+          <a:bodyPr wrap="square">
+            <a:spAutoFit/>
+          </a:bodyPr>
+          <a:lstStyle/>
+          <a:p>
+            <a:pPr algn="just"/>
+            <a:r>
+              <a:rPr lang="en-US" sz="6000" b="1" dirty="0" smtClean="0">
+                <a:solidFill>
+                  <a:srgbClr val="FE9F69"/>
+                </a:solidFill>
+                <a:ea typeface="Open Sans" panose="020B0606030504020204" pitchFamily="34" charset="0"/>
+                <a:cs typeface="Open Sans" panose="020B0606030504020204" pitchFamily="34" charset="0"/>
+              </a:rPr>
+              <a:t>Be a leader</a:t>
+            </a:r>
+          </a:p>
+        </p:txBody>
+      </p:sp>
+      <p:pic>
+        <p:nvPicPr>
+          <p:cNvPr id="2" name="Imagen 1"/>
+          <p:cNvPicPr>
+            <a:picLocks noChangeAspect="1"/>
+          </p:cNvPicPr>
+          <p:nvPr/>
+        </p:nvPicPr>
+        <p:blipFill>
+          <a:blip r:embed="rId2" cstate="print">
+            <a:extLst>
+              <a:ext uri="{28A0092B-C50C-407E-A947-70E740481C1C}">
+                <a14:useLocalDpi xmlns:a14="http://schemas.microsoft.com/office/drawing/2010/main" val="0"/>
+              </a:ext>
+            </a:extLst>
+          </a:blip>
+          <a:stretch>
+            <a:fillRect/>
+          </a:stretch>
+        </p:blipFill>
+        <p:spPr>
+          <a:xfrm>
+            <a:off x="2380479" y="1032562"/>
+            <a:ext cx="7596642" cy="5172664"/>
+          </a:xfrm>
+          <a:prstGeom prst="rect">
+            <a:avLst/>
+          </a:prstGeom>
+        </p:spPr>
+      </p:pic>
+    </p:spTree>
+    <p:extLst>
+      <p:ext uri="{BB962C8B-B14F-4D97-AF65-F5344CB8AC3E}">
+        <p14:creationId xmlns:p14="http://schemas.microsoft.com/office/powerpoint/2010/main" val="3896859802"/>
+      </p:ext>
+    </p:extLst>
+  </p:cSld>
+  <p:clrMapOvr>
+    <a:masterClrMapping/>
+  </p:clrMapOvr>
+  <p:timing>
+    <p:tnLst>
+      <p:par>
+        <p:cTn id="1" dur="indefinite" restart="never" nodeType="tmRoot"/>
+      </p:par>
+    </p:tnLst>
+  </p:timing>
+</p:sld>
+</file>
+
+<file path=ppt/slides/slide13.xml><?xml version="1.0" encoding="utf-8"?>
+<p:sld xmlns:a="http://schemas.openxmlformats.org/drawingml/2006/main" xmlns:r="http://schemas.openxmlformats.org/officeDocument/2006/relationships" xmlns:p="http://schemas.openxmlformats.org/presentationml/2006/main">
+  <p:cSld>
+    <p:spTree>
+      <p:nvGrpSpPr>
+        <p:cNvPr id="1" name=""/>
+        <p:cNvGrpSpPr/>
+        <p:nvPr/>
+      </p:nvGrpSpPr>
+      <p:grpSpPr>
+        <a:xfrm>
+          <a:off x="0" y="0"/>
+          <a:ext cx="0" cy="0"/>
+          <a:chOff x="0" y="0"/>
+          <a:chExt cx="0" cy="0"/>
+        </a:xfrm>
+      </p:grpSpPr>
+      <p:pic>
+        <p:nvPicPr>
+          <p:cNvPr id="4" name="Imagen 3"/>
+          <p:cNvPicPr>
+            <a:picLocks noChangeAspect="1"/>
+          </p:cNvPicPr>
+          <p:nvPr/>
+        </p:nvPicPr>
+        <p:blipFill>
+          <a:blip r:embed="rId2" cstate="print">
+            <a:extLst>
+              <a:ext uri="{28A0092B-C50C-407E-A947-70E740481C1C}">
+                <a14:useLocalDpi xmlns:a14="http://schemas.microsoft.com/office/drawing/2010/main" val="0"/>
+              </a:ext>
+            </a:extLst>
+          </a:blip>
+          <a:stretch>
+            <a:fillRect/>
+          </a:stretch>
+        </p:blipFill>
+        <p:spPr>
+          <a:xfrm>
+            <a:off x="3324540" y="1294369"/>
+            <a:ext cx="5542920" cy="4269262"/>
+          </a:xfrm>
+          <a:prstGeom prst="rect">
+            <a:avLst/>
+          </a:prstGeom>
+        </p:spPr>
+      </p:pic>
+      <p:sp>
+        <p:nvSpPr>
+          <p:cNvPr id="5" name="CuadroTexto 4"/>
+          <p:cNvSpPr txBox="1"/>
+          <p:nvPr/>
+        </p:nvSpPr>
+        <p:spPr>
+          <a:xfrm>
+            <a:off x="369454" y="646547"/>
+            <a:ext cx="6511636" cy="1015663"/>
+          </a:xfrm>
+          <a:prstGeom prst="rect">
+            <a:avLst/>
+          </a:prstGeom>
+          <a:noFill/>
+        </p:spPr>
+        <p:txBody>
+          <a:bodyPr wrap="square" rtlCol="0">
+            <a:spAutoFit/>
+          </a:bodyPr>
+          <a:lstStyle/>
+          <a:p>
+            <a:r>
+              <a:rPr lang="en-US" sz="6000" b="1" dirty="0" smtClean="0">
+                <a:solidFill>
+                  <a:schemeClr val="bg1"/>
+                </a:solidFill>
+                <a:ea typeface="Open Sans" panose="020B0606030504020204" pitchFamily="34" charset="0"/>
+                <a:cs typeface="Open Sans" panose="020B0606030504020204" pitchFamily="34" charset="0"/>
+              </a:rPr>
+              <a:t>¿Communication</a:t>
+            </a:r>
+            <a:endParaRPr lang="es-MX" sz="6000" b="1" dirty="0">
+              <a:solidFill>
+                <a:schemeClr val="bg1"/>
+              </a:solidFill>
+              <a:ea typeface="Open Sans" panose="020B0606030504020204" pitchFamily="34" charset="0"/>
+              <a:cs typeface="Open Sans" panose="020B0606030504020204" pitchFamily="34" charset="0"/>
+            </a:endParaRPr>
+          </a:p>
+        </p:txBody>
+      </p:sp>
+      <p:sp>
+        <p:nvSpPr>
+          <p:cNvPr id="6" name="CuadroTexto 5"/>
+          <p:cNvSpPr txBox="1"/>
+          <p:nvPr/>
+        </p:nvSpPr>
+        <p:spPr>
+          <a:xfrm>
+            <a:off x="6950363" y="4853711"/>
+            <a:ext cx="3754582" cy="1015663"/>
+          </a:xfrm>
+          <a:prstGeom prst="rect">
+            <a:avLst/>
+          </a:prstGeom>
+          <a:noFill/>
+        </p:spPr>
+        <p:txBody>
+          <a:bodyPr wrap="square" rtlCol="0">
+            <a:spAutoFit/>
+          </a:bodyPr>
+          <a:lstStyle/>
+          <a:p>
+            <a:r>
+              <a:rPr lang="en-US" sz="6000" b="1" dirty="0" smtClean="0">
+                <a:solidFill>
+                  <a:srgbClr val="FFA269"/>
+                </a:solidFill>
+                <a:ea typeface="Open Sans" panose="020B0606030504020204" pitchFamily="34" charset="0"/>
+                <a:cs typeface="Open Sans" panose="020B0606030504020204" pitchFamily="34" charset="0"/>
+              </a:rPr>
+              <a:t> </a:t>
+            </a:r>
+            <a:r>
+              <a:rPr lang="en-US" sz="6000" b="1" dirty="0" smtClean="0">
+                <a:solidFill>
+                  <a:schemeClr val="bg1"/>
+                </a:solidFill>
+                <a:ea typeface="Open Sans" panose="020B0606030504020204" pitchFamily="34" charset="0"/>
+                <a:cs typeface="Open Sans" panose="020B0606030504020204" pitchFamily="34" charset="0"/>
+              </a:rPr>
+              <a:t>problems?</a:t>
+            </a:r>
+            <a:endParaRPr lang="es-MX" sz="6000" b="1" dirty="0">
+              <a:solidFill>
+                <a:schemeClr val="bg1"/>
+              </a:solidFill>
+              <a:ea typeface="Open Sans" panose="020B0606030504020204" pitchFamily="34" charset="0"/>
+              <a:cs typeface="Open Sans" panose="020B0606030504020204" pitchFamily="34" charset="0"/>
+            </a:endParaRPr>
+          </a:p>
+        </p:txBody>
+      </p:sp>
+    </p:spTree>
+    <p:extLst>
+      <p:ext uri="{BB962C8B-B14F-4D97-AF65-F5344CB8AC3E}">
+        <p14:creationId xmlns:p14="http://schemas.microsoft.com/office/powerpoint/2010/main" val="1390949295"/>
+      </p:ext>
+    </p:extLst>
+  </p:cSld>
+  <p:clrMapOvr>
+    <a:masterClrMapping/>
+  </p:clrMapOvr>
+  <p:timing>
+    <p:tnLst>
+      <p:par>
+        <p:cTn id="1" dur="indefinite" restart="never" nodeType="tmRoot"/>
+      </p:par>
+    </p:tnLst>
+  </p:timing>
+</p:sld>
+</file>
+
+<file path=ppt/slides/slide14.xml><?xml version="1.0" encoding="utf-8"?>
+<p:sld xmlns:a="http://schemas.openxmlformats.org/drawingml/2006/main" xmlns:r="http://schemas.openxmlformats.org/officeDocument/2006/relationships" xmlns:p="http://schemas.openxmlformats.org/presentationml/2006/main">
+  <p:cSld>
+    <p:spTree>
+      <p:nvGrpSpPr>
+        <p:cNvPr id="1" name=""/>
+        <p:cNvGrpSpPr/>
+        <p:nvPr/>
+      </p:nvGrpSpPr>
+      <p:grpSpPr>
+        <a:xfrm>
+          <a:off x="0" y="0"/>
+          <a:ext cx="0" cy="0"/>
+          <a:chOff x="0" y="0"/>
+          <a:chExt cx="0" cy="0"/>
+        </a:xfrm>
+      </p:grpSpPr>
+      <p:sp>
+        <p:nvSpPr>
+          <p:cNvPr id="4" name="CuadroTexto 3"/>
+          <p:cNvSpPr txBox="1"/>
+          <p:nvPr/>
+        </p:nvSpPr>
+        <p:spPr>
+          <a:xfrm>
+            <a:off x="926444" y="2690336"/>
+            <a:ext cx="4133843" cy="1477328"/>
+          </a:xfrm>
+          <a:prstGeom prst="rect">
+            <a:avLst/>
+          </a:prstGeom>
+          <a:noFill/>
+        </p:spPr>
+        <p:txBody>
+          <a:bodyPr wrap="square" rtlCol="0">
+            <a:spAutoFit/>
+          </a:bodyPr>
+          <a:lstStyle/>
+          <a:p>
+            <a:pPr algn="r"/>
+            <a:r>
+              <a:rPr lang="en-US" sz="4500" b="1" dirty="0" smtClean="0">
+                <a:solidFill>
+                  <a:schemeClr val="bg1"/>
+                </a:solidFill>
+                <a:ea typeface="Open Sans Extrabold" panose="020B0906030804020204" pitchFamily="34" charset="0"/>
+                <a:cs typeface="Open Sans Extrabold" panose="020B0906030804020204" pitchFamily="34" charset="0"/>
+              </a:rPr>
+              <a:t>Asynchronous </a:t>
+            </a:r>
+          </a:p>
+          <a:p>
+            <a:pPr algn="r"/>
+            <a:r>
+              <a:rPr lang="en-US" sz="4500" b="1" dirty="0" smtClean="0">
+                <a:solidFill>
+                  <a:schemeClr val="bg1"/>
+                </a:solidFill>
+                <a:ea typeface="Open Sans Extrabold" panose="020B0906030804020204" pitchFamily="34" charset="0"/>
+                <a:cs typeface="Open Sans Extrabold" panose="020B0906030804020204" pitchFamily="34" charset="0"/>
+              </a:rPr>
+              <a:t>Communication</a:t>
+            </a:r>
+            <a:endParaRPr lang="es-MX" sz="4500" b="1" dirty="0">
+              <a:solidFill>
+                <a:schemeClr val="bg1"/>
+              </a:solidFill>
+              <a:ea typeface="Open Sans Extrabold" panose="020B0906030804020204" pitchFamily="34" charset="0"/>
+              <a:cs typeface="Open Sans Extrabold" panose="020B0906030804020204" pitchFamily="34" charset="0"/>
+            </a:endParaRPr>
+          </a:p>
+        </p:txBody>
+      </p:sp>
+      <p:sp>
+        <p:nvSpPr>
+          <p:cNvPr id="5" name="CuadroTexto 4"/>
+          <p:cNvSpPr txBox="1"/>
+          <p:nvPr/>
+        </p:nvSpPr>
+        <p:spPr>
+          <a:xfrm>
+            <a:off x="4987636" y="2228672"/>
+            <a:ext cx="2216728" cy="2400657"/>
+          </a:xfrm>
+          <a:prstGeom prst="rect">
+            <a:avLst/>
+          </a:prstGeom>
+          <a:noFill/>
+        </p:spPr>
+        <p:txBody>
+          <a:bodyPr wrap="square" rtlCol="0">
+            <a:spAutoFit/>
+          </a:bodyPr>
+          <a:lstStyle/>
+          <a:p>
+            <a:pPr algn="ctr"/>
+            <a:r>
+              <a:rPr lang="en-US" sz="15000" b="1" dirty="0">
+                <a:solidFill>
+                  <a:srgbClr val="FFA269"/>
+                </a:solidFill>
+                <a:ea typeface="Open Sans Extrabold" panose="020B0906030804020204" pitchFamily="34" charset="0"/>
+                <a:cs typeface="Open Sans Extrabold" panose="020B0906030804020204" pitchFamily="34" charset="0"/>
+              </a:rPr>
+              <a:t>VS</a:t>
+            </a:r>
+            <a:endParaRPr lang="es-MX" sz="15000" b="1" dirty="0">
+              <a:solidFill>
+                <a:srgbClr val="FFA269"/>
+              </a:solidFill>
+              <a:ea typeface="Open Sans Extrabold" panose="020B0906030804020204" pitchFamily="34" charset="0"/>
+              <a:cs typeface="Open Sans Extrabold" panose="020B0906030804020204" pitchFamily="34" charset="0"/>
+            </a:endParaRPr>
+          </a:p>
+        </p:txBody>
+      </p:sp>
+      <p:sp>
+        <p:nvSpPr>
+          <p:cNvPr id="6" name="CuadroTexto 5"/>
+          <p:cNvSpPr txBox="1"/>
+          <p:nvPr/>
+        </p:nvSpPr>
+        <p:spPr>
+          <a:xfrm>
+            <a:off x="7204364" y="2690336"/>
+            <a:ext cx="4133843" cy="1477328"/>
+          </a:xfrm>
+          <a:prstGeom prst="rect">
+            <a:avLst/>
+          </a:prstGeom>
+          <a:noFill/>
+        </p:spPr>
+        <p:txBody>
+          <a:bodyPr wrap="square" rtlCol="0">
+            <a:spAutoFit/>
+          </a:bodyPr>
+          <a:lstStyle/>
+          <a:p>
+            <a:r>
+              <a:rPr lang="en-US" sz="4500" b="1" dirty="0">
+                <a:solidFill>
+                  <a:schemeClr val="bg1"/>
+                </a:solidFill>
+                <a:ea typeface="Open Sans Extrabold" panose="020B0906030804020204" pitchFamily="34" charset="0"/>
+                <a:cs typeface="Open Sans Extrabold" panose="020B0906030804020204" pitchFamily="34" charset="0"/>
+              </a:rPr>
+              <a:t>S</a:t>
+            </a:r>
+            <a:r>
+              <a:rPr lang="en-US" sz="4500" b="1" dirty="0" smtClean="0">
+                <a:solidFill>
+                  <a:schemeClr val="bg1"/>
+                </a:solidFill>
+                <a:ea typeface="Open Sans Extrabold" panose="020B0906030804020204" pitchFamily="34" charset="0"/>
+                <a:cs typeface="Open Sans Extrabold" panose="020B0906030804020204" pitchFamily="34" charset="0"/>
+              </a:rPr>
+              <a:t>ynchronous </a:t>
+            </a:r>
+          </a:p>
+          <a:p>
+            <a:r>
+              <a:rPr lang="en-US" sz="4500" b="1" dirty="0" smtClean="0">
+                <a:solidFill>
+                  <a:schemeClr val="bg1"/>
+                </a:solidFill>
+                <a:ea typeface="Open Sans Extrabold" panose="020B0906030804020204" pitchFamily="34" charset="0"/>
+                <a:cs typeface="Open Sans Extrabold" panose="020B0906030804020204" pitchFamily="34" charset="0"/>
+              </a:rPr>
+              <a:t>Communication</a:t>
+            </a:r>
+            <a:endParaRPr lang="es-MX" sz="4500" b="1" dirty="0">
+              <a:solidFill>
+                <a:schemeClr val="bg1"/>
+              </a:solidFill>
+              <a:ea typeface="Open Sans Extrabold" panose="020B0906030804020204" pitchFamily="34" charset="0"/>
+              <a:cs typeface="Open Sans Extrabold" panose="020B0906030804020204" pitchFamily="34" charset="0"/>
+            </a:endParaRPr>
+          </a:p>
+        </p:txBody>
+      </p:sp>
+    </p:spTree>
+    <p:extLst>
+      <p:ext uri="{BB962C8B-B14F-4D97-AF65-F5344CB8AC3E}">
+        <p14:creationId xmlns:p14="http://schemas.microsoft.com/office/powerpoint/2010/main" val="3844716435"/>
+      </p:ext>
+    </p:extLst>
+  </p:cSld>
+  <p:clrMapOvr>
+    <a:masterClrMapping/>
+  </p:clrMapOvr>
+  <p:timing>
+    <p:tnLst>
+      <p:par>
+        <p:cTn id="1" dur="indefinite" restart="never" nodeType="tmRoot"/>
+      </p:par>
+    </p:tnLst>
+  </p:timing>
+</p:sld>
+</file>
+
+<file path=ppt/slides/slide15.xml><?xml version="1.0" encoding="utf-8"?>
+<p:sld xmlns:a="http://schemas.openxmlformats.org/drawingml/2006/main" xmlns:r="http://schemas.openxmlformats.org/officeDocument/2006/relationships" xmlns:p="http://schemas.openxmlformats.org/presentationml/2006/main">
+  <p:cSld>
+    <p:spTree>
+      <p:nvGrpSpPr>
+        <p:cNvPr id="1" name=""/>
+        <p:cNvGrpSpPr/>
+        <p:nvPr/>
+      </p:nvGrpSpPr>
+      <p:grpSpPr>
+        <a:xfrm>
+          <a:off x="0" y="0"/>
+          <a:ext cx="0" cy="0"/>
+          <a:chOff x="0" y="0"/>
+          <a:chExt cx="0" cy="0"/>
+        </a:xfrm>
+      </p:grpSpPr>
+      <p:grpSp>
+        <p:nvGrpSpPr>
+          <p:cNvPr id="9" name="Grupo 8"/>
+          <p:cNvGrpSpPr/>
+          <p:nvPr/>
+        </p:nvGrpSpPr>
+        <p:grpSpPr>
+          <a:xfrm>
+            <a:off x="2083188" y="2597229"/>
+            <a:ext cx="8025625" cy="1663542"/>
+            <a:chOff x="541528" y="2504122"/>
+            <a:chExt cx="8025625" cy="1663542"/>
+          </a:xfrm>
+        </p:grpSpPr>
+        <p:sp>
+          <p:nvSpPr>
+            <p:cNvPr id="8" name="CuadroTexto 7"/>
+            <p:cNvSpPr txBox="1"/>
+            <p:nvPr/>
+          </p:nvSpPr>
+          <p:spPr>
+            <a:xfrm>
+              <a:off x="1565912" y="2690336"/>
+              <a:ext cx="7001241" cy="1477328"/>
+            </a:xfrm>
+            <a:prstGeom prst="rect">
+              <a:avLst/>
+            </a:prstGeom>
+            <a:noFill/>
+          </p:spPr>
+          <p:txBody>
+            <a:bodyPr wrap="square" rtlCol="0">
+              <a:spAutoFit/>
+            </a:bodyPr>
+            <a:lstStyle/>
+            <a:p>
+              <a:r>
+                <a:rPr lang="en-US" sz="4500" b="1" dirty="0" err="1">
+                  <a:solidFill>
+                    <a:schemeClr val="bg1"/>
+                  </a:solidFill>
+                  <a:ea typeface="Roboto" panose="02000000000000000000" pitchFamily="2" charset="0"/>
+                </a:rPr>
+                <a:t>Dependant</a:t>
+              </a:r>
+              <a:r>
+                <a:rPr lang="en-US" sz="4500" b="1" dirty="0">
+                  <a:solidFill>
+                    <a:schemeClr val="bg1"/>
+                  </a:solidFill>
+                  <a:ea typeface="Roboto" panose="02000000000000000000" pitchFamily="2" charset="0"/>
+                </a:rPr>
+                <a:t> </a:t>
+              </a:r>
+              <a:r>
+                <a:rPr lang="en-US" sz="3000" b="1" dirty="0" smtClean="0">
+                  <a:solidFill>
+                    <a:srgbClr val="FFA269"/>
+                  </a:solidFill>
+                  <a:ea typeface="Roboto" panose="02000000000000000000" pitchFamily="2" charset="0"/>
+                </a:rPr>
+                <a:t>of instant </a:t>
+              </a:r>
+              <a:r>
+                <a:rPr lang="en-US" sz="4500" b="1" dirty="0">
+                  <a:solidFill>
+                    <a:schemeClr val="bg1"/>
+                  </a:solidFill>
+                  <a:ea typeface="Roboto" panose="02000000000000000000" pitchFamily="2" charset="0"/>
+                </a:rPr>
+                <a:t>solutions</a:t>
+              </a:r>
+              <a:r>
+                <a:rPr lang="en-US" sz="3000" b="1" dirty="0" smtClean="0">
+                  <a:solidFill>
+                    <a:schemeClr val="bg1"/>
+                  </a:solidFill>
+                  <a:ea typeface="Roboto" panose="02000000000000000000" pitchFamily="2" charset="0"/>
+                </a:rPr>
+                <a:t> </a:t>
+              </a:r>
+              <a:r>
+                <a:rPr lang="en-US" sz="3000" b="1" dirty="0" smtClean="0">
+                  <a:solidFill>
+                    <a:srgbClr val="FFA269"/>
+                  </a:solidFill>
+                  <a:ea typeface="Roboto" panose="02000000000000000000" pitchFamily="2" charset="0"/>
+                </a:rPr>
+                <a:t>/</a:t>
+              </a:r>
+            </a:p>
+            <a:p>
+              <a:r>
+                <a:rPr lang="en-US" sz="4500" b="1" dirty="0" smtClean="0">
+                  <a:solidFill>
+                    <a:schemeClr val="bg1"/>
+                  </a:solidFill>
+                  <a:ea typeface="Roboto" panose="02000000000000000000" pitchFamily="2" charset="0"/>
+                </a:rPr>
+                <a:t>answers</a:t>
+              </a:r>
+              <a:r>
+                <a:rPr lang="en-US" sz="3000" b="1" dirty="0" smtClean="0">
+                  <a:solidFill>
+                    <a:schemeClr val="bg1"/>
+                  </a:solidFill>
+                  <a:ea typeface="Roboto" panose="02000000000000000000" pitchFamily="2" charset="0"/>
+                </a:rPr>
+                <a:t> </a:t>
+              </a:r>
+              <a:r>
+                <a:rPr lang="en-US" sz="3000" b="1" dirty="0">
+                  <a:solidFill>
+                    <a:srgbClr val="FFA269"/>
+                  </a:solidFill>
+                  <a:ea typeface="Roboto" panose="02000000000000000000" pitchFamily="2" charset="0"/>
+                </a:rPr>
+                <a:t>/</a:t>
+              </a:r>
+              <a:r>
+                <a:rPr lang="en-US" sz="3000" b="1" dirty="0" smtClean="0">
+                  <a:solidFill>
+                    <a:schemeClr val="bg1"/>
+                  </a:solidFill>
+                  <a:ea typeface="Roboto" panose="02000000000000000000" pitchFamily="2" charset="0"/>
+                </a:rPr>
+                <a:t> </a:t>
+              </a:r>
+              <a:r>
+                <a:rPr lang="en-US" sz="4500" b="1" dirty="0" smtClean="0">
+                  <a:solidFill>
+                    <a:schemeClr val="bg1"/>
+                  </a:solidFill>
+                  <a:ea typeface="Roboto" panose="02000000000000000000" pitchFamily="2" charset="0"/>
+                </a:rPr>
+                <a:t>tasks</a:t>
+              </a:r>
+              <a:endParaRPr lang="es-MX" sz="4500" b="1" dirty="0">
+                <a:solidFill>
+                  <a:schemeClr val="bg1"/>
+                </a:solidFill>
+                <a:ea typeface="Roboto" panose="02000000000000000000" pitchFamily="2" charset="0"/>
+              </a:endParaRPr>
+            </a:p>
+          </p:txBody>
+        </p:sp>
+        <p:sp>
+          <p:nvSpPr>
+            <p:cNvPr id="2" name="Rectángulo 1"/>
+            <p:cNvSpPr/>
+            <p:nvPr/>
+          </p:nvSpPr>
+          <p:spPr>
+            <a:xfrm>
+              <a:off x="1609034" y="2504122"/>
+              <a:ext cx="6096000" cy="369332"/>
+            </a:xfrm>
+            <a:prstGeom prst="rect">
+              <a:avLst/>
+            </a:prstGeom>
+          </p:spPr>
+          <p:txBody>
+            <a:bodyPr>
+              <a:spAutoFit/>
+            </a:bodyPr>
+            <a:lstStyle/>
+            <a:p>
+              <a:r>
+                <a:rPr lang="en-US" b="1" dirty="0">
+                  <a:solidFill>
+                    <a:schemeClr val="bg1"/>
+                  </a:solidFill>
+                  <a:ea typeface="Open Sans Extrabold" panose="020B0906030804020204" pitchFamily="34" charset="0"/>
+                  <a:cs typeface="Open Sans Extrabold" panose="020B0906030804020204" pitchFamily="34" charset="0"/>
+                </a:rPr>
+                <a:t>Synchronous </a:t>
+              </a:r>
+              <a:r>
+                <a:rPr lang="en-US" b="1" dirty="0" smtClean="0">
+                  <a:solidFill>
+                    <a:schemeClr val="bg1"/>
+                  </a:solidFill>
+                  <a:ea typeface="Open Sans Extrabold" panose="020B0906030804020204" pitchFamily="34" charset="0"/>
+                  <a:cs typeface="Open Sans Extrabold" panose="020B0906030804020204" pitchFamily="34" charset="0"/>
+                </a:rPr>
+                <a:t>Communication</a:t>
+              </a:r>
+              <a:endParaRPr lang="es-MX" b="1" dirty="0">
+                <a:solidFill>
+                  <a:schemeClr val="bg1"/>
+                </a:solidFill>
+                <a:ea typeface="Open Sans Extrabold" panose="020B0906030804020204" pitchFamily="34" charset="0"/>
+                <a:cs typeface="Open Sans Extrabold" panose="020B0906030804020204" pitchFamily="34" charset="0"/>
+              </a:endParaRPr>
+            </a:p>
+          </p:txBody>
+        </p:sp>
+        <p:pic>
+          <p:nvPicPr>
+            <p:cNvPr id="3" name="Imagen 2"/>
+            <p:cNvPicPr>
+              <a:picLocks noChangeAspect="1"/>
+            </p:cNvPicPr>
+            <p:nvPr/>
+          </p:nvPicPr>
+          <p:blipFill>
+            <a:blip r:embed="rId2" cstate="print">
+              <a:extLst>
+                <a:ext uri="{28A0092B-C50C-407E-A947-70E740481C1C}">
+                  <a14:useLocalDpi xmlns:a14="http://schemas.microsoft.com/office/drawing/2010/main" val="0"/>
+                </a:ext>
+              </a:extLst>
+            </a:blip>
+            <a:stretch>
+              <a:fillRect/>
+            </a:stretch>
+          </p:blipFill>
+          <p:spPr>
+            <a:xfrm>
+              <a:off x="541528" y="2927185"/>
+              <a:ext cx="872926" cy="1018896"/>
+            </a:xfrm>
+            <a:prstGeom prst="rect">
+              <a:avLst/>
+            </a:prstGeom>
+          </p:spPr>
+        </p:pic>
+      </p:grpSp>
+    </p:spTree>
+    <p:extLst>
+      <p:ext uri="{BB962C8B-B14F-4D97-AF65-F5344CB8AC3E}">
+        <p14:creationId xmlns:p14="http://schemas.microsoft.com/office/powerpoint/2010/main" val="3244883739"/>
+      </p:ext>
+    </p:extLst>
+  </p:cSld>
+  <p:clrMapOvr>
+    <a:masterClrMapping/>
+  </p:clrMapOvr>
+  <p:timing>
+    <p:tnLst>
+      <p:par>
+        <p:cTn id="1" dur="indefinite" restart="never" nodeType="tmRoot"/>
+      </p:par>
+    </p:tnLst>
+  </p:timing>
+</p:sld>
+</file>
+
+<file path=ppt/slides/slide16.xml><?xml version="1.0" encoding="utf-8"?>
+<p:sld xmlns:a="http://schemas.openxmlformats.org/drawingml/2006/main" xmlns:r="http://schemas.openxmlformats.org/officeDocument/2006/relationships" xmlns:p="http://schemas.openxmlformats.org/presentationml/2006/main">
+  <p:cSld>
+    <p:spTree>
+      <p:nvGrpSpPr>
+        <p:cNvPr id="1" name=""/>
+        <p:cNvGrpSpPr/>
+        <p:nvPr/>
+      </p:nvGrpSpPr>
+      <p:grpSpPr>
+        <a:xfrm>
+          <a:off x="0" y="0"/>
+          <a:ext cx="0" cy="0"/>
+          <a:chOff x="0" y="0"/>
+          <a:chExt cx="0" cy="0"/>
+        </a:xfrm>
+      </p:grpSpPr>
+      <p:sp>
+        <p:nvSpPr>
+          <p:cNvPr id="7" name="CuadroTexto 6"/>
+          <p:cNvSpPr txBox="1"/>
+          <p:nvPr/>
+        </p:nvSpPr>
+        <p:spPr>
+          <a:xfrm>
+            <a:off x="3135280" y="2589609"/>
+            <a:ext cx="3108607" cy="369332"/>
+          </a:xfrm>
+          <a:prstGeom prst="rect">
+            <a:avLst/>
+          </a:prstGeom>
+          <a:noFill/>
+        </p:spPr>
+        <p:txBody>
+          <a:bodyPr wrap="square" rtlCol="0">
+            <a:spAutoFit/>
+          </a:bodyPr>
+          <a:lstStyle/>
+          <a:p>
+            <a:r>
+              <a:rPr lang="en-US" b="1" dirty="0">
+                <a:solidFill>
+                  <a:schemeClr val="bg1"/>
+                </a:solidFill>
+                <a:ea typeface="Open Sans Extrabold" panose="020B0906030804020204" pitchFamily="34" charset="0"/>
+                <a:cs typeface="Open Sans Extrabold" panose="020B0906030804020204" pitchFamily="34" charset="0"/>
+              </a:rPr>
+              <a:t>Asynchronous Communication</a:t>
+            </a:r>
+            <a:endParaRPr lang="es-MX" b="1" dirty="0">
+              <a:solidFill>
+                <a:schemeClr val="bg1"/>
+              </a:solidFill>
+              <a:ea typeface="Open Sans Extrabold" panose="020B0906030804020204" pitchFamily="34" charset="0"/>
+              <a:cs typeface="Open Sans Extrabold" panose="020B0906030804020204" pitchFamily="34" charset="0"/>
+            </a:endParaRPr>
+          </a:p>
+        </p:txBody>
+      </p:sp>
+      <p:sp>
+        <p:nvSpPr>
+          <p:cNvPr id="8" name="CuadroTexto 7"/>
+          <p:cNvSpPr txBox="1"/>
+          <p:nvPr/>
+        </p:nvSpPr>
+        <p:spPr>
+          <a:xfrm>
+            <a:off x="3107572" y="2792693"/>
+            <a:ext cx="7001241" cy="1246495"/>
+          </a:xfrm>
+          <a:prstGeom prst="rect">
+            <a:avLst/>
+          </a:prstGeom>
+          <a:noFill/>
+        </p:spPr>
+        <p:txBody>
+          <a:bodyPr wrap="square" rtlCol="0">
+            <a:spAutoFit/>
+          </a:bodyPr>
+          <a:lstStyle/>
+          <a:p>
+            <a:r>
+              <a:rPr lang="en-US" sz="4500" b="1" dirty="0" smtClean="0">
+                <a:solidFill>
+                  <a:schemeClr val="bg1"/>
+                </a:solidFill>
+                <a:ea typeface="Roboto" panose="02000000000000000000" pitchFamily="2" charset="0"/>
+              </a:rPr>
+              <a:t>Send more information</a:t>
+            </a:r>
+            <a:r>
+              <a:rPr lang="en-US" sz="3000" b="1" dirty="0" smtClean="0">
+                <a:solidFill>
+                  <a:schemeClr val="bg1"/>
+                </a:solidFill>
+                <a:ea typeface="Roboto" panose="02000000000000000000" pitchFamily="2" charset="0"/>
+              </a:rPr>
+              <a:t> </a:t>
+            </a:r>
+            <a:r>
+              <a:rPr lang="en-US" sz="3000" b="1" dirty="0" smtClean="0">
+                <a:solidFill>
+                  <a:srgbClr val="FFB88C"/>
+                </a:solidFill>
+                <a:ea typeface="Roboto" panose="02000000000000000000" pitchFamily="2" charset="0"/>
+              </a:rPr>
+              <a:t>than you normally do</a:t>
+            </a:r>
+            <a:endParaRPr lang="es-MX" sz="3000" b="1" dirty="0">
+              <a:solidFill>
+                <a:srgbClr val="FFB88C"/>
+              </a:solidFill>
+              <a:ea typeface="Roboto" panose="02000000000000000000" pitchFamily="2" charset="0"/>
+            </a:endParaRPr>
+          </a:p>
+        </p:txBody>
+      </p:sp>
+      <p:pic>
+        <p:nvPicPr>
+          <p:cNvPr id="10" name="Imagen 9"/>
+          <p:cNvPicPr>
+            <a:picLocks noChangeAspect="1"/>
+          </p:cNvPicPr>
+          <p:nvPr/>
+        </p:nvPicPr>
+        <p:blipFill>
+          <a:blip r:embed="rId2" cstate="print">
+            <a:extLst>
+              <a:ext uri="{28A0092B-C50C-407E-A947-70E740481C1C}">
+                <a14:useLocalDpi xmlns:a14="http://schemas.microsoft.com/office/drawing/2010/main" val="0"/>
+              </a:ext>
+            </a:extLst>
+          </a:blip>
+          <a:stretch>
+            <a:fillRect/>
+          </a:stretch>
+        </p:blipFill>
+        <p:spPr>
+          <a:xfrm>
+            <a:off x="2141781" y="3057237"/>
+            <a:ext cx="700515" cy="1018896"/>
+          </a:xfrm>
+          <a:prstGeom prst="rect">
+            <a:avLst/>
+          </a:prstGeom>
+        </p:spPr>
+      </p:pic>
+    </p:spTree>
+    <p:extLst>
+      <p:ext uri="{BB962C8B-B14F-4D97-AF65-F5344CB8AC3E}">
+        <p14:creationId xmlns:p14="http://schemas.microsoft.com/office/powerpoint/2010/main" val="768931610"/>
+      </p:ext>
+    </p:extLst>
+  </p:cSld>
+  <p:clrMapOvr>
+    <a:masterClrMapping/>
+  </p:clrMapOvr>
+  <p:timing>
+    <p:tnLst>
+      <p:par>
+        <p:cTn id="1" dur="indefinite" restart="never" nodeType="tmRoot"/>
+      </p:par>
+    </p:tnLst>
+  </p:timing>
+</p:sld>
+</file>
+
+<file path=ppt/slides/slide17.xml><?xml version="1.0" encoding="utf-8"?>
+<p:sld xmlns:a="http://schemas.openxmlformats.org/drawingml/2006/main" xmlns:r="http://schemas.openxmlformats.org/officeDocument/2006/relationships" xmlns:p="http://schemas.openxmlformats.org/presentationml/2006/main">
+  <p:cSld>
+    <p:spTree>
+      <p:nvGrpSpPr>
+        <p:cNvPr id="1" name=""/>
+        <p:cNvGrpSpPr/>
+        <p:nvPr/>
+      </p:nvGrpSpPr>
+      <p:grpSpPr>
+        <a:xfrm>
+          <a:off x="0" y="0"/>
+          <a:ext cx="0" cy="0"/>
+          <a:chOff x="0" y="0"/>
+          <a:chExt cx="0" cy="0"/>
+        </a:xfrm>
+      </p:grpSpPr>
+      <p:sp>
+        <p:nvSpPr>
+          <p:cNvPr id="7" name="CuadroTexto 6"/>
+          <p:cNvSpPr txBox="1"/>
+          <p:nvPr/>
+        </p:nvSpPr>
+        <p:spPr>
+          <a:xfrm>
+            <a:off x="3135280" y="2589609"/>
+            <a:ext cx="3108607" cy="369332"/>
+          </a:xfrm>
+          <a:prstGeom prst="rect">
+            <a:avLst/>
+          </a:prstGeom>
+          <a:noFill/>
+        </p:spPr>
+        <p:txBody>
+          <a:bodyPr wrap="square" rtlCol="0">
+            <a:spAutoFit/>
+          </a:bodyPr>
+          <a:lstStyle/>
+          <a:p>
+            <a:r>
+              <a:rPr lang="en-US" b="1" dirty="0">
+                <a:solidFill>
+                  <a:schemeClr val="bg1"/>
+                </a:solidFill>
+                <a:ea typeface="Open Sans Extrabold" panose="020B0906030804020204" pitchFamily="34" charset="0"/>
+                <a:cs typeface="Open Sans Extrabold" panose="020B0906030804020204" pitchFamily="34" charset="0"/>
+              </a:rPr>
+              <a:t>Asynchronous Communication</a:t>
+            </a:r>
+            <a:endParaRPr lang="es-MX" b="1" dirty="0">
+              <a:solidFill>
+                <a:schemeClr val="bg1"/>
+              </a:solidFill>
+              <a:ea typeface="Open Sans Extrabold" panose="020B0906030804020204" pitchFamily="34" charset="0"/>
+              <a:cs typeface="Open Sans Extrabold" panose="020B0906030804020204" pitchFamily="34" charset="0"/>
+            </a:endParaRPr>
+          </a:p>
+        </p:txBody>
+      </p:sp>
+      <p:sp>
+        <p:nvSpPr>
+          <p:cNvPr id="8" name="CuadroTexto 7"/>
+          <p:cNvSpPr txBox="1"/>
+          <p:nvPr/>
+        </p:nvSpPr>
+        <p:spPr>
+          <a:xfrm>
+            <a:off x="3107572" y="2792693"/>
+            <a:ext cx="7001241" cy="1246495"/>
+          </a:xfrm>
+          <a:prstGeom prst="rect">
+            <a:avLst/>
+          </a:prstGeom>
+          <a:noFill/>
+        </p:spPr>
+        <p:txBody>
+          <a:bodyPr wrap="square" rtlCol="0">
+            <a:spAutoFit/>
+          </a:bodyPr>
+          <a:lstStyle/>
+          <a:p>
+            <a:r>
+              <a:rPr lang="en-US" sz="4500" b="1" dirty="0" smtClean="0">
+                <a:solidFill>
+                  <a:schemeClr val="bg1"/>
+                </a:solidFill>
+                <a:ea typeface="Roboto" panose="02000000000000000000" pitchFamily="2" charset="0"/>
+              </a:rPr>
+              <a:t>Send enough information </a:t>
+            </a:r>
+            <a:r>
+              <a:rPr lang="en-US" sz="3000" b="1" dirty="0" smtClean="0">
+                <a:solidFill>
+                  <a:srgbClr val="FFB88C"/>
+                </a:solidFill>
+                <a:ea typeface="Roboto" panose="02000000000000000000" pitchFamily="2" charset="0"/>
+              </a:rPr>
+              <a:t>to cover up all the follow-up questions.</a:t>
+            </a:r>
+            <a:endParaRPr lang="es-MX" sz="3000" b="1" dirty="0">
+              <a:solidFill>
+                <a:srgbClr val="FFB88C"/>
+              </a:solidFill>
+              <a:ea typeface="Roboto" panose="02000000000000000000" pitchFamily="2" charset="0"/>
+            </a:endParaRPr>
+          </a:p>
+        </p:txBody>
+      </p:sp>
+      <p:pic>
+        <p:nvPicPr>
+          <p:cNvPr id="5" name="Imagen 4"/>
+          <p:cNvPicPr>
+            <a:picLocks noChangeAspect="1"/>
+          </p:cNvPicPr>
+          <p:nvPr/>
+        </p:nvPicPr>
+        <p:blipFill>
+          <a:blip r:embed="rId2" cstate="print">
+            <a:extLst>
+              <a:ext uri="{28A0092B-C50C-407E-A947-70E740481C1C}">
+                <a14:useLocalDpi xmlns:a14="http://schemas.microsoft.com/office/drawing/2010/main" val="0"/>
+              </a:ext>
+            </a:extLst>
+          </a:blip>
+          <a:stretch>
+            <a:fillRect/>
+          </a:stretch>
+        </p:blipFill>
+        <p:spPr>
+          <a:xfrm>
+            <a:off x="2023877" y="3057237"/>
+            <a:ext cx="936321" cy="1021003"/>
+          </a:xfrm>
+          <a:prstGeom prst="rect">
+            <a:avLst/>
+          </a:prstGeom>
+        </p:spPr>
+      </p:pic>
+    </p:spTree>
+    <p:extLst>
+      <p:ext uri="{BB962C8B-B14F-4D97-AF65-F5344CB8AC3E}">
+        <p14:creationId xmlns:p14="http://schemas.microsoft.com/office/powerpoint/2010/main" val="2250133055"/>
+      </p:ext>
+    </p:extLst>
+  </p:cSld>
+  <p:clrMapOvr>
+    <a:masterClrMapping/>
+  </p:clrMapOvr>
+  <p:timing>
+    <p:tnLst>
+      <p:par>
+        <p:cTn id="1" dur="indefinite" restart="never" nodeType="tmRoot"/>
+      </p:par>
+    </p:tnLst>
+  </p:timing>
+</p:sld>
+</file>
+
+<file path=ppt/slides/slide18.xml><?xml version="1.0" encoding="utf-8"?>
+<p:sld xmlns:a="http://schemas.openxmlformats.org/drawingml/2006/main" xmlns:r="http://schemas.openxmlformats.org/officeDocument/2006/relationships" xmlns:p="http://schemas.openxmlformats.org/presentationml/2006/main">
+  <p:cSld>
+    <p:spTree>
+      <p:nvGrpSpPr>
+        <p:cNvPr id="1" name=""/>
+        <p:cNvGrpSpPr/>
+        <p:nvPr/>
+      </p:nvGrpSpPr>
+      <p:grpSpPr>
+        <a:xfrm>
+          <a:off x="0" y="0"/>
+          <a:ext cx="0" cy="0"/>
+          <a:chOff x="0" y="0"/>
+          <a:chExt cx="0" cy="0"/>
+        </a:xfrm>
+      </p:grpSpPr>
+      <p:sp>
+        <p:nvSpPr>
+          <p:cNvPr id="7" name="CuadroTexto 6"/>
+          <p:cNvSpPr txBox="1"/>
+          <p:nvPr/>
+        </p:nvSpPr>
+        <p:spPr>
+          <a:xfrm>
+            <a:off x="3135280" y="2589609"/>
+            <a:ext cx="3108607" cy="369332"/>
+          </a:xfrm>
+          <a:prstGeom prst="rect">
+            <a:avLst/>
+          </a:prstGeom>
+          <a:noFill/>
+        </p:spPr>
+        <p:txBody>
+          <a:bodyPr wrap="square" rtlCol="0">
+            <a:spAutoFit/>
+          </a:bodyPr>
+          <a:lstStyle/>
+          <a:p>
+            <a:r>
+              <a:rPr lang="en-US" b="1" dirty="0">
+                <a:solidFill>
+                  <a:schemeClr val="bg1"/>
+                </a:solidFill>
+                <a:ea typeface="Open Sans Extrabold" panose="020B0906030804020204" pitchFamily="34" charset="0"/>
+                <a:cs typeface="Open Sans Extrabold" panose="020B0906030804020204" pitchFamily="34" charset="0"/>
+              </a:rPr>
+              <a:t>Asynchronous Communication</a:t>
+            </a:r>
+            <a:endParaRPr lang="es-MX" b="1" dirty="0">
+              <a:solidFill>
+                <a:schemeClr val="bg1"/>
+              </a:solidFill>
+              <a:ea typeface="Open Sans Extrabold" panose="020B0906030804020204" pitchFamily="34" charset="0"/>
+              <a:cs typeface="Open Sans Extrabold" panose="020B0906030804020204" pitchFamily="34" charset="0"/>
+            </a:endParaRPr>
+          </a:p>
+        </p:txBody>
+      </p:sp>
+      <p:sp>
+        <p:nvSpPr>
+          <p:cNvPr id="8" name="CuadroTexto 7"/>
+          <p:cNvSpPr txBox="1"/>
+          <p:nvPr/>
+        </p:nvSpPr>
+        <p:spPr>
+          <a:xfrm>
+            <a:off x="3107572" y="2792693"/>
+            <a:ext cx="7001241" cy="784830"/>
+          </a:xfrm>
+          <a:prstGeom prst="rect">
+            <a:avLst/>
+          </a:prstGeom>
+          <a:noFill/>
+        </p:spPr>
+        <p:txBody>
+          <a:bodyPr wrap="square" rtlCol="0">
+            <a:spAutoFit/>
+          </a:bodyPr>
+          <a:lstStyle/>
+          <a:p>
+            <a:r>
+              <a:rPr lang="en-US" sz="3000" b="1" dirty="0" smtClean="0">
+                <a:solidFill>
+                  <a:srgbClr val="FFB88C"/>
+                </a:solidFill>
+                <a:ea typeface="Roboto" panose="02000000000000000000" pitchFamily="2" charset="0"/>
+              </a:rPr>
+              <a:t>Add a </a:t>
+            </a:r>
+            <a:r>
+              <a:rPr lang="en-US" sz="4500" b="1" dirty="0" smtClean="0">
+                <a:solidFill>
+                  <a:schemeClr val="bg1"/>
+                </a:solidFill>
+                <a:ea typeface="Roboto" panose="02000000000000000000" pitchFamily="2" charset="0"/>
+              </a:rPr>
+              <a:t>deadline and priority</a:t>
+            </a:r>
+            <a:endParaRPr lang="es-MX" sz="4500" b="1" dirty="0">
+              <a:solidFill>
+                <a:schemeClr val="bg1"/>
+              </a:solidFill>
+              <a:ea typeface="Roboto" panose="02000000000000000000" pitchFamily="2" charset="0"/>
+            </a:endParaRPr>
+          </a:p>
+        </p:txBody>
+      </p:sp>
+      <p:pic>
+        <p:nvPicPr>
+          <p:cNvPr id="6" name="Imagen 5"/>
+          <p:cNvPicPr>
+            <a:picLocks noChangeAspect="1"/>
+          </p:cNvPicPr>
+          <p:nvPr/>
+        </p:nvPicPr>
+        <p:blipFill>
+          <a:blip r:embed="rId2" cstate="print">
+            <a:extLst>
+              <a:ext uri="{28A0092B-C50C-407E-A947-70E740481C1C}">
+                <a14:useLocalDpi xmlns:a14="http://schemas.microsoft.com/office/drawing/2010/main" val="0"/>
+              </a:ext>
+            </a:extLst>
+          </a:blip>
+          <a:stretch>
+            <a:fillRect/>
+          </a:stretch>
+        </p:blipFill>
+        <p:spPr>
+          <a:xfrm>
+            <a:off x="2031152" y="3057237"/>
+            <a:ext cx="851842" cy="1021003"/>
+          </a:xfrm>
+          <a:prstGeom prst="rect">
+            <a:avLst/>
+          </a:prstGeom>
+        </p:spPr>
+      </p:pic>
+    </p:spTree>
+    <p:extLst>
+      <p:ext uri="{BB962C8B-B14F-4D97-AF65-F5344CB8AC3E}">
+        <p14:creationId xmlns:p14="http://schemas.microsoft.com/office/powerpoint/2010/main" val="355290492"/>
+      </p:ext>
+    </p:extLst>
+  </p:cSld>
+  <p:clrMapOvr>
+    <a:masterClrMapping/>
+  </p:clrMapOvr>
+  <p:timing>
+    <p:tnLst>
+      <p:par>
+        <p:cTn id="1" dur="indefinite" restart="never" nodeType="tmRoot"/>
+      </p:par>
+    </p:tnLst>
+  </p:timing>
+</p:sld>
+</file>
+
+<file path=ppt/slides/slide19.xml><?xml version="1.0" encoding="utf-8"?>
+<p:sld xmlns:a="http://schemas.openxmlformats.org/drawingml/2006/main" xmlns:r="http://schemas.openxmlformats.org/officeDocument/2006/relationships" xmlns:p="http://schemas.openxmlformats.org/presentationml/2006/main">
+  <p:cSld>
+    <p:spTree>
+      <p:nvGrpSpPr>
+        <p:cNvPr id="1" name=""/>
+        <p:cNvGrpSpPr/>
+        <p:nvPr/>
+      </p:nvGrpSpPr>
+      <p:grpSpPr>
+        <a:xfrm>
+          <a:off x="0" y="0"/>
+          <a:ext cx="0" cy="0"/>
+          <a:chOff x="0" y="0"/>
+          <a:chExt cx="0" cy="0"/>
+        </a:xfrm>
+      </p:grpSpPr>
+      <p:pic>
+        <p:nvPicPr>
+          <p:cNvPr id="2" name="Imagen 1"/>
+          <p:cNvPicPr>
+            <a:picLocks noChangeAspect="1"/>
+          </p:cNvPicPr>
+          <p:nvPr/>
+        </p:nvPicPr>
+        <p:blipFill>
+          <a:blip r:embed="rId2" cstate="print">
+            <a:extLst>
+              <a:ext uri="{28A0092B-C50C-407E-A947-70E740481C1C}">
+                <a14:useLocalDpi xmlns:a14="http://schemas.microsoft.com/office/drawing/2010/main" val="0"/>
+              </a:ext>
+            </a:extLst>
+          </a:blip>
+          <a:stretch>
+            <a:fillRect/>
+          </a:stretch>
+        </p:blipFill>
+        <p:spPr>
+          <a:xfrm>
+            <a:off x="1917259" y="2992540"/>
+            <a:ext cx="1078024" cy="1085700"/>
+          </a:xfrm>
+          <a:prstGeom prst="rect">
+            <a:avLst/>
+          </a:prstGeom>
+        </p:spPr>
+      </p:pic>
+      <p:sp>
+        <p:nvSpPr>
+          <p:cNvPr id="7" name="CuadroTexto 6"/>
+          <p:cNvSpPr txBox="1"/>
+          <p:nvPr/>
+        </p:nvSpPr>
+        <p:spPr>
+          <a:xfrm>
+            <a:off x="3135280" y="2589609"/>
+            <a:ext cx="3108607" cy="369332"/>
+          </a:xfrm>
+          <a:prstGeom prst="rect">
+            <a:avLst/>
+          </a:prstGeom>
+          <a:noFill/>
+        </p:spPr>
+        <p:txBody>
+          <a:bodyPr wrap="square" rtlCol="0">
+            <a:spAutoFit/>
+          </a:bodyPr>
+          <a:lstStyle/>
+          <a:p>
+            <a:r>
+              <a:rPr lang="en-US" b="1" dirty="0">
+                <a:solidFill>
+                  <a:schemeClr val="bg1"/>
+                </a:solidFill>
+                <a:ea typeface="Open Sans Extrabold" panose="020B0906030804020204" pitchFamily="34" charset="0"/>
+                <a:cs typeface="Open Sans Extrabold" panose="020B0906030804020204" pitchFamily="34" charset="0"/>
+              </a:rPr>
+              <a:t>Asynchronous Communication</a:t>
+            </a:r>
+            <a:endParaRPr lang="es-MX" b="1" dirty="0">
+              <a:solidFill>
+                <a:schemeClr val="bg1"/>
+              </a:solidFill>
+              <a:ea typeface="Open Sans Extrabold" panose="020B0906030804020204" pitchFamily="34" charset="0"/>
+              <a:cs typeface="Open Sans Extrabold" panose="020B0906030804020204" pitchFamily="34" charset="0"/>
+            </a:endParaRPr>
+          </a:p>
+        </p:txBody>
+      </p:sp>
+      <p:sp>
+        <p:nvSpPr>
+          <p:cNvPr id="8" name="CuadroTexto 7"/>
+          <p:cNvSpPr txBox="1"/>
+          <p:nvPr/>
+        </p:nvSpPr>
+        <p:spPr>
+          <a:xfrm>
+            <a:off x="3107572" y="2792693"/>
+            <a:ext cx="7001241" cy="1477328"/>
+          </a:xfrm>
+          <a:prstGeom prst="rect">
+            <a:avLst/>
+          </a:prstGeom>
+          <a:noFill/>
+        </p:spPr>
+        <p:txBody>
+          <a:bodyPr wrap="square" rtlCol="0">
+            <a:spAutoFit/>
+          </a:bodyPr>
+          <a:lstStyle/>
+          <a:p>
+            <a:r>
+              <a:rPr lang="en-US" sz="4500" b="1" dirty="0" smtClean="0">
+                <a:solidFill>
+                  <a:schemeClr val="bg1"/>
+                </a:solidFill>
+                <a:ea typeface="Roboto" panose="02000000000000000000" pitchFamily="2" charset="0"/>
+              </a:rPr>
+              <a:t>Add</a:t>
+            </a:r>
+            <a:r>
+              <a:rPr lang="en-US" sz="3000" b="1" dirty="0" smtClean="0">
+                <a:solidFill>
+                  <a:srgbClr val="FFB88C"/>
+                </a:solidFill>
+                <a:ea typeface="Roboto" panose="02000000000000000000" pitchFamily="2" charset="0"/>
+              </a:rPr>
+              <a:t> links, images and as much </a:t>
+            </a:r>
+            <a:r>
+              <a:rPr lang="en-US" sz="4500" b="1" dirty="0" smtClean="0">
+                <a:solidFill>
+                  <a:schemeClr val="bg1"/>
+                </a:solidFill>
+                <a:ea typeface="Roboto" panose="02000000000000000000" pitchFamily="2" charset="0"/>
+              </a:rPr>
+              <a:t>resources</a:t>
+            </a:r>
+            <a:r>
+              <a:rPr lang="en-US" sz="3000" b="1" dirty="0" smtClean="0">
+                <a:solidFill>
+                  <a:srgbClr val="FFB88C"/>
+                </a:solidFill>
+                <a:ea typeface="Roboto" panose="02000000000000000000" pitchFamily="2" charset="0"/>
+              </a:rPr>
+              <a:t> and material as possible.</a:t>
+            </a:r>
+            <a:endParaRPr lang="es-MX" sz="4500" b="1" dirty="0">
+              <a:solidFill>
+                <a:schemeClr val="bg1"/>
+              </a:solidFill>
+              <a:ea typeface="Roboto" panose="02000000000000000000" pitchFamily="2" charset="0"/>
+            </a:endParaRPr>
+          </a:p>
+        </p:txBody>
+      </p:sp>
+    </p:spTree>
+    <p:extLst>
+      <p:ext uri="{BB962C8B-B14F-4D97-AF65-F5344CB8AC3E}">
+        <p14:creationId xmlns:p14="http://schemas.microsoft.com/office/powerpoint/2010/main" val="2193250022"/>
       </p:ext>
     </p:extLst>
   </p:cSld>
@@ -3666,10 +5374,659 @@
           <a:chExt cx="0" cy="0"/>
         </a:xfrm>
       </p:grpSpPr>
+      <p:sp>
+        <p:nvSpPr>
+          <p:cNvPr id="7" name="CuadroTexto 6"/>
+          <p:cNvSpPr txBox="1"/>
+          <p:nvPr/>
+        </p:nvSpPr>
+        <p:spPr>
+          <a:xfrm>
+            <a:off x="844557" y="199727"/>
+            <a:ext cx="10516431" cy="784830"/>
+          </a:xfrm>
+          <a:prstGeom prst="rect">
+            <a:avLst/>
+          </a:prstGeom>
+          <a:noFill/>
+        </p:spPr>
+        <p:txBody>
+          <a:bodyPr wrap="square" rtlCol="0">
+            <a:spAutoFit/>
+          </a:bodyPr>
+          <a:lstStyle/>
+          <a:p>
+            <a:r>
+              <a:rPr lang="en-US" sz="4500" b="1" dirty="0" smtClean="0">
+                <a:solidFill>
+                  <a:schemeClr val="bg1"/>
+                </a:solidFill>
+                <a:ea typeface="Open Sans Extrabold" panose="020B0906030804020204" pitchFamily="34" charset="0"/>
+                <a:cs typeface="Open Sans Extrabold" panose="020B0906030804020204" pitchFamily="34" charset="0"/>
+              </a:rPr>
+              <a:t>Project Manager</a:t>
+            </a:r>
+            <a:endParaRPr lang="es-MX" sz="3000" b="1" dirty="0">
+              <a:solidFill>
+                <a:schemeClr val="bg1"/>
+              </a:solidFill>
+              <a:ea typeface="Open Sans Extrabold" panose="020B0906030804020204" pitchFamily="34" charset="0"/>
+              <a:cs typeface="Open Sans Extrabold" panose="020B0906030804020204" pitchFamily="34" charset="0"/>
+            </a:endParaRPr>
+          </a:p>
+        </p:txBody>
+      </p:sp>
+      <p:pic>
+        <p:nvPicPr>
+          <p:cNvPr id="5" name="Imagen 4"/>
+          <p:cNvPicPr>
+            <a:picLocks noChangeAspect="1"/>
+          </p:cNvPicPr>
+          <p:nvPr/>
+        </p:nvPicPr>
+        <p:blipFill>
+          <a:blip r:embed="rId2" cstate="print">
+            <a:extLst>
+              <a:ext uri="{28A0092B-C50C-407E-A947-70E740481C1C}">
+                <a14:useLocalDpi xmlns:a14="http://schemas.microsoft.com/office/drawing/2010/main" val="0"/>
+              </a:ext>
+            </a:extLst>
+          </a:blip>
+          <a:stretch>
+            <a:fillRect/>
+          </a:stretch>
+        </p:blipFill>
+        <p:spPr>
+          <a:xfrm>
+            <a:off x="393531" y="436565"/>
+            <a:ext cx="376089" cy="375805"/>
+          </a:xfrm>
+          <a:prstGeom prst="rect">
+            <a:avLst/>
+          </a:prstGeom>
+        </p:spPr>
+      </p:pic>
+      <p:sp>
+        <p:nvSpPr>
+          <p:cNvPr id="4" name="CuadroTexto 3"/>
+          <p:cNvSpPr txBox="1"/>
+          <p:nvPr/>
+        </p:nvSpPr>
+        <p:spPr>
+          <a:xfrm>
+            <a:off x="1949570" y="2130724"/>
+            <a:ext cx="4485736" cy="553998"/>
+          </a:xfrm>
+          <a:prstGeom prst="rect">
+            <a:avLst/>
+          </a:prstGeom>
+          <a:noFill/>
+        </p:spPr>
+        <p:txBody>
+          <a:bodyPr wrap="square" rtlCol="0">
+            <a:spAutoFit/>
+          </a:bodyPr>
+          <a:lstStyle/>
+          <a:p>
+            <a:r>
+              <a:rPr lang="en-US" sz="3000" b="1" dirty="0" smtClean="0">
+                <a:solidFill>
+                  <a:schemeClr val="bg1"/>
+                </a:solidFill>
+                <a:ea typeface="Roboto" panose="02000000000000000000" pitchFamily="2" charset="0"/>
+              </a:rPr>
+              <a:t>Client-facing team member</a:t>
+            </a:r>
+            <a:endParaRPr lang="es-MX" sz="3000" b="1" dirty="0">
+              <a:solidFill>
+                <a:schemeClr val="bg1"/>
+              </a:solidFill>
+              <a:ea typeface="Roboto" panose="02000000000000000000" pitchFamily="2" charset="0"/>
+            </a:endParaRPr>
+          </a:p>
+        </p:txBody>
+      </p:sp>
+      <p:sp>
+        <p:nvSpPr>
+          <p:cNvPr id="6" name="CuadroTexto 5"/>
+          <p:cNvSpPr txBox="1"/>
+          <p:nvPr/>
+        </p:nvSpPr>
+        <p:spPr>
+          <a:xfrm>
+            <a:off x="1949569" y="2781534"/>
+            <a:ext cx="6556076" cy="553998"/>
+          </a:xfrm>
+          <a:prstGeom prst="rect">
+            <a:avLst/>
+          </a:prstGeom>
+          <a:noFill/>
+        </p:spPr>
+        <p:txBody>
+          <a:bodyPr wrap="square" rtlCol="0">
+            <a:spAutoFit/>
+          </a:bodyPr>
+          <a:lstStyle/>
+          <a:p>
+            <a:r>
+              <a:rPr lang="en-US" sz="3000" b="1" dirty="0" smtClean="0">
+                <a:solidFill>
+                  <a:schemeClr val="bg1"/>
+                </a:solidFill>
+                <a:ea typeface="Roboto" panose="02000000000000000000" pitchFamily="2" charset="0"/>
+              </a:rPr>
+              <a:t>Manage clients and team expectations </a:t>
+            </a:r>
+            <a:endParaRPr lang="es-MX" sz="3000" b="1" dirty="0">
+              <a:solidFill>
+                <a:schemeClr val="bg1"/>
+              </a:solidFill>
+              <a:ea typeface="Roboto" panose="02000000000000000000" pitchFamily="2" charset="0"/>
+            </a:endParaRPr>
+          </a:p>
+        </p:txBody>
+      </p:sp>
+      <p:sp>
+        <p:nvSpPr>
+          <p:cNvPr id="8" name="CuadroTexto 7"/>
+          <p:cNvSpPr txBox="1"/>
+          <p:nvPr/>
+        </p:nvSpPr>
+        <p:spPr>
+          <a:xfrm>
+            <a:off x="1949569" y="3432344"/>
+            <a:ext cx="6866627" cy="553998"/>
+          </a:xfrm>
+          <a:prstGeom prst="rect">
+            <a:avLst/>
+          </a:prstGeom>
+          <a:noFill/>
+        </p:spPr>
+        <p:txBody>
+          <a:bodyPr wrap="square" rtlCol="0">
+            <a:spAutoFit/>
+          </a:bodyPr>
+          <a:lstStyle/>
+          <a:p>
+            <a:r>
+              <a:rPr lang="en-US" sz="3000" b="1" dirty="0" smtClean="0">
+                <a:solidFill>
+                  <a:schemeClr val="bg1"/>
+                </a:solidFill>
+                <a:ea typeface="Roboto" panose="02000000000000000000" pitchFamily="2" charset="0"/>
+              </a:rPr>
+              <a:t>Make estimations, budget and schedules </a:t>
+            </a:r>
+            <a:endParaRPr lang="es-MX" sz="3000" b="1" dirty="0">
+              <a:solidFill>
+                <a:schemeClr val="bg1"/>
+              </a:solidFill>
+              <a:ea typeface="Roboto" panose="02000000000000000000" pitchFamily="2" charset="0"/>
+            </a:endParaRPr>
+          </a:p>
+        </p:txBody>
+      </p:sp>
+      <p:sp>
+        <p:nvSpPr>
+          <p:cNvPr id="9" name="CuadroTexto 8"/>
+          <p:cNvSpPr txBox="1"/>
+          <p:nvPr/>
+        </p:nvSpPr>
+        <p:spPr>
+          <a:xfrm>
+            <a:off x="1949569" y="4083154"/>
+            <a:ext cx="7263442" cy="553998"/>
+          </a:xfrm>
+          <a:prstGeom prst="rect">
+            <a:avLst/>
+          </a:prstGeom>
+          <a:noFill/>
+        </p:spPr>
+        <p:txBody>
+          <a:bodyPr wrap="square" rtlCol="0">
+            <a:spAutoFit/>
+          </a:bodyPr>
+          <a:lstStyle/>
+          <a:p>
+            <a:r>
+              <a:rPr lang="en-US" sz="3000" b="1" dirty="0" smtClean="0">
+                <a:solidFill>
+                  <a:schemeClr val="bg1"/>
+                </a:solidFill>
+                <a:ea typeface="Roboto" panose="02000000000000000000" pitchFamily="2" charset="0"/>
+              </a:rPr>
+              <a:t>Makes sure there’s effective communication</a:t>
+            </a:r>
+            <a:endParaRPr lang="es-MX" sz="3000" b="1" dirty="0">
+              <a:solidFill>
+                <a:schemeClr val="bg1"/>
+              </a:solidFill>
+              <a:ea typeface="Roboto" panose="02000000000000000000" pitchFamily="2" charset="0"/>
+            </a:endParaRPr>
+          </a:p>
+        </p:txBody>
+      </p:sp>
     </p:spTree>
     <p:extLst>
       <p:ext uri="{BB962C8B-B14F-4D97-AF65-F5344CB8AC3E}">
-        <p14:creationId xmlns:p14="http://schemas.microsoft.com/office/powerpoint/2010/main" val="3040309059"/>
+        <p14:creationId xmlns:p14="http://schemas.microsoft.com/office/powerpoint/2010/main" val="393836502"/>
+      </p:ext>
+    </p:extLst>
+  </p:cSld>
+  <p:clrMapOvr>
+    <a:masterClrMapping/>
+  </p:clrMapOvr>
+  <p:timing>
+    <p:tnLst>
+      <p:par>
+        <p:cTn id="1" dur="indefinite" restart="never" nodeType="tmRoot">
+          <p:childTnLst>
+            <p:seq concurrent="1" nextAc="seek">
+              <p:cTn id="2" dur="indefinite" nodeType="mainSeq">
+                <p:childTnLst>
+                  <p:par>
+                    <p:cTn id="3" fill="hold">
+                      <p:stCondLst>
+                        <p:cond delay="indefinite"/>
+                      </p:stCondLst>
+                      <p:childTnLst>
+                        <p:par>
+                          <p:cTn id="4" fill="hold">
+                            <p:stCondLst>
+                              <p:cond delay="0"/>
+                            </p:stCondLst>
+                            <p:childTnLst>
+                              <p:par>
+                                <p:cTn id="5" presetID="10" presetClass="entr" presetSubtype="0" fill="hold" grpId="0" nodeType="clickEffect">
+                                  <p:stCondLst>
+                                    <p:cond delay="0"/>
+                                  </p:stCondLst>
+                                  <p:childTnLst>
+                                    <p:set>
+                                      <p:cBhvr>
+                                        <p:cTn id="6" dur="1" fill="hold">
+                                          <p:stCondLst>
+                                            <p:cond delay="0"/>
+                                          </p:stCondLst>
+                                        </p:cTn>
+                                        <p:tgtEl>
+                                          <p:spTgt spid="4"/>
+                                        </p:tgtEl>
+                                        <p:attrNameLst>
+                                          <p:attrName>style.visibility</p:attrName>
+                                        </p:attrNameLst>
+                                      </p:cBhvr>
+                                      <p:to>
+                                        <p:strVal val="visible"/>
+                                      </p:to>
+                                    </p:set>
+                                    <p:animEffect transition="in" filter="fade">
+                                      <p:cBhvr>
+                                        <p:cTn id="7" dur="500"/>
+                                        <p:tgtEl>
+                                          <p:spTgt spid="4"/>
+                                        </p:tgtEl>
+                                      </p:cBhvr>
+                                    </p:animEffect>
+                                  </p:childTnLst>
+                                </p:cTn>
+                              </p:par>
+                            </p:childTnLst>
+                          </p:cTn>
+                        </p:par>
+                      </p:childTnLst>
+                    </p:cTn>
+                  </p:par>
+                  <p:par>
+                    <p:cTn id="8" fill="hold">
+                      <p:stCondLst>
+                        <p:cond delay="indefinite"/>
+                      </p:stCondLst>
+                      <p:childTnLst>
+                        <p:par>
+                          <p:cTn id="9" fill="hold">
+                            <p:stCondLst>
+                              <p:cond delay="0"/>
+                            </p:stCondLst>
+                            <p:childTnLst>
+                              <p:par>
+                                <p:cTn id="10" presetID="10" presetClass="entr" presetSubtype="0" fill="hold" grpId="0" nodeType="clickEffect">
+                                  <p:stCondLst>
+                                    <p:cond delay="0"/>
+                                  </p:stCondLst>
+                                  <p:childTnLst>
+                                    <p:set>
+                                      <p:cBhvr>
+                                        <p:cTn id="11" dur="1" fill="hold">
+                                          <p:stCondLst>
+                                            <p:cond delay="0"/>
+                                          </p:stCondLst>
+                                        </p:cTn>
+                                        <p:tgtEl>
+                                          <p:spTgt spid="6"/>
+                                        </p:tgtEl>
+                                        <p:attrNameLst>
+                                          <p:attrName>style.visibility</p:attrName>
+                                        </p:attrNameLst>
+                                      </p:cBhvr>
+                                      <p:to>
+                                        <p:strVal val="visible"/>
+                                      </p:to>
+                                    </p:set>
+                                    <p:animEffect transition="in" filter="fade">
+                                      <p:cBhvr>
+                                        <p:cTn id="12" dur="500"/>
+                                        <p:tgtEl>
+                                          <p:spTgt spid="6"/>
+                                        </p:tgtEl>
+                                      </p:cBhvr>
+                                    </p:animEffect>
+                                  </p:childTnLst>
+                                </p:cTn>
+                              </p:par>
+                            </p:childTnLst>
+                          </p:cTn>
+                        </p:par>
+                      </p:childTnLst>
+                    </p:cTn>
+                  </p:par>
+                  <p:par>
+                    <p:cTn id="13" fill="hold">
+                      <p:stCondLst>
+                        <p:cond delay="indefinite"/>
+                      </p:stCondLst>
+                      <p:childTnLst>
+                        <p:par>
+                          <p:cTn id="14" fill="hold">
+                            <p:stCondLst>
+                              <p:cond delay="0"/>
+                            </p:stCondLst>
+                            <p:childTnLst>
+                              <p:par>
+                                <p:cTn id="15" presetID="10" presetClass="entr" presetSubtype="0" fill="hold" grpId="0" nodeType="clickEffect">
+                                  <p:stCondLst>
+                                    <p:cond delay="0"/>
+                                  </p:stCondLst>
+                                  <p:childTnLst>
+                                    <p:set>
+                                      <p:cBhvr>
+                                        <p:cTn id="16" dur="1" fill="hold">
+                                          <p:stCondLst>
+                                            <p:cond delay="0"/>
+                                          </p:stCondLst>
+                                        </p:cTn>
+                                        <p:tgtEl>
+                                          <p:spTgt spid="8"/>
+                                        </p:tgtEl>
+                                        <p:attrNameLst>
+                                          <p:attrName>style.visibility</p:attrName>
+                                        </p:attrNameLst>
+                                      </p:cBhvr>
+                                      <p:to>
+                                        <p:strVal val="visible"/>
+                                      </p:to>
+                                    </p:set>
+                                    <p:animEffect transition="in" filter="fade">
+                                      <p:cBhvr>
+                                        <p:cTn id="17" dur="500"/>
+                                        <p:tgtEl>
+                                          <p:spTgt spid="8"/>
+                                        </p:tgtEl>
+                                      </p:cBhvr>
+                                    </p:animEffect>
+                                  </p:childTnLst>
+                                </p:cTn>
+                              </p:par>
+                            </p:childTnLst>
+                          </p:cTn>
+                        </p:par>
+                      </p:childTnLst>
+                    </p:cTn>
+                  </p:par>
+                  <p:par>
+                    <p:cTn id="18" fill="hold">
+                      <p:stCondLst>
+                        <p:cond delay="indefinite"/>
+                      </p:stCondLst>
+                      <p:childTnLst>
+                        <p:par>
+                          <p:cTn id="19" fill="hold">
+                            <p:stCondLst>
+                              <p:cond delay="0"/>
+                            </p:stCondLst>
+                            <p:childTnLst>
+                              <p:par>
+                                <p:cTn id="20" presetID="10" presetClass="entr" presetSubtype="0" fill="hold" grpId="0" nodeType="clickEffect">
+                                  <p:stCondLst>
+                                    <p:cond delay="0"/>
+                                  </p:stCondLst>
+                                  <p:childTnLst>
+                                    <p:set>
+                                      <p:cBhvr>
+                                        <p:cTn id="21" dur="1" fill="hold">
+                                          <p:stCondLst>
+                                            <p:cond delay="0"/>
+                                          </p:stCondLst>
+                                        </p:cTn>
+                                        <p:tgtEl>
+                                          <p:spTgt spid="9"/>
+                                        </p:tgtEl>
+                                        <p:attrNameLst>
+                                          <p:attrName>style.visibility</p:attrName>
+                                        </p:attrNameLst>
+                                      </p:cBhvr>
+                                      <p:to>
+                                        <p:strVal val="visible"/>
+                                      </p:to>
+                                    </p:set>
+                                    <p:animEffect transition="in" filter="fade">
+                                      <p:cBhvr>
+                                        <p:cTn id="22" dur="500"/>
+                                        <p:tgtEl>
+                                          <p:spTgt spid="9"/>
+                                        </p:tgtEl>
+                                      </p:cBhvr>
+                                    </p:animEffect>
+                                  </p:childTnLst>
+                                </p:cTn>
+                              </p:par>
+                            </p:childTnLst>
+                          </p:cTn>
+                        </p:par>
+                      </p:childTnLst>
+                    </p:cTn>
+                  </p:par>
+                </p:childTnLst>
+              </p:cTn>
+              <p:prevCondLst>
+                <p:cond evt="onPrev" delay="0">
+                  <p:tgtEl>
+                    <p:sldTgt/>
+                  </p:tgtEl>
+                </p:cond>
+              </p:prevCondLst>
+              <p:nextCondLst>
+                <p:cond evt="onNext" delay="0">
+                  <p:tgtEl>
+                    <p:sldTgt/>
+                  </p:tgtEl>
+                </p:cond>
+              </p:nextCondLst>
+            </p:seq>
+          </p:childTnLst>
+        </p:cTn>
+      </p:par>
+    </p:tnLst>
+    <p:bldLst>
+      <p:bldP spid="4" grpId="0"/>
+      <p:bldP spid="6" grpId="0"/>
+      <p:bldP spid="8" grpId="0"/>
+      <p:bldP spid="9" grpId="0"/>
+    </p:bldLst>
+  </p:timing>
+</p:sld>
+</file>
+
+<file path=ppt/slides/slide20.xml><?xml version="1.0" encoding="utf-8"?>
+<p:sld xmlns:a="http://schemas.openxmlformats.org/drawingml/2006/main" xmlns:r="http://schemas.openxmlformats.org/officeDocument/2006/relationships" xmlns:p="http://schemas.openxmlformats.org/presentationml/2006/main">
+  <p:cSld>
+    <p:spTree>
+      <p:nvGrpSpPr>
+        <p:cNvPr id="1" name=""/>
+        <p:cNvGrpSpPr/>
+        <p:nvPr/>
+      </p:nvGrpSpPr>
+      <p:grpSpPr>
+        <a:xfrm>
+          <a:off x="0" y="0"/>
+          <a:ext cx="0" cy="0"/>
+          <a:chOff x="0" y="0"/>
+          <a:chExt cx="0" cy="0"/>
+        </a:xfrm>
+      </p:grpSpPr>
+      <p:pic>
+        <p:nvPicPr>
+          <p:cNvPr id="3" name="Imagen 2"/>
+          <p:cNvPicPr>
+            <a:picLocks noChangeAspect="1"/>
+          </p:cNvPicPr>
+          <p:nvPr/>
+        </p:nvPicPr>
+        <p:blipFill>
+          <a:blip r:embed="rId2" cstate="print">
+            <a:extLst>
+              <a:ext uri="{28A0092B-C50C-407E-A947-70E740481C1C}">
+                <a14:useLocalDpi xmlns:a14="http://schemas.microsoft.com/office/drawing/2010/main" val="0"/>
+              </a:ext>
+            </a:extLst>
+          </a:blip>
+          <a:stretch>
+            <a:fillRect/>
+          </a:stretch>
+        </p:blipFill>
+        <p:spPr>
+          <a:xfrm>
+            <a:off x="1773901" y="2958941"/>
+            <a:ext cx="1364740" cy="1119299"/>
+          </a:xfrm>
+          <a:prstGeom prst="rect">
+            <a:avLst/>
+          </a:prstGeom>
+        </p:spPr>
+      </p:pic>
+      <p:sp>
+        <p:nvSpPr>
+          <p:cNvPr id="7" name="CuadroTexto 6"/>
+          <p:cNvSpPr txBox="1"/>
+          <p:nvPr/>
+        </p:nvSpPr>
+        <p:spPr>
+          <a:xfrm>
+            <a:off x="3135280" y="2589609"/>
+            <a:ext cx="3108607" cy="369332"/>
+          </a:xfrm>
+          <a:prstGeom prst="rect">
+            <a:avLst/>
+          </a:prstGeom>
+          <a:noFill/>
+        </p:spPr>
+        <p:txBody>
+          <a:bodyPr wrap="square" rtlCol="0">
+            <a:spAutoFit/>
+          </a:bodyPr>
+          <a:lstStyle/>
+          <a:p>
+            <a:r>
+              <a:rPr lang="en-US" b="1" dirty="0">
+                <a:solidFill>
+                  <a:schemeClr val="bg1"/>
+                </a:solidFill>
+                <a:ea typeface="Open Sans Extrabold" panose="020B0906030804020204" pitchFamily="34" charset="0"/>
+                <a:cs typeface="Open Sans Extrabold" panose="020B0906030804020204" pitchFamily="34" charset="0"/>
+              </a:rPr>
+              <a:t>Asynchronous Communication</a:t>
+            </a:r>
+            <a:endParaRPr lang="es-MX" b="1" dirty="0">
+              <a:solidFill>
+                <a:schemeClr val="bg1"/>
+              </a:solidFill>
+              <a:ea typeface="Open Sans Extrabold" panose="020B0906030804020204" pitchFamily="34" charset="0"/>
+              <a:cs typeface="Open Sans Extrabold" panose="020B0906030804020204" pitchFamily="34" charset="0"/>
+            </a:endParaRPr>
+          </a:p>
+        </p:txBody>
+      </p:sp>
+      <p:sp>
+        <p:nvSpPr>
+          <p:cNvPr id="8" name="CuadroTexto 7"/>
+          <p:cNvSpPr txBox="1"/>
+          <p:nvPr/>
+        </p:nvSpPr>
+        <p:spPr>
+          <a:xfrm>
+            <a:off x="3107572" y="2792693"/>
+            <a:ext cx="7001241" cy="1246495"/>
+          </a:xfrm>
+          <a:prstGeom prst="rect">
+            <a:avLst/>
+          </a:prstGeom>
+          <a:noFill/>
+        </p:spPr>
+        <p:txBody>
+          <a:bodyPr wrap="square" rtlCol="0">
+            <a:spAutoFit/>
+          </a:bodyPr>
+          <a:lstStyle/>
+          <a:p>
+            <a:r>
+              <a:rPr lang="en-US" sz="3000" b="1" dirty="0" smtClean="0">
+                <a:solidFill>
+                  <a:srgbClr val="FFB88C"/>
+                </a:solidFill>
+                <a:ea typeface="Roboto" panose="02000000000000000000" pitchFamily="2" charset="0"/>
+              </a:rPr>
+              <a:t>Explain</a:t>
+            </a:r>
+            <a:r>
+              <a:rPr lang="en-US" sz="3000" b="1" dirty="0" smtClean="0">
+                <a:solidFill>
+                  <a:schemeClr val="bg1"/>
+                </a:solidFill>
+                <a:ea typeface="Roboto" panose="02000000000000000000" pitchFamily="2" charset="0"/>
+              </a:rPr>
+              <a:t> </a:t>
+            </a:r>
+            <a:r>
+              <a:rPr lang="en-US" sz="4500" b="1" dirty="0" smtClean="0">
+                <a:solidFill>
+                  <a:schemeClr val="bg1"/>
+                </a:solidFill>
+                <a:ea typeface="Roboto" panose="02000000000000000000" pitchFamily="2" charset="0"/>
+              </a:rPr>
+              <a:t>what you need </a:t>
+            </a:r>
+            <a:r>
+              <a:rPr lang="en-US" sz="3000" b="1" dirty="0">
+                <a:solidFill>
+                  <a:srgbClr val="FFB88C"/>
+                </a:solidFill>
+                <a:ea typeface="Roboto" panose="02000000000000000000" pitchFamily="2" charset="0"/>
+              </a:rPr>
+              <a:t>(extremely clear).</a:t>
+            </a:r>
+            <a:endParaRPr lang="es-MX" sz="3000" b="1" dirty="0">
+              <a:solidFill>
+                <a:srgbClr val="FFB88C"/>
+              </a:solidFill>
+              <a:ea typeface="Roboto" panose="02000000000000000000" pitchFamily="2" charset="0"/>
+            </a:endParaRPr>
+          </a:p>
+        </p:txBody>
+      </p:sp>
+    </p:spTree>
+    <p:extLst>
+      <p:ext uri="{BB962C8B-B14F-4D97-AF65-F5344CB8AC3E}">
+        <p14:creationId xmlns:p14="http://schemas.microsoft.com/office/powerpoint/2010/main" val="2779038171"/>
       </p:ext>
     </p:extLst>
   </p:cSld>
@@ -3686,7 +6043,1124 @@
 </p:sld>
 </file>
 
-<file path=ppt/slides/slide3.xml><?xml version="1.0" encoding="utf-8"?>
+<file path=ppt/slides/slide21.xml><?xml version="1.0" encoding="utf-8"?>
+<p:sld xmlns:a="http://schemas.openxmlformats.org/drawingml/2006/main" xmlns:r="http://schemas.openxmlformats.org/officeDocument/2006/relationships" xmlns:p="http://schemas.openxmlformats.org/presentationml/2006/main">
+  <p:cSld>
+    <p:spTree>
+      <p:nvGrpSpPr>
+        <p:cNvPr id="1" name=""/>
+        <p:cNvGrpSpPr/>
+        <p:nvPr/>
+      </p:nvGrpSpPr>
+      <p:grpSpPr>
+        <a:xfrm>
+          <a:off x="0" y="0"/>
+          <a:ext cx="0" cy="0"/>
+          <a:chOff x="0" y="0"/>
+          <a:chExt cx="0" cy="0"/>
+        </a:xfrm>
+      </p:grpSpPr>
+      <p:pic>
+        <p:nvPicPr>
+          <p:cNvPr id="2" name="Imagen 1"/>
+          <p:cNvPicPr>
+            <a:picLocks noChangeAspect="1"/>
+          </p:cNvPicPr>
+          <p:nvPr/>
+        </p:nvPicPr>
+        <p:blipFill>
+          <a:blip r:embed="rId2"/>
+          <a:stretch>
+            <a:fillRect/>
+          </a:stretch>
+        </p:blipFill>
+        <p:spPr>
+          <a:xfrm>
+            <a:off x="2133600" y="2657475"/>
+            <a:ext cx="7924800" cy="1543050"/>
+          </a:xfrm>
+          <a:prstGeom prst="rect">
+            <a:avLst/>
+          </a:prstGeom>
+        </p:spPr>
+      </p:pic>
+    </p:spTree>
+    <p:extLst>
+      <p:ext uri="{BB962C8B-B14F-4D97-AF65-F5344CB8AC3E}">
+        <p14:creationId xmlns:p14="http://schemas.microsoft.com/office/powerpoint/2010/main" val="1875577426"/>
+      </p:ext>
+    </p:extLst>
+  </p:cSld>
+  <p:clrMapOvr>
+    <a:masterClrMapping/>
+  </p:clrMapOvr>
+  <p:timing>
+    <p:tnLst>
+      <p:par>
+        <p:cTn id="1" dur="indefinite" restart="never" nodeType="tmRoot"/>
+      </p:par>
+    </p:tnLst>
+  </p:timing>
+</p:sld>
+</file>
+
+<file path=ppt/slides/slide22.xml><?xml version="1.0" encoding="utf-8"?>
+<p:sld xmlns:a="http://schemas.openxmlformats.org/drawingml/2006/main" xmlns:r="http://schemas.openxmlformats.org/officeDocument/2006/relationships" xmlns:p="http://schemas.openxmlformats.org/presentationml/2006/main">
+  <p:cSld>
+    <p:spTree>
+      <p:nvGrpSpPr>
+        <p:cNvPr id="1" name=""/>
+        <p:cNvGrpSpPr/>
+        <p:nvPr/>
+      </p:nvGrpSpPr>
+      <p:grpSpPr>
+        <a:xfrm>
+          <a:off x="0" y="0"/>
+          <a:ext cx="0" cy="0"/>
+          <a:chOff x="0" y="0"/>
+          <a:chExt cx="0" cy="0"/>
+        </a:xfrm>
+      </p:grpSpPr>
+      <p:pic>
+        <p:nvPicPr>
+          <p:cNvPr id="2" name="Imagen 1"/>
+          <p:cNvPicPr>
+            <a:picLocks noChangeAspect="1"/>
+          </p:cNvPicPr>
+          <p:nvPr/>
+        </p:nvPicPr>
+        <p:blipFill>
+          <a:blip r:embed="rId2" cstate="print">
+            <a:extLst>
+              <a:ext uri="{28A0092B-C50C-407E-A947-70E740481C1C}">
+                <a14:useLocalDpi xmlns:a14="http://schemas.microsoft.com/office/drawing/2010/main" val="0"/>
+              </a:ext>
+            </a:extLst>
+          </a:blip>
+          <a:stretch>
+            <a:fillRect/>
+          </a:stretch>
+        </p:blipFill>
+        <p:spPr>
+          <a:xfrm flipH="1">
+            <a:off x="1978815" y="3057237"/>
+            <a:ext cx="1018896" cy="1018896"/>
+          </a:xfrm>
+          <a:prstGeom prst="rect">
+            <a:avLst/>
+          </a:prstGeom>
+        </p:spPr>
+      </p:pic>
+      <p:sp>
+        <p:nvSpPr>
+          <p:cNvPr id="7" name="CuadroTexto 6"/>
+          <p:cNvSpPr txBox="1"/>
+          <p:nvPr/>
+        </p:nvSpPr>
+        <p:spPr>
+          <a:xfrm>
+            <a:off x="3135280" y="2589609"/>
+            <a:ext cx="3108607" cy="369332"/>
+          </a:xfrm>
+          <a:prstGeom prst="rect">
+            <a:avLst/>
+          </a:prstGeom>
+          <a:noFill/>
+        </p:spPr>
+        <p:txBody>
+          <a:bodyPr wrap="square" rtlCol="0">
+            <a:spAutoFit/>
+          </a:bodyPr>
+          <a:lstStyle/>
+          <a:p>
+            <a:r>
+              <a:rPr lang="en-US" b="1" dirty="0">
+                <a:solidFill>
+                  <a:schemeClr val="bg1"/>
+                </a:solidFill>
+                <a:ea typeface="Open Sans Extrabold" panose="020B0906030804020204" pitchFamily="34" charset="0"/>
+                <a:cs typeface="Open Sans Extrabold" panose="020B0906030804020204" pitchFamily="34" charset="0"/>
+              </a:rPr>
+              <a:t>Asynchronous Communication</a:t>
+            </a:r>
+            <a:endParaRPr lang="es-MX" b="1" dirty="0">
+              <a:solidFill>
+                <a:schemeClr val="bg1"/>
+              </a:solidFill>
+              <a:ea typeface="Open Sans Extrabold" panose="020B0906030804020204" pitchFamily="34" charset="0"/>
+              <a:cs typeface="Open Sans Extrabold" panose="020B0906030804020204" pitchFamily="34" charset="0"/>
+            </a:endParaRPr>
+          </a:p>
+        </p:txBody>
+      </p:sp>
+      <p:sp>
+        <p:nvSpPr>
+          <p:cNvPr id="8" name="CuadroTexto 7"/>
+          <p:cNvSpPr txBox="1"/>
+          <p:nvPr/>
+        </p:nvSpPr>
+        <p:spPr>
+          <a:xfrm>
+            <a:off x="3107572" y="2792693"/>
+            <a:ext cx="7001241" cy="1477328"/>
+          </a:xfrm>
+          <a:prstGeom prst="rect">
+            <a:avLst/>
+          </a:prstGeom>
+          <a:noFill/>
+        </p:spPr>
+        <p:txBody>
+          <a:bodyPr wrap="square" rtlCol="0">
+            <a:spAutoFit/>
+          </a:bodyPr>
+          <a:lstStyle/>
+          <a:p>
+            <a:r>
+              <a:rPr lang="en-US" sz="3000" b="1" dirty="0" smtClean="0">
+                <a:solidFill>
+                  <a:srgbClr val="FFB88C"/>
+                </a:solidFill>
+                <a:ea typeface="Roboto" panose="02000000000000000000" pitchFamily="2" charset="0"/>
+              </a:rPr>
+              <a:t>We’re on </a:t>
+            </a:r>
+            <a:r>
+              <a:rPr lang="en-US" sz="4500" b="1" dirty="0" smtClean="0">
+                <a:solidFill>
+                  <a:schemeClr val="bg1"/>
+                </a:solidFill>
+                <a:ea typeface="Roboto" panose="02000000000000000000" pitchFamily="2" charset="0"/>
+              </a:rPr>
+              <a:t>the age of delayed responses</a:t>
+            </a:r>
+            <a:endParaRPr lang="es-MX" sz="3000" b="1" dirty="0">
+              <a:solidFill>
+                <a:srgbClr val="FFB88C"/>
+              </a:solidFill>
+              <a:ea typeface="Roboto" panose="02000000000000000000" pitchFamily="2" charset="0"/>
+            </a:endParaRPr>
+          </a:p>
+        </p:txBody>
+      </p:sp>
+    </p:spTree>
+    <p:extLst>
+      <p:ext uri="{BB962C8B-B14F-4D97-AF65-F5344CB8AC3E}">
+        <p14:creationId xmlns:p14="http://schemas.microsoft.com/office/powerpoint/2010/main" val="2126910851"/>
+      </p:ext>
+    </p:extLst>
+  </p:cSld>
+  <p:clrMapOvr>
+    <a:masterClrMapping/>
+  </p:clrMapOvr>
+  <p:timing>
+    <p:tnLst>
+      <p:par>
+        <p:cTn id="1" dur="indefinite" restart="never" nodeType="tmRoot"/>
+      </p:par>
+    </p:tnLst>
+  </p:timing>
+</p:sld>
+</file>
+
+<file path=ppt/slides/slide23.xml><?xml version="1.0" encoding="utf-8"?>
+<p:sld xmlns:a="http://schemas.openxmlformats.org/drawingml/2006/main" xmlns:r="http://schemas.openxmlformats.org/officeDocument/2006/relationships" xmlns:p="http://schemas.openxmlformats.org/presentationml/2006/main">
+  <p:cSld>
+    <p:spTree>
+      <p:nvGrpSpPr>
+        <p:cNvPr id="1" name=""/>
+        <p:cNvGrpSpPr/>
+        <p:nvPr/>
+      </p:nvGrpSpPr>
+      <p:grpSpPr>
+        <a:xfrm>
+          <a:off x="0" y="0"/>
+          <a:ext cx="0" cy="0"/>
+          <a:chOff x="0" y="0"/>
+          <a:chExt cx="0" cy="0"/>
+        </a:xfrm>
+      </p:grpSpPr>
+      <p:sp>
+        <p:nvSpPr>
+          <p:cNvPr id="10" name="Triángulo isósceles 9"/>
+          <p:cNvSpPr/>
+          <p:nvPr/>
+        </p:nvSpPr>
+        <p:spPr>
+          <a:xfrm flipH="1">
+            <a:off x="-1" y="-24588"/>
+            <a:ext cx="12191999" cy="6882588"/>
+          </a:xfrm>
+          <a:prstGeom prst="triangle">
+            <a:avLst>
+              <a:gd name="adj" fmla="val 100000"/>
+            </a:avLst>
+          </a:prstGeom>
+          <a:solidFill>
+            <a:schemeClr val="bg1"/>
+          </a:solidFill>
+          <a:ln>
+            <a:noFill/>
+          </a:ln>
+        </p:spPr>
+        <p:style>
+          <a:lnRef idx="2">
+            <a:schemeClr val="accent1">
+              <a:shade val="50000"/>
+            </a:schemeClr>
+          </a:lnRef>
+          <a:fillRef idx="1">
+            <a:schemeClr val="accent1"/>
+          </a:fillRef>
+          <a:effectRef idx="0">
+            <a:schemeClr val="accent1"/>
+          </a:effectRef>
+          <a:fontRef idx="minor">
+            <a:schemeClr val="lt1"/>
+          </a:fontRef>
+        </p:style>
+        <p:txBody>
+          <a:bodyPr rtlCol="0" anchor="ctr"/>
+          <a:lstStyle/>
+          <a:p>
+            <a:pPr algn="ctr"/>
+            <a:endParaRPr lang="es-MX"/>
+          </a:p>
+        </p:txBody>
+      </p:sp>
+      <p:sp>
+        <p:nvSpPr>
+          <p:cNvPr id="4" name="CuadroTexto 3"/>
+          <p:cNvSpPr txBox="1"/>
+          <p:nvPr/>
+        </p:nvSpPr>
+        <p:spPr>
+          <a:xfrm>
+            <a:off x="4636656" y="199727"/>
+            <a:ext cx="6511897" cy="784830"/>
+          </a:xfrm>
+          <a:prstGeom prst="rect">
+            <a:avLst/>
+          </a:prstGeom>
+          <a:noFill/>
+        </p:spPr>
+        <p:txBody>
+          <a:bodyPr wrap="square" rtlCol="0">
+            <a:spAutoFit/>
+          </a:bodyPr>
+          <a:lstStyle/>
+          <a:p>
+            <a:pPr algn="r"/>
+            <a:r>
+              <a:rPr lang="en-US" sz="4500" b="1" dirty="0" smtClean="0">
+                <a:solidFill>
+                  <a:schemeClr val="bg1"/>
+                </a:solidFill>
+                <a:ea typeface="Open Sans Extrabold" panose="020B0906030804020204" pitchFamily="34" charset="0"/>
+                <a:cs typeface="Open Sans Extrabold" panose="020B0906030804020204" pitchFamily="34" charset="0"/>
+              </a:rPr>
+              <a:t>Communication Platforms</a:t>
+            </a:r>
+            <a:endParaRPr lang="es-MX" sz="4500" b="1" dirty="0">
+              <a:solidFill>
+                <a:schemeClr val="bg1"/>
+              </a:solidFill>
+              <a:ea typeface="Open Sans Extrabold" panose="020B0906030804020204" pitchFamily="34" charset="0"/>
+              <a:cs typeface="Open Sans Extrabold" panose="020B0906030804020204" pitchFamily="34" charset="0"/>
+            </a:endParaRPr>
+          </a:p>
+        </p:txBody>
+      </p:sp>
+      <p:pic>
+        <p:nvPicPr>
+          <p:cNvPr id="6" name="Imagen 5"/>
+          <p:cNvPicPr>
+            <a:picLocks noChangeAspect="1"/>
+          </p:cNvPicPr>
+          <p:nvPr/>
+        </p:nvPicPr>
+        <p:blipFill>
+          <a:blip r:embed="rId2" cstate="print">
+            <a:extLst>
+              <a:ext uri="{28A0092B-C50C-407E-A947-70E740481C1C}">
+                <a14:useLocalDpi xmlns:a14="http://schemas.microsoft.com/office/drawing/2010/main" val="0"/>
+              </a:ext>
+            </a:extLst>
+          </a:blip>
+          <a:stretch>
+            <a:fillRect/>
+          </a:stretch>
+        </p:blipFill>
+        <p:spPr>
+          <a:xfrm>
+            <a:off x="11435702" y="357296"/>
+            <a:ext cx="469146" cy="469691"/>
+          </a:xfrm>
+          <a:prstGeom prst="rect">
+            <a:avLst/>
+          </a:prstGeom>
+        </p:spPr>
+      </p:pic>
+      <p:pic>
+        <p:nvPicPr>
+          <p:cNvPr id="2050" name="Picture 2" descr="Resultado de imagen para cisco spark png"/>
+          <p:cNvPicPr>
+            <a:picLocks noChangeAspect="1" noChangeArrowheads="1"/>
+          </p:cNvPicPr>
+          <p:nvPr/>
+        </p:nvPicPr>
+        <p:blipFill>
+          <a:blip r:embed="rId3" cstate="print">
+            <a:extLst>
+              <a:ext uri="{28A0092B-C50C-407E-A947-70E740481C1C}">
+                <a14:useLocalDpi xmlns:a14="http://schemas.microsoft.com/office/drawing/2010/main" val="0"/>
+              </a:ext>
+            </a:extLst>
+          </a:blip>
+          <a:srcRect/>
+          <a:stretch>
+            <a:fillRect/>
+          </a:stretch>
+        </p:blipFill>
+        <p:spPr bwMode="auto">
+          <a:xfrm>
+            <a:off x="718434" y="2079577"/>
+            <a:ext cx="1093360" cy="521831"/>
+          </a:xfrm>
+          <a:prstGeom prst="rect">
+            <a:avLst/>
+          </a:prstGeom>
+          <a:noFill/>
+          <a:extLst>
+            <a:ext uri="{909E8E84-426E-40DD-AFC4-6F175D3DCCD1}">
+              <a14:hiddenFill xmlns:a14="http://schemas.microsoft.com/office/drawing/2010/main">
+                <a:solidFill>
+                  <a:srgbClr val="FFFFFF"/>
+                </a:solidFill>
+              </a14:hiddenFill>
+            </a:ext>
+          </a:extLst>
+        </p:spPr>
+      </p:pic>
+      <p:pic>
+        <p:nvPicPr>
+          <p:cNvPr id="2052" name="Picture 4" descr="Resultado de imagen para google hangouts png"/>
+          <p:cNvPicPr>
+            <a:picLocks noChangeAspect="1" noChangeArrowheads="1"/>
+          </p:cNvPicPr>
+          <p:nvPr/>
+        </p:nvPicPr>
+        <p:blipFill rotWithShape="1">
+          <a:blip r:embed="rId4" cstate="print">
+            <a:extLst>
+              <a:ext uri="{28A0092B-C50C-407E-A947-70E740481C1C}">
+                <a14:useLocalDpi xmlns:a14="http://schemas.microsoft.com/office/drawing/2010/main" val="0"/>
+              </a:ext>
+            </a:extLst>
+          </a:blip>
+          <a:srcRect l="8500" t="27774" r="8193" b="27527"/>
+          <a:stretch/>
+        </p:blipFill>
+        <p:spPr bwMode="auto">
+          <a:xfrm>
+            <a:off x="2431446" y="3660363"/>
+            <a:ext cx="3087500" cy="521831"/>
+          </a:xfrm>
+          <a:prstGeom prst="rect">
+            <a:avLst/>
+          </a:prstGeom>
+          <a:noFill/>
+          <a:extLst>
+            <a:ext uri="{909E8E84-426E-40DD-AFC4-6F175D3DCCD1}">
+              <a14:hiddenFill xmlns:a14="http://schemas.microsoft.com/office/drawing/2010/main">
+                <a:solidFill>
+                  <a:srgbClr val="FFFFFF"/>
+                </a:solidFill>
+              </a14:hiddenFill>
+            </a:ext>
+          </a:extLst>
+        </p:spPr>
+      </p:pic>
+      <p:pic>
+        <p:nvPicPr>
+          <p:cNvPr id="2056" name="Picture 8" descr="Resultado de imagen para fuze app png"/>
+          <p:cNvPicPr>
+            <a:picLocks noChangeAspect="1" noChangeArrowheads="1"/>
+          </p:cNvPicPr>
+          <p:nvPr/>
+        </p:nvPicPr>
+        <p:blipFill rotWithShape="1">
+          <a:blip r:embed="rId5" cstate="print">
+            <a:extLst>
+              <a:ext uri="{28A0092B-C50C-407E-A947-70E740481C1C}">
+                <a14:useLocalDpi xmlns:a14="http://schemas.microsoft.com/office/drawing/2010/main" val="0"/>
+              </a:ext>
+            </a:extLst>
+          </a:blip>
+          <a:srcRect l="6197" t="18840" r="6200" b="24139"/>
+          <a:stretch/>
+        </p:blipFill>
+        <p:spPr bwMode="auto">
+          <a:xfrm>
+            <a:off x="395161" y="5167290"/>
+            <a:ext cx="1527045" cy="521831"/>
+          </a:xfrm>
+          <a:prstGeom prst="rect">
+            <a:avLst/>
+          </a:prstGeom>
+          <a:noFill/>
+          <a:extLst>
+            <a:ext uri="{909E8E84-426E-40DD-AFC4-6F175D3DCCD1}">
+              <a14:hiddenFill xmlns:a14="http://schemas.microsoft.com/office/drawing/2010/main">
+                <a:solidFill>
+                  <a:srgbClr val="FFFFFF"/>
+                </a:solidFill>
+              </a14:hiddenFill>
+            </a:ext>
+          </a:extLst>
+        </p:spPr>
+      </p:pic>
+      <p:pic>
+        <p:nvPicPr>
+          <p:cNvPr id="2058" name="Picture 10" descr="Resultado de imagen para slack logo png"/>
+          <p:cNvPicPr>
+            <a:picLocks noChangeAspect="1" noChangeArrowheads="1"/>
+          </p:cNvPicPr>
+          <p:nvPr/>
+        </p:nvPicPr>
+        <p:blipFill>
+          <a:blip r:embed="rId6" cstate="print">
+            <a:extLst>
+              <a:ext uri="{28A0092B-C50C-407E-A947-70E740481C1C}">
+                <a14:useLocalDpi xmlns:a14="http://schemas.microsoft.com/office/drawing/2010/main" val="0"/>
+              </a:ext>
+            </a:extLst>
+          </a:blip>
+          <a:srcRect/>
+          <a:stretch>
+            <a:fillRect/>
+          </a:stretch>
+        </p:blipFill>
+        <p:spPr bwMode="auto">
+          <a:xfrm>
+            <a:off x="5775970" y="5496887"/>
+            <a:ext cx="1818226" cy="521831"/>
+          </a:xfrm>
+          <a:prstGeom prst="rect">
+            <a:avLst/>
+          </a:prstGeom>
+          <a:noFill/>
+          <a:extLst>
+            <a:ext uri="{909E8E84-426E-40DD-AFC4-6F175D3DCCD1}">
+              <a14:hiddenFill xmlns:a14="http://schemas.microsoft.com/office/drawing/2010/main">
+                <a:solidFill>
+                  <a:srgbClr val="FFFFFF"/>
+                </a:solidFill>
+              </a14:hiddenFill>
+            </a:ext>
+          </a:extLst>
+        </p:spPr>
+      </p:pic>
+    </p:spTree>
+    <p:extLst>
+      <p:ext uri="{BB962C8B-B14F-4D97-AF65-F5344CB8AC3E}">
+        <p14:creationId xmlns:p14="http://schemas.microsoft.com/office/powerpoint/2010/main" val="2054387834"/>
+      </p:ext>
+    </p:extLst>
+  </p:cSld>
+  <p:clrMapOvr>
+    <a:masterClrMapping/>
+  </p:clrMapOvr>
+  <p:timing>
+    <p:tnLst>
+      <p:par>
+        <p:cTn id="1" dur="indefinite" restart="never" nodeType="tmRoot"/>
+      </p:par>
+    </p:tnLst>
+  </p:timing>
+</p:sld>
+</file>
+
+<file path=ppt/slides/slide24.xml><?xml version="1.0" encoding="utf-8"?>
+<p:sld xmlns:a="http://schemas.openxmlformats.org/drawingml/2006/main" xmlns:r="http://schemas.openxmlformats.org/officeDocument/2006/relationships" xmlns:p="http://schemas.openxmlformats.org/presentationml/2006/main">
+  <p:cSld>
+    <p:spTree>
+      <p:nvGrpSpPr>
+        <p:cNvPr id="1" name=""/>
+        <p:cNvGrpSpPr/>
+        <p:nvPr/>
+      </p:nvGrpSpPr>
+      <p:grpSpPr>
+        <a:xfrm>
+          <a:off x="0" y="0"/>
+          <a:ext cx="0" cy="0"/>
+          <a:chOff x="0" y="0"/>
+          <a:chExt cx="0" cy="0"/>
+        </a:xfrm>
+      </p:grpSpPr>
+      <p:sp>
+        <p:nvSpPr>
+          <p:cNvPr id="3" name="Triángulo isósceles 2"/>
+          <p:cNvSpPr/>
+          <p:nvPr/>
+        </p:nvSpPr>
+        <p:spPr>
+          <a:xfrm>
+            <a:off x="1" y="-24588"/>
+            <a:ext cx="12179734" cy="6882588"/>
+          </a:xfrm>
+          <a:prstGeom prst="triangle">
+            <a:avLst>
+              <a:gd name="adj" fmla="val 100000"/>
+            </a:avLst>
+          </a:prstGeom>
+          <a:solidFill>
+            <a:schemeClr val="bg1"/>
+          </a:solidFill>
+          <a:ln>
+            <a:noFill/>
+          </a:ln>
+        </p:spPr>
+        <p:style>
+          <a:lnRef idx="2">
+            <a:schemeClr val="accent1">
+              <a:shade val="50000"/>
+            </a:schemeClr>
+          </a:lnRef>
+          <a:fillRef idx="1">
+            <a:schemeClr val="accent1"/>
+          </a:fillRef>
+          <a:effectRef idx="0">
+            <a:schemeClr val="accent1"/>
+          </a:effectRef>
+          <a:fontRef idx="minor">
+            <a:schemeClr val="lt1"/>
+          </a:fontRef>
+        </p:style>
+        <p:txBody>
+          <a:bodyPr rtlCol="0" anchor="ctr"/>
+          <a:lstStyle/>
+          <a:p>
+            <a:pPr algn="ctr"/>
+            <a:endParaRPr lang="es-MX"/>
+          </a:p>
+        </p:txBody>
+      </p:sp>
+      <p:sp>
+        <p:nvSpPr>
+          <p:cNvPr id="2" name="CuadroTexto 1"/>
+          <p:cNvSpPr txBox="1"/>
+          <p:nvPr/>
+        </p:nvSpPr>
+        <p:spPr>
+          <a:xfrm>
+            <a:off x="767751" y="483079"/>
+            <a:ext cx="4451230" cy="1061049"/>
+          </a:xfrm>
+          <a:prstGeom prst="rect">
+            <a:avLst/>
+          </a:prstGeom>
+          <a:noFill/>
+        </p:spPr>
+        <p:txBody>
+          <a:bodyPr wrap="square" rtlCol="0">
+            <a:spAutoFit/>
+          </a:bodyPr>
+          <a:lstStyle/>
+          <a:p>
+            <a:endParaRPr lang="es-MX" dirty="0"/>
+          </a:p>
+        </p:txBody>
+      </p:sp>
+      <p:sp>
+        <p:nvSpPr>
+          <p:cNvPr id="4" name="CuadroTexto 3"/>
+          <p:cNvSpPr txBox="1"/>
+          <p:nvPr/>
+        </p:nvSpPr>
+        <p:spPr>
+          <a:xfrm>
+            <a:off x="844557" y="199727"/>
+            <a:ext cx="10516431" cy="784830"/>
+          </a:xfrm>
+          <a:prstGeom prst="rect">
+            <a:avLst/>
+          </a:prstGeom>
+          <a:noFill/>
+        </p:spPr>
+        <p:txBody>
+          <a:bodyPr wrap="square" rtlCol="0">
+            <a:spAutoFit/>
+          </a:bodyPr>
+          <a:lstStyle/>
+          <a:p>
+            <a:r>
+              <a:rPr lang="en-US" sz="4500" b="1" dirty="0" smtClean="0">
+                <a:solidFill>
+                  <a:schemeClr val="bg1"/>
+                </a:solidFill>
+                <a:ea typeface="Open Sans Extrabold" panose="020B0906030804020204" pitchFamily="34" charset="0"/>
+                <a:cs typeface="Open Sans Extrabold" panose="020B0906030804020204" pitchFamily="34" charset="0"/>
+              </a:rPr>
+              <a:t>Collaboration tools</a:t>
+            </a:r>
+            <a:endParaRPr lang="es-MX" sz="4500" b="1" dirty="0">
+              <a:solidFill>
+                <a:schemeClr val="bg1"/>
+              </a:solidFill>
+              <a:ea typeface="Open Sans Extrabold" panose="020B0906030804020204" pitchFamily="34" charset="0"/>
+              <a:cs typeface="Open Sans Extrabold" panose="020B0906030804020204" pitchFamily="34" charset="0"/>
+            </a:endParaRPr>
+          </a:p>
+        </p:txBody>
+      </p:sp>
+      <p:pic>
+        <p:nvPicPr>
+          <p:cNvPr id="7" name="Imagen 6"/>
+          <p:cNvPicPr>
+            <a:picLocks noChangeAspect="1"/>
+          </p:cNvPicPr>
+          <p:nvPr/>
+        </p:nvPicPr>
+        <p:blipFill>
+          <a:blip r:embed="rId2" cstate="print">
+            <a:extLst>
+              <a:ext uri="{28A0092B-C50C-407E-A947-70E740481C1C}">
+                <a14:useLocalDpi xmlns:a14="http://schemas.microsoft.com/office/drawing/2010/main" val="0"/>
+              </a:ext>
+            </a:extLst>
+          </a:blip>
+          <a:stretch>
+            <a:fillRect/>
+          </a:stretch>
+        </p:blipFill>
+        <p:spPr>
+          <a:xfrm>
+            <a:off x="335719" y="355444"/>
+            <a:ext cx="471147" cy="471543"/>
+          </a:xfrm>
+          <a:prstGeom prst="rect">
+            <a:avLst/>
+          </a:prstGeom>
+        </p:spPr>
+      </p:pic>
+      <p:pic>
+        <p:nvPicPr>
+          <p:cNvPr id="14" name="Imagen 13"/>
+          <p:cNvPicPr>
+            <a:picLocks noChangeAspect="1"/>
+          </p:cNvPicPr>
+          <p:nvPr/>
+        </p:nvPicPr>
+        <p:blipFill>
+          <a:blip r:embed="rId3" cstate="print">
+            <a:extLst>
+              <a:ext uri="{28A0092B-C50C-407E-A947-70E740481C1C}">
+                <a14:useLocalDpi xmlns:a14="http://schemas.microsoft.com/office/drawing/2010/main" val="0"/>
+              </a:ext>
+            </a:extLst>
+          </a:blip>
+          <a:stretch>
+            <a:fillRect/>
+          </a:stretch>
+        </p:blipFill>
+        <p:spPr>
+          <a:xfrm>
+            <a:off x="6578871" y="5815253"/>
+            <a:ext cx="2448751" cy="320770"/>
+          </a:xfrm>
+          <a:prstGeom prst="rect">
+            <a:avLst/>
+          </a:prstGeom>
+        </p:spPr>
+      </p:pic>
+      <p:pic>
+        <p:nvPicPr>
+          <p:cNvPr id="16" name="Imagen 15"/>
+          <p:cNvPicPr>
+            <a:picLocks noChangeAspect="1"/>
+          </p:cNvPicPr>
+          <p:nvPr/>
+        </p:nvPicPr>
+        <p:blipFill>
+          <a:blip r:embed="rId4" cstate="print">
+            <a:extLst>
+              <a:ext uri="{28A0092B-C50C-407E-A947-70E740481C1C}">
+                <a14:useLocalDpi xmlns:a14="http://schemas.microsoft.com/office/drawing/2010/main" val="0"/>
+              </a:ext>
+            </a:extLst>
+          </a:blip>
+          <a:stretch>
+            <a:fillRect/>
+          </a:stretch>
+        </p:blipFill>
+        <p:spPr>
+          <a:xfrm>
+            <a:off x="10238293" y="1951221"/>
+            <a:ext cx="1122695" cy="320770"/>
+          </a:xfrm>
+          <a:prstGeom prst="rect">
+            <a:avLst/>
+          </a:prstGeom>
+        </p:spPr>
+      </p:pic>
+      <p:pic>
+        <p:nvPicPr>
+          <p:cNvPr id="17" name="Imagen 16"/>
+          <p:cNvPicPr>
+            <a:picLocks noChangeAspect="1"/>
+          </p:cNvPicPr>
+          <p:nvPr/>
+        </p:nvPicPr>
+        <p:blipFill>
+          <a:blip r:embed="rId5" cstate="print">
+            <a:extLst>
+              <a:ext uri="{28A0092B-C50C-407E-A947-70E740481C1C}">
+                <a14:useLocalDpi xmlns:a14="http://schemas.microsoft.com/office/drawing/2010/main" val="0"/>
+              </a:ext>
+            </a:extLst>
+          </a:blip>
+          <a:stretch>
+            <a:fillRect/>
+          </a:stretch>
+        </p:blipFill>
+        <p:spPr>
+          <a:xfrm>
+            <a:off x="2480101" y="6281558"/>
+            <a:ext cx="1634561" cy="320770"/>
+          </a:xfrm>
+          <a:prstGeom prst="rect">
+            <a:avLst/>
+          </a:prstGeom>
+        </p:spPr>
+      </p:pic>
+      <p:pic>
+        <p:nvPicPr>
+          <p:cNvPr id="1026" name="Picture 2" descr="Resultado de imagen para airtable png"/>
+          <p:cNvPicPr>
+            <a:picLocks noChangeAspect="1" noChangeArrowheads="1"/>
+          </p:cNvPicPr>
+          <p:nvPr/>
+        </p:nvPicPr>
+        <p:blipFill>
+          <a:blip r:embed="rId6" cstate="print">
+            <a:extLst>
+              <a:ext uri="{28A0092B-C50C-407E-A947-70E740481C1C}">
+                <a14:useLocalDpi xmlns:a14="http://schemas.microsoft.com/office/drawing/2010/main" val="0"/>
+              </a:ext>
+            </a:extLst>
+          </a:blip>
+          <a:srcRect/>
+          <a:stretch>
+            <a:fillRect/>
+          </a:stretch>
+        </p:blipFill>
+        <p:spPr bwMode="auto">
+          <a:xfrm>
+            <a:off x="4482077" y="5150471"/>
+            <a:ext cx="1473808" cy="320770"/>
+          </a:xfrm>
+          <a:prstGeom prst="rect">
+            <a:avLst/>
+          </a:prstGeom>
+          <a:noFill/>
+          <a:extLst>
+            <a:ext uri="{909E8E84-426E-40DD-AFC4-6F175D3DCCD1}">
+              <a14:hiddenFill xmlns:a14="http://schemas.microsoft.com/office/drawing/2010/main">
+                <a:solidFill>
+                  <a:srgbClr val="FFFFFF"/>
+                </a:solidFill>
+              </a14:hiddenFill>
+            </a:ext>
+          </a:extLst>
+        </p:spPr>
+      </p:pic>
+      <p:pic>
+        <p:nvPicPr>
+          <p:cNvPr id="1028" name="Picture 4" descr="Resultado de imagen para taiga software png"/>
+          <p:cNvPicPr>
+            <a:picLocks noChangeAspect="1" noChangeArrowheads="1"/>
+          </p:cNvPicPr>
+          <p:nvPr/>
+        </p:nvPicPr>
+        <p:blipFill>
+          <a:blip r:embed="rId7" cstate="print">
+            <a:extLst>
+              <a:ext uri="{28A0092B-C50C-407E-A947-70E740481C1C}">
+                <a14:useLocalDpi xmlns:a14="http://schemas.microsoft.com/office/drawing/2010/main" val="0"/>
+              </a:ext>
+            </a:extLst>
+          </a:blip>
+          <a:srcRect/>
+          <a:stretch>
+            <a:fillRect/>
+          </a:stretch>
+        </p:blipFill>
+        <p:spPr bwMode="auto">
+          <a:xfrm>
+            <a:off x="10275182" y="5778544"/>
+            <a:ext cx="1085806" cy="320770"/>
+          </a:xfrm>
+          <a:prstGeom prst="rect">
+            <a:avLst/>
+          </a:prstGeom>
+          <a:noFill/>
+          <a:extLst>
+            <a:ext uri="{909E8E84-426E-40DD-AFC4-6F175D3DCCD1}">
+              <a14:hiddenFill xmlns:a14="http://schemas.microsoft.com/office/drawing/2010/main">
+                <a:solidFill>
+                  <a:srgbClr val="FFFFFF"/>
+                </a:solidFill>
+              </a14:hiddenFill>
+            </a:ext>
+          </a:extLst>
+        </p:spPr>
+      </p:pic>
+      <p:pic>
+        <p:nvPicPr>
+          <p:cNvPr id="1032" name="Picture 8" descr="Resultado de imagen para scoro png"/>
+          <p:cNvPicPr>
+            <a:picLocks noChangeAspect="1" noChangeArrowheads="1"/>
+          </p:cNvPicPr>
+          <p:nvPr/>
+        </p:nvPicPr>
+        <p:blipFill>
+          <a:blip r:embed="rId8" cstate="print">
+            <a:extLst>
+              <a:ext uri="{28A0092B-C50C-407E-A947-70E740481C1C}">
+                <a14:useLocalDpi xmlns:a14="http://schemas.microsoft.com/office/drawing/2010/main" val="0"/>
+              </a:ext>
+            </a:extLst>
+          </a:blip>
+          <a:srcRect/>
+          <a:stretch>
+            <a:fillRect/>
+          </a:stretch>
+        </p:blipFill>
+        <p:spPr bwMode="auto">
+          <a:xfrm>
+            <a:off x="7257983" y="3816283"/>
+            <a:ext cx="1090525" cy="322968"/>
+          </a:xfrm>
+          <a:prstGeom prst="rect">
+            <a:avLst/>
+          </a:prstGeom>
+          <a:noFill/>
+          <a:extLst>
+            <a:ext uri="{909E8E84-426E-40DD-AFC4-6F175D3DCCD1}">
+              <a14:hiddenFill xmlns:a14="http://schemas.microsoft.com/office/drawing/2010/main">
+                <a:solidFill>
+                  <a:srgbClr val="FFFFFF"/>
+                </a:solidFill>
+              </a14:hiddenFill>
+            </a:ext>
+          </a:extLst>
+        </p:spPr>
+      </p:pic>
+      <p:pic>
+        <p:nvPicPr>
+          <p:cNvPr id="1034" name="Picture 10" descr="Resultado de imagen para wrike png"/>
+          <p:cNvPicPr>
+            <a:picLocks noChangeAspect="1" noChangeArrowheads="1"/>
+          </p:cNvPicPr>
+          <p:nvPr/>
+        </p:nvPicPr>
+        <p:blipFill>
+          <a:blip r:embed="rId9" cstate="print">
+            <a:extLst>
+              <a:ext uri="{28A0092B-C50C-407E-A947-70E740481C1C}">
+                <a14:useLocalDpi xmlns:a14="http://schemas.microsoft.com/office/drawing/2010/main" val="0"/>
+              </a:ext>
+            </a:extLst>
+          </a:blip>
+          <a:srcRect/>
+          <a:stretch>
+            <a:fillRect/>
+          </a:stretch>
+        </p:blipFill>
+        <p:spPr bwMode="auto">
+          <a:xfrm>
+            <a:off x="10079657" y="3257390"/>
+            <a:ext cx="969337" cy="318631"/>
+          </a:xfrm>
+          <a:prstGeom prst="rect">
+            <a:avLst/>
+          </a:prstGeom>
+          <a:noFill/>
+          <a:extLst>
+            <a:ext uri="{909E8E84-426E-40DD-AFC4-6F175D3DCCD1}">
+              <a14:hiddenFill xmlns:a14="http://schemas.microsoft.com/office/drawing/2010/main">
+                <a:solidFill>
+                  <a:srgbClr val="FFFFFF"/>
+                </a:solidFill>
+              </a14:hiddenFill>
+            </a:ext>
+          </a:extLst>
+        </p:spPr>
+      </p:pic>
+    </p:spTree>
+    <p:extLst>
+      <p:ext uri="{BB962C8B-B14F-4D97-AF65-F5344CB8AC3E}">
+        <p14:creationId xmlns:p14="http://schemas.microsoft.com/office/powerpoint/2010/main" val="1111539834"/>
+      </p:ext>
+    </p:extLst>
+  </p:cSld>
+  <p:clrMapOvr>
+    <a:masterClrMapping/>
+  </p:clrMapOvr>
+  <p:timing>
+    <p:tnLst>
+      <p:par>
+        <p:cTn id="1" dur="indefinite" restart="never" nodeType="tmRoot"/>
+      </p:par>
+    </p:tnLst>
+  </p:timing>
+</p:sld>
+</file>
+
+<file path=ppt/slides/slide25.xml><?xml version="1.0" encoding="utf-8"?>
+<p:sld xmlns:a="http://schemas.openxmlformats.org/drawingml/2006/main" xmlns:r="http://schemas.openxmlformats.org/officeDocument/2006/relationships" xmlns:p="http://schemas.openxmlformats.org/presentationml/2006/main">
+  <p:cSld>
+    <p:spTree>
+      <p:nvGrpSpPr>
+        <p:cNvPr id="1" name=""/>
+        <p:cNvGrpSpPr/>
+        <p:nvPr/>
+      </p:nvGrpSpPr>
+      <p:grpSpPr>
+        <a:xfrm>
+          <a:off x="0" y="0"/>
+          <a:ext cx="0" cy="0"/>
+          <a:chOff x="0" y="0"/>
+          <a:chExt cx="0" cy="0"/>
+        </a:xfrm>
+      </p:grpSpPr>
+      <p:sp>
+        <p:nvSpPr>
+          <p:cNvPr id="3" name="Rectángulo 2"/>
+          <p:cNvSpPr/>
+          <p:nvPr/>
+        </p:nvSpPr>
+        <p:spPr>
+          <a:xfrm>
+            <a:off x="1239105" y="1536174"/>
+            <a:ext cx="9713791" cy="3785652"/>
+          </a:xfrm>
+          <a:prstGeom prst="rect">
+            <a:avLst/>
+          </a:prstGeom>
+        </p:spPr>
+        <p:txBody>
+          <a:bodyPr wrap="square">
+            <a:spAutoFit/>
+          </a:bodyPr>
+          <a:lstStyle/>
+          <a:p>
+            <a:r>
+              <a:rPr lang="en-US" sz="8000" b="1" dirty="0" smtClean="0">
+                <a:solidFill>
+                  <a:schemeClr val="bg1"/>
+                </a:solidFill>
+                <a:ea typeface="A little sunshine" panose="02000603000000000000" pitchFamily="2" charset="0"/>
+                <a:cs typeface="Open Sans" panose="020B0606030504020204" pitchFamily="34" charset="0"/>
+              </a:rPr>
+              <a:t>“The </a:t>
+            </a:r>
+            <a:r>
+              <a:rPr lang="en-US" sz="8000" b="1" dirty="0">
+                <a:solidFill>
+                  <a:schemeClr val="bg1"/>
+                </a:solidFill>
+                <a:ea typeface="A little sunshine" panose="02000603000000000000" pitchFamily="2" charset="0"/>
+                <a:cs typeface="Open Sans" panose="020B0606030504020204" pitchFamily="34" charset="0"/>
+              </a:rPr>
+              <a:t>only real training for leadership is </a:t>
+            </a:r>
+            <a:r>
+              <a:rPr lang="en-US" sz="8000" b="1" dirty="0" smtClean="0">
+                <a:solidFill>
+                  <a:schemeClr val="bg1"/>
+                </a:solidFill>
+                <a:ea typeface="A little sunshine" panose="02000603000000000000" pitchFamily="2" charset="0"/>
+                <a:cs typeface="Open Sans" panose="020B0606030504020204" pitchFamily="34" charset="0"/>
+              </a:rPr>
+              <a:t>leadership” </a:t>
+            </a:r>
+            <a:r>
+              <a:rPr lang="en-US" sz="3000" dirty="0" smtClean="0">
+                <a:solidFill>
+                  <a:srgbClr val="FFB88C"/>
+                </a:solidFill>
+                <a:latin typeface="Comic Sans MS" panose="030F0702030302020204" pitchFamily="66" charset="0"/>
+                <a:ea typeface="Open Sans" panose="020B0606030504020204" pitchFamily="34" charset="0"/>
+                <a:cs typeface="Open Sans" panose="020B0606030504020204" pitchFamily="34" charset="0"/>
+              </a:rPr>
+              <a:t>- </a:t>
+            </a:r>
+            <a:r>
+              <a:rPr lang="es-MX" sz="3000" dirty="0" err="1">
+                <a:solidFill>
+                  <a:srgbClr val="FFB88C"/>
+                </a:solidFill>
+                <a:latin typeface="Comic Sans MS" panose="030F0702030302020204" pitchFamily="66" charset="0"/>
+                <a:ea typeface="Open Sans" panose="020B0606030504020204" pitchFamily="34" charset="0"/>
+                <a:cs typeface="Open Sans" panose="020B0606030504020204" pitchFamily="34" charset="0"/>
+              </a:rPr>
+              <a:t>Antony</a:t>
+            </a:r>
+            <a:r>
+              <a:rPr lang="es-MX" sz="3000" dirty="0">
+                <a:solidFill>
+                  <a:srgbClr val="FFB88C"/>
+                </a:solidFill>
+                <a:latin typeface="Comic Sans MS" panose="030F0702030302020204" pitchFamily="66" charset="0"/>
+                <a:ea typeface="Open Sans" panose="020B0606030504020204" pitchFamily="34" charset="0"/>
+                <a:cs typeface="Open Sans" panose="020B0606030504020204" pitchFamily="34" charset="0"/>
+              </a:rPr>
+              <a:t> </a:t>
+            </a:r>
+            <a:r>
+              <a:rPr lang="es-MX" sz="3000" dirty="0" err="1">
+                <a:solidFill>
+                  <a:srgbClr val="FFB88C"/>
+                </a:solidFill>
+                <a:latin typeface="Comic Sans MS" panose="030F0702030302020204" pitchFamily="66" charset="0"/>
+                <a:ea typeface="Open Sans" panose="020B0606030504020204" pitchFamily="34" charset="0"/>
+                <a:cs typeface="Open Sans" panose="020B0606030504020204" pitchFamily="34" charset="0"/>
+              </a:rPr>
+              <a:t>Jay</a:t>
+            </a:r>
+            <a:endParaRPr lang="es-MX" sz="3000" dirty="0">
+              <a:solidFill>
+                <a:srgbClr val="FFB88C"/>
+              </a:solidFill>
+              <a:latin typeface="Comic Sans MS" panose="030F0702030302020204" pitchFamily="66" charset="0"/>
+              <a:ea typeface="Open Sans" panose="020B0606030504020204" pitchFamily="34" charset="0"/>
+              <a:cs typeface="Open Sans" panose="020B0606030504020204" pitchFamily="34" charset="0"/>
+            </a:endParaRPr>
+          </a:p>
+        </p:txBody>
+      </p:sp>
+    </p:spTree>
+    <p:extLst>
+      <p:ext uri="{BB962C8B-B14F-4D97-AF65-F5344CB8AC3E}">
+        <p14:creationId xmlns:p14="http://schemas.microsoft.com/office/powerpoint/2010/main" val="2823001388"/>
+      </p:ext>
+    </p:extLst>
+  </p:cSld>
+  <p:clrMapOvr>
+    <a:masterClrMapping/>
+  </p:clrMapOvr>
+  <p:timing>
+    <p:tnLst>
+      <p:par>
+        <p:cTn id="1" dur="indefinite" restart="never" nodeType="tmRoot"/>
+      </p:par>
+    </p:tnLst>
+  </p:timing>
+</p:sld>
+</file>
+
+<file path=ppt/slides/slide26.xml><?xml version="1.0" encoding="utf-8"?>
 <p:sld xmlns:a="http://schemas.openxmlformats.org/drawingml/2006/main" xmlns:r="http://schemas.openxmlformats.org/officeDocument/2006/relationships" xmlns:p="http://schemas.openxmlformats.org/presentationml/2006/main">
   <p:cSld>
     <p:spTree>
@@ -3771,24 +7245,12 @@
                     </a:schemeClr>
                   </a:solidFill>
                 </a:rPr>
-                <a:t> </a:t>
+                <a:t>         </a:t>
               </a:r>
               <a:r>
-                <a:rPr lang="es-MX" sz="3000" b="1" dirty="0" smtClean="0">
+                <a:rPr lang="es-MX" sz="1400" b="1" dirty="0">
                   <a:solidFill>
-                    <a:schemeClr val="bg1">
-                      <a:lumMod val="95000"/>
-                    </a:schemeClr>
-                  </a:solidFill>
-                </a:rPr>
-                <a:t>        </a:t>
-              </a:r>
-              <a:r>
-                <a:rPr lang="es-MX" sz="1600" b="1" dirty="0">
-                  <a:solidFill>
-                    <a:schemeClr val="bg1">
-                      <a:lumMod val="95000"/>
-                    </a:schemeClr>
+                    <a:schemeClr val="bg1"/>
                   </a:solidFill>
                   <a:latin typeface="Open Sans" panose="020B0606030504020204" pitchFamily="34" charset="0"/>
                   <a:ea typeface="Open Sans" panose="020B0606030504020204" pitchFamily="34" charset="0"/>
@@ -3820,22 +7282,12 @@
                     <a:schemeClr val="bg1"/>
                   </a:solidFill>
                 </a:rPr>
-                <a:t> </a:t>
+                <a:t>     </a:t>
               </a:r>
               <a:r>
-                <a:rPr lang="es-MX" sz="3000" b="1" dirty="0">
+                <a:rPr lang="es-MX" sz="1400" b="1" dirty="0">
                   <a:solidFill>
                     <a:schemeClr val="bg1"/>
-                  </a:solidFill>
-                </a:rPr>
-                <a:t>    </a:t>
-              </a:r>
-              <a:r>
-                <a:rPr lang="es-MX" sz="1600" b="1" dirty="0">
-                  <a:solidFill>
-                    <a:schemeClr val="bg1">
-                      <a:lumMod val="95000"/>
-                    </a:schemeClr>
                   </a:solidFill>
                   <a:latin typeface="Open Sans" panose="020B0606030504020204" pitchFamily="34" charset="0"/>
                   <a:ea typeface="Open Sans" panose="020B0606030504020204" pitchFamily="34" charset="0"/>
@@ -3851,41 +7303,18 @@
                     <a:schemeClr val="bg1"/>
                   </a:solidFill>
                 </a:rPr>
-                <a:t>Project Manager </a:t>
+                <a:t>Project Manager                </a:t>
               </a:r>
               <a:r>
-                <a:rPr lang="es-MX" sz="3000" b="1" dirty="0">
+                <a:rPr lang="es-MX" sz="1400" b="1" dirty="0">
                   <a:solidFill>
                     <a:schemeClr val="bg1"/>
-                  </a:solidFill>
-                </a:rPr>
-                <a:t>               </a:t>
-              </a:r>
-              <a:r>
-                <a:rPr lang="es-MX" sz="1600" b="1" dirty="0">
-                  <a:solidFill>
-                    <a:schemeClr val="bg1">
-                      <a:lumMod val="95000"/>
-                    </a:schemeClr>
                   </a:solidFill>
                   <a:latin typeface="Open Sans" panose="020B0606030504020204" pitchFamily="34" charset="0"/>
                   <a:ea typeface="Open Sans" panose="020B0606030504020204" pitchFamily="34" charset="0"/>
                   <a:cs typeface="Open Sans" panose="020B0606030504020204" pitchFamily="34" charset="0"/>
                 </a:rPr>
-                <a:t>@</a:t>
-              </a:r>
-              <a:r>
-                <a:rPr lang="es-MX" sz="1600" b="1" dirty="0">
-                  <a:solidFill>
-                    <a:schemeClr val="bg1">
-                      <a:lumMod val="95000"/>
-                    </a:schemeClr>
-                  </a:solidFill>
-                  <a:latin typeface="Open Sans" panose="020B0606030504020204" pitchFamily="34" charset="0"/>
-                  <a:ea typeface="Open Sans" panose="020B0606030504020204" pitchFamily="34" charset="0"/>
-                  <a:cs typeface="Open Sans" panose="020B0606030504020204" pitchFamily="34" charset="0"/>
-                </a:rPr>
-                <a:t>GPOMCT</a:t>
+                <a:t>@GPOMCT</a:t>
               </a:r>
             </a:p>
           </p:txBody>
@@ -3899,9 +7328,9 @@
           <p:grpSpPr>
             <a:xfrm>
               <a:off x="4766406" y="4365843"/>
-              <a:ext cx="3448380" cy="477054"/>
+              <a:ext cx="3106791" cy="477054"/>
               <a:chOff x="4490828" y="3307586"/>
-              <a:chExt cx="3448380" cy="477054"/>
+              <a:chExt cx="3106791" cy="477054"/>
             </a:xfrm>
           </p:grpSpPr>
           <p:sp>
@@ -3928,9 +7357,7 @@
                 <a:r>
                   <a:rPr lang="es-MX" sz="2500" dirty="0" smtClean="0">
                     <a:solidFill>
-                      <a:schemeClr val="bg1">
-                        <a:lumMod val="95000"/>
-                      </a:schemeClr>
+                      <a:schemeClr val="bg1"/>
                     </a:solidFill>
                     <a:latin typeface="Font Awesome 5 Brands Regular" panose="02000503000000000000" pitchFamily="50" charset="0"/>
                   </a:rPr>
@@ -3938,9 +7365,7 @@
                 </a:r>
                 <a:endParaRPr lang="es-MX" sz="2500" dirty="0">
                   <a:solidFill>
-                    <a:schemeClr val="bg1">
-                      <a:lumMod val="95000"/>
-                    </a:schemeClr>
+                    <a:schemeClr val="bg1"/>
                   </a:solidFill>
                   <a:latin typeface="Font Awesome 5 Brands Regular" panose="02000503000000000000" pitchFamily="50" charset="0"/>
                 </a:endParaRPr>
@@ -3955,8 +7380,8 @@
             </p:nvSpPr>
             <p:spPr>
               <a:xfrm>
-                <a:off x="6172699" y="3369141"/>
-                <a:ext cx="1766509" cy="400110"/>
+                <a:off x="6069187" y="3395019"/>
+                <a:ext cx="1528432" cy="353943"/>
               </a:xfrm>
               <a:prstGeom prst="rect">
                 <a:avLst/>
@@ -3969,11 +7394,9 @@
               <a:lstStyle/>
               <a:p>
                 <a:r>
-                  <a:rPr lang="es-MX" sz="2000" b="1" dirty="0">
+                  <a:rPr lang="es-MX" sz="1700" b="1" dirty="0">
                     <a:solidFill>
-                      <a:schemeClr val="bg1">
-                        <a:lumMod val="95000"/>
-                      </a:schemeClr>
+                      <a:schemeClr val="bg1"/>
                     </a:solidFill>
                     <a:latin typeface="Open Sans" panose="020B0606030504020204" pitchFamily="34" charset="0"/>
                     <a:ea typeface="Open Sans" panose="020B0606030504020204" pitchFamily="34" charset="0"/>
@@ -3982,11 +7405,9 @@
                   <a:t>/</a:t>
                 </a:r>
                 <a:r>
-                  <a:rPr lang="es-MX" sz="2000" b="1" dirty="0" err="1">
+                  <a:rPr lang="es-MX" sz="1700" b="1" dirty="0" err="1">
                     <a:solidFill>
-                      <a:schemeClr val="bg1">
-                        <a:lumMod val="95000"/>
-                      </a:schemeClr>
+                      <a:schemeClr val="bg1"/>
                     </a:solidFill>
                     <a:latin typeface="Open Sans" panose="020B0606030504020204" pitchFamily="34" charset="0"/>
                     <a:ea typeface="Open Sans" panose="020B0606030504020204" pitchFamily="34" charset="0"/>
@@ -3994,11 +7415,9 @@
                   </a:rPr>
                   <a:t>luisejrobles</a:t>
                 </a:r>
-                <a:endParaRPr lang="es-MX" sz="2000" b="1" dirty="0">
+                <a:endParaRPr lang="es-MX" sz="1700" b="1" dirty="0">
                   <a:solidFill>
-                    <a:schemeClr val="bg1">
-                      <a:lumMod val="95000"/>
-                    </a:schemeClr>
+                    <a:schemeClr val="bg1"/>
                   </a:solidFill>
                   <a:latin typeface="Open Sans" panose="020B0606030504020204" pitchFamily="34" charset="0"/>
                   <a:ea typeface="Open Sans" panose="020B0606030504020204" pitchFamily="34" charset="0"/>
@@ -4049,8 +7468,8 @@
           </p:nvSpPr>
           <p:spPr>
             <a:xfrm>
-              <a:off x="5183474" y="3958254"/>
-              <a:ext cx="4141262" cy="400110"/>
+              <a:off x="5183474" y="3975506"/>
+              <a:ext cx="3547702" cy="353943"/>
             </a:xfrm>
             <a:prstGeom prst="rect">
               <a:avLst/>
@@ -4063,11 +7482,9 @@
             <a:lstStyle/>
             <a:p>
               <a:r>
-                <a:rPr lang="es-MX" sz="2000" b="1" dirty="0">
+                <a:rPr lang="es-MX" sz="1700" b="1" dirty="0">
                   <a:solidFill>
-                    <a:schemeClr val="bg1">
-                      <a:lumMod val="95000"/>
-                    </a:schemeClr>
+                    <a:schemeClr val="bg1"/>
                   </a:solidFill>
                   <a:latin typeface="Open Sans" panose="020B0606030504020204" pitchFamily="34" charset="0"/>
                   <a:ea typeface="Open Sans" panose="020B0606030504020204" pitchFamily="34" charset="0"/>
@@ -4185,6 +7602,1930 @@
     <p:extLst>
       <p:ext uri="{BB962C8B-B14F-4D97-AF65-F5344CB8AC3E}">
         <p14:creationId xmlns:p14="http://schemas.microsoft.com/office/powerpoint/2010/main" val="3509032362"/>
+      </p:ext>
+    </p:extLst>
+  </p:cSld>
+  <p:clrMapOvr>
+    <a:masterClrMapping/>
+  </p:clrMapOvr>
+  <p:timing>
+    <p:tnLst>
+      <p:par>
+        <p:cTn id="1" dur="indefinite" restart="never" nodeType="tmRoot"/>
+      </p:par>
+    </p:tnLst>
+  </p:timing>
+</p:sld>
+</file>
+
+<file path=ppt/slides/slide3.xml><?xml version="1.0" encoding="utf-8"?>
+<p:sld xmlns:a="http://schemas.openxmlformats.org/drawingml/2006/main" xmlns:r="http://schemas.openxmlformats.org/officeDocument/2006/relationships" xmlns:p="http://schemas.openxmlformats.org/presentationml/2006/main">
+  <p:cSld>
+    <p:spTree>
+      <p:nvGrpSpPr>
+        <p:cNvPr id="1" name=""/>
+        <p:cNvGrpSpPr/>
+        <p:nvPr/>
+      </p:nvGrpSpPr>
+      <p:grpSpPr>
+        <a:xfrm>
+          <a:off x="0" y="0"/>
+          <a:ext cx="0" cy="0"/>
+          <a:chOff x="0" y="0"/>
+          <a:chExt cx="0" cy="0"/>
+        </a:xfrm>
+      </p:grpSpPr>
+      <p:sp>
+        <p:nvSpPr>
+          <p:cNvPr id="2" name="CuadroTexto 1"/>
+          <p:cNvSpPr txBox="1"/>
+          <p:nvPr/>
+        </p:nvSpPr>
+        <p:spPr>
+          <a:xfrm>
+            <a:off x="2831621" y="1382286"/>
+            <a:ext cx="6528758" cy="4093428"/>
+          </a:xfrm>
+          <a:prstGeom prst="rect">
+            <a:avLst/>
+          </a:prstGeom>
+          <a:noFill/>
+        </p:spPr>
+        <p:txBody>
+          <a:bodyPr wrap="square" rtlCol="0">
+            <a:spAutoFit/>
+          </a:bodyPr>
+          <a:lstStyle/>
+          <a:p>
+            <a:r>
+              <a:rPr lang="en-US" sz="13000" b="1" dirty="0" smtClean="0">
+                <a:solidFill>
+                  <a:schemeClr val="bg1"/>
+                </a:solidFill>
+              </a:rPr>
+              <a:t>Ship</a:t>
+            </a:r>
+            <a:r>
+              <a:rPr lang="en-US" sz="10000" b="1" dirty="0" smtClean="0">
+                <a:solidFill>
+                  <a:schemeClr val="bg1"/>
+                </a:solidFill>
+              </a:rPr>
+              <a:t> </a:t>
+            </a:r>
+            <a:r>
+              <a:rPr lang="en-US" sz="4000" b="1" dirty="0" smtClean="0">
+                <a:solidFill>
+                  <a:srgbClr val="FFB88C"/>
+                </a:solidFill>
+              </a:rPr>
+              <a:t>a finished </a:t>
+            </a:r>
+            <a:r>
+              <a:rPr lang="en-US" sz="13000" b="1" dirty="0">
+                <a:solidFill>
+                  <a:schemeClr val="bg1"/>
+                </a:solidFill>
+              </a:rPr>
+              <a:t>product</a:t>
+            </a:r>
+            <a:r>
+              <a:rPr lang="en-US" sz="6000" b="1" dirty="0">
+                <a:solidFill>
+                  <a:schemeClr val="bg1"/>
+                </a:solidFill>
+              </a:rPr>
+              <a:t>.</a:t>
+            </a:r>
+            <a:endParaRPr lang="es-MX" sz="6000" b="1" dirty="0">
+              <a:solidFill>
+                <a:schemeClr val="bg1"/>
+              </a:solidFill>
+            </a:endParaRPr>
+          </a:p>
+        </p:txBody>
+      </p:sp>
+    </p:spTree>
+    <p:extLst>
+      <p:ext uri="{BB962C8B-B14F-4D97-AF65-F5344CB8AC3E}">
+        <p14:creationId xmlns:p14="http://schemas.microsoft.com/office/powerpoint/2010/main" val="2153774106"/>
+      </p:ext>
+    </p:extLst>
+  </p:cSld>
+  <p:clrMapOvr>
+    <a:masterClrMapping/>
+  </p:clrMapOvr>
+  <p:timing>
+    <p:tnLst>
+      <p:par>
+        <p:cTn id="1" dur="indefinite" restart="never" nodeType="tmRoot"/>
+      </p:par>
+    </p:tnLst>
+  </p:timing>
+</p:sld>
+</file>
+
+<file path=ppt/slides/slide4.xml><?xml version="1.0" encoding="utf-8"?>
+<p:sld xmlns:a="http://schemas.openxmlformats.org/drawingml/2006/main" xmlns:r="http://schemas.openxmlformats.org/officeDocument/2006/relationships" xmlns:p="http://schemas.openxmlformats.org/presentationml/2006/main">
+  <p:cSld>
+    <p:spTree>
+      <p:nvGrpSpPr>
+        <p:cNvPr id="1" name=""/>
+        <p:cNvGrpSpPr/>
+        <p:nvPr/>
+      </p:nvGrpSpPr>
+      <p:grpSpPr>
+        <a:xfrm>
+          <a:off x="0" y="0"/>
+          <a:ext cx="0" cy="0"/>
+          <a:chOff x="0" y="0"/>
+          <a:chExt cx="0" cy="0"/>
+        </a:xfrm>
+      </p:grpSpPr>
+      <p:pic>
+        <p:nvPicPr>
+          <p:cNvPr id="4" name="Imagen 3"/>
+          <p:cNvPicPr>
+            <a:picLocks noChangeAspect="1"/>
+          </p:cNvPicPr>
+          <p:nvPr/>
+        </p:nvPicPr>
+        <p:blipFill>
+          <a:blip r:embed="rId2" cstate="print">
+            <a:extLst>
+              <a:ext uri="{28A0092B-C50C-407E-A947-70E740481C1C}">
+                <a14:useLocalDpi xmlns:a14="http://schemas.microsoft.com/office/drawing/2010/main" val="0"/>
+              </a:ext>
+            </a:extLst>
+          </a:blip>
+          <a:stretch>
+            <a:fillRect/>
+          </a:stretch>
+        </p:blipFill>
+        <p:spPr>
+          <a:xfrm>
+            <a:off x="285845" y="330234"/>
+            <a:ext cx="526760" cy="518164"/>
+          </a:xfrm>
+          <a:prstGeom prst="rect">
+            <a:avLst/>
+          </a:prstGeom>
+        </p:spPr>
+      </p:pic>
+      <p:sp>
+        <p:nvSpPr>
+          <p:cNvPr id="3" name="CuadroTexto 2"/>
+          <p:cNvSpPr txBox="1"/>
+          <p:nvPr/>
+        </p:nvSpPr>
+        <p:spPr>
+          <a:xfrm>
+            <a:off x="844557" y="199727"/>
+            <a:ext cx="10516431" cy="784830"/>
+          </a:xfrm>
+          <a:prstGeom prst="rect">
+            <a:avLst/>
+          </a:prstGeom>
+          <a:noFill/>
+        </p:spPr>
+        <p:txBody>
+          <a:bodyPr wrap="square" rtlCol="0">
+            <a:spAutoFit/>
+          </a:bodyPr>
+          <a:lstStyle/>
+          <a:p>
+            <a:r>
+              <a:rPr lang="en-US" sz="4500" b="1" dirty="0" smtClean="0">
+                <a:solidFill>
+                  <a:schemeClr val="bg1"/>
+                </a:solidFill>
+                <a:ea typeface="Open Sans Extrabold" panose="020B0906030804020204" pitchFamily="34" charset="0"/>
+                <a:cs typeface="Open Sans Extrabold" panose="020B0906030804020204" pitchFamily="34" charset="0"/>
+              </a:rPr>
+              <a:t>Get to know the project</a:t>
+            </a:r>
+            <a:endParaRPr lang="es-MX" sz="4500" b="1" dirty="0">
+              <a:solidFill>
+                <a:schemeClr val="bg1"/>
+              </a:solidFill>
+              <a:ea typeface="Open Sans Extrabold" panose="020B0906030804020204" pitchFamily="34" charset="0"/>
+              <a:cs typeface="Open Sans Extrabold" panose="020B0906030804020204" pitchFamily="34" charset="0"/>
+            </a:endParaRPr>
+          </a:p>
+        </p:txBody>
+      </p:sp>
+      <p:sp>
+        <p:nvSpPr>
+          <p:cNvPr id="11" name="CuadroTexto 10"/>
+          <p:cNvSpPr txBox="1"/>
+          <p:nvPr/>
+        </p:nvSpPr>
+        <p:spPr>
+          <a:xfrm>
+            <a:off x="1949569" y="2130724"/>
+            <a:ext cx="9244904" cy="1015663"/>
+          </a:xfrm>
+          <a:prstGeom prst="rect">
+            <a:avLst/>
+          </a:prstGeom>
+          <a:noFill/>
+        </p:spPr>
+        <p:txBody>
+          <a:bodyPr wrap="square" rtlCol="0">
+            <a:spAutoFit/>
+          </a:bodyPr>
+          <a:lstStyle/>
+          <a:p>
+            <a:r>
+              <a:rPr lang="en-US" sz="3000" b="1" dirty="0" smtClean="0">
+                <a:solidFill>
+                  <a:schemeClr val="bg1"/>
+                </a:solidFill>
+                <a:ea typeface="Roboto" panose="02000000000000000000" pitchFamily="2" charset="0"/>
+              </a:rPr>
+              <a:t>Set the connection between the project and your team long-term goals</a:t>
+            </a:r>
+            <a:endParaRPr lang="es-MX" sz="3000" b="1" dirty="0">
+              <a:solidFill>
+                <a:schemeClr val="bg1"/>
+              </a:solidFill>
+              <a:ea typeface="Roboto" panose="02000000000000000000" pitchFamily="2" charset="0"/>
+            </a:endParaRPr>
+          </a:p>
+        </p:txBody>
+      </p:sp>
+      <p:sp>
+        <p:nvSpPr>
+          <p:cNvPr id="13" name="CuadroTexto 12"/>
+          <p:cNvSpPr txBox="1"/>
+          <p:nvPr/>
+        </p:nvSpPr>
+        <p:spPr>
+          <a:xfrm>
+            <a:off x="1949569" y="3276891"/>
+            <a:ext cx="9244904" cy="553998"/>
+          </a:xfrm>
+          <a:prstGeom prst="rect">
+            <a:avLst/>
+          </a:prstGeom>
+          <a:noFill/>
+        </p:spPr>
+        <p:txBody>
+          <a:bodyPr wrap="square" rtlCol="0">
+            <a:spAutoFit/>
+          </a:bodyPr>
+          <a:lstStyle/>
+          <a:p>
+            <a:r>
+              <a:rPr lang="en-US" sz="3000" b="1" dirty="0" smtClean="0">
+                <a:solidFill>
+                  <a:schemeClr val="bg1"/>
+                </a:solidFill>
+                <a:ea typeface="Roboto" panose="02000000000000000000" pitchFamily="2" charset="0"/>
+              </a:rPr>
+              <a:t>Know your team strengths and limitations</a:t>
+            </a:r>
+            <a:endParaRPr lang="es-MX" sz="3000" b="1" dirty="0">
+              <a:solidFill>
+                <a:schemeClr val="bg1"/>
+              </a:solidFill>
+              <a:ea typeface="Roboto" panose="02000000000000000000" pitchFamily="2" charset="0"/>
+            </a:endParaRPr>
+          </a:p>
+        </p:txBody>
+      </p:sp>
+      <p:sp>
+        <p:nvSpPr>
+          <p:cNvPr id="14" name="CuadroTexto 13"/>
+          <p:cNvSpPr txBox="1"/>
+          <p:nvPr/>
+        </p:nvSpPr>
+        <p:spPr>
+          <a:xfrm>
+            <a:off x="1949569" y="3961393"/>
+            <a:ext cx="9244904" cy="553998"/>
+          </a:xfrm>
+          <a:prstGeom prst="rect">
+            <a:avLst/>
+          </a:prstGeom>
+          <a:noFill/>
+        </p:spPr>
+        <p:txBody>
+          <a:bodyPr wrap="square" rtlCol="0">
+            <a:spAutoFit/>
+          </a:bodyPr>
+          <a:lstStyle/>
+          <a:p>
+            <a:r>
+              <a:rPr lang="en-US" sz="3000" b="1" dirty="0" smtClean="0">
+                <a:solidFill>
+                  <a:schemeClr val="bg1"/>
+                </a:solidFill>
+                <a:ea typeface="Roboto" panose="02000000000000000000" pitchFamily="2" charset="0"/>
+              </a:rPr>
+              <a:t>Estimate development time/cost</a:t>
+            </a:r>
+            <a:endParaRPr lang="es-MX" sz="3000" b="1" dirty="0">
+              <a:solidFill>
+                <a:schemeClr val="bg1"/>
+              </a:solidFill>
+              <a:ea typeface="Roboto" panose="02000000000000000000" pitchFamily="2" charset="0"/>
+            </a:endParaRPr>
+          </a:p>
+        </p:txBody>
+      </p:sp>
+      <p:sp>
+        <p:nvSpPr>
+          <p:cNvPr id="16" name="CuadroTexto 15"/>
+          <p:cNvSpPr txBox="1"/>
+          <p:nvPr/>
+        </p:nvSpPr>
+        <p:spPr>
+          <a:xfrm>
+            <a:off x="1949569" y="4645895"/>
+            <a:ext cx="9244904" cy="553998"/>
+          </a:xfrm>
+          <a:prstGeom prst="rect">
+            <a:avLst/>
+          </a:prstGeom>
+          <a:noFill/>
+        </p:spPr>
+        <p:txBody>
+          <a:bodyPr wrap="square" rtlCol="0">
+            <a:spAutoFit/>
+          </a:bodyPr>
+          <a:lstStyle/>
+          <a:p>
+            <a:r>
+              <a:rPr lang="en-US" sz="3000" b="1" dirty="0" smtClean="0">
+                <a:solidFill>
+                  <a:schemeClr val="bg1"/>
+                </a:solidFill>
+                <a:ea typeface="Roboto" panose="02000000000000000000" pitchFamily="2" charset="0"/>
+              </a:rPr>
+              <a:t>Get your client big picture about the project</a:t>
+            </a:r>
+            <a:endParaRPr lang="es-MX" sz="3000" b="1" dirty="0">
+              <a:solidFill>
+                <a:schemeClr val="bg1"/>
+              </a:solidFill>
+              <a:ea typeface="Roboto" panose="02000000000000000000" pitchFamily="2" charset="0"/>
+            </a:endParaRPr>
+          </a:p>
+        </p:txBody>
+      </p:sp>
+    </p:spTree>
+    <p:extLst>
+      <p:ext uri="{BB962C8B-B14F-4D97-AF65-F5344CB8AC3E}">
+        <p14:creationId xmlns:p14="http://schemas.microsoft.com/office/powerpoint/2010/main" val="851252481"/>
+      </p:ext>
+    </p:extLst>
+  </p:cSld>
+  <p:clrMapOvr>
+    <a:masterClrMapping/>
+  </p:clrMapOvr>
+  <p:timing>
+    <p:tnLst>
+      <p:par>
+        <p:cTn id="1" dur="indefinite" restart="never" nodeType="tmRoot">
+          <p:childTnLst>
+            <p:seq concurrent="1" nextAc="seek">
+              <p:cTn id="2" dur="indefinite" nodeType="mainSeq">
+                <p:childTnLst>
+                  <p:par>
+                    <p:cTn id="3" fill="hold">
+                      <p:stCondLst>
+                        <p:cond delay="indefinite"/>
+                      </p:stCondLst>
+                      <p:childTnLst>
+                        <p:par>
+                          <p:cTn id="4" fill="hold">
+                            <p:stCondLst>
+                              <p:cond delay="0"/>
+                            </p:stCondLst>
+                            <p:childTnLst>
+                              <p:par>
+                                <p:cTn id="5" presetID="10" presetClass="entr" presetSubtype="0" fill="hold" grpId="0" nodeType="clickEffect">
+                                  <p:stCondLst>
+                                    <p:cond delay="0"/>
+                                  </p:stCondLst>
+                                  <p:childTnLst>
+                                    <p:set>
+                                      <p:cBhvr>
+                                        <p:cTn id="6" dur="1" fill="hold">
+                                          <p:stCondLst>
+                                            <p:cond delay="0"/>
+                                          </p:stCondLst>
+                                        </p:cTn>
+                                        <p:tgtEl>
+                                          <p:spTgt spid="11"/>
+                                        </p:tgtEl>
+                                        <p:attrNameLst>
+                                          <p:attrName>style.visibility</p:attrName>
+                                        </p:attrNameLst>
+                                      </p:cBhvr>
+                                      <p:to>
+                                        <p:strVal val="visible"/>
+                                      </p:to>
+                                    </p:set>
+                                    <p:animEffect transition="in" filter="fade">
+                                      <p:cBhvr>
+                                        <p:cTn id="7" dur="500"/>
+                                        <p:tgtEl>
+                                          <p:spTgt spid="11"/>
+                                        </p:tgtEl>
+                                      </p:cBhvr>
+                                    </p:animEffect>
+                                  </p:childTnLst>
+                                </p:cTn>
+                              </p:par>
+                            </p:childTnLst>
+                          </p:cTn>
+                        </p:par>
+                      </p:childTnLst>
+                    </p:cTn>
+                  </p:par>
+                  <p:par>
+                    <p:cTn id="8" fill="hold">
+                      <p:stCondLst>
+                        <p:cond delay="indefinite"/>
+                      </p:stCondLst>
+                      <p:childTnLst>
+                        <p:par>
+                          <p:cTn id="9" fill="hold">
+                            <p:stCondLst>
+                              <p:cond delay="0"/>
+                            </p:stCondLst>
+                            <p:childTnLst>
+                              <p:par>
+                                <p:cTn id="10" presetID="10" presetClass="entr" presetSubtype="0" fill="hold" grpId="0" nodeType="clickEffect">
+                                  <p:stCondLst>
+                                    <p:cond delay="0"/>
+                                  </p:stCondLst>
+                                  <p:childTnLst>
+                                    <p:set>
+                                      <p:cBhvr>
+                                        <p:cTn id="11" dur="1" fill="hold">
+                                          <p:stCondLst>
+                                            <p:cond delay="0"/>
+                                          </p:stCondLst>
+                                        </p:cTn>
+                                        <p:tgtEl>
+                                          <p:spTgt spid="13"/>
+                                        </p:tgtEl>
+                                        <p:attrNameLst>
+                                          <p:attrName>style.visibility</p:attrName>
+                                        </p:attrNameLst>
+                                      </p:cBhvr>
+                                      <p:to>
+                                        <p:strVal val="visible"/>
+                                      </p:to>
+                                    </p:set>
+                                    <p:animEffect transition="in" filter="fade">
+                                      <p:cBhvr>
+                                        <p:cTn id="12" dur="500"/>
+                                        <p:tgtEl>
+                                          <p:spTgt spid="13"/>
+                                        </p:tgtEl>
+                                      </p:cBhvr>
+                                    </p:animEffect>
+                                  </p:childTnLst>
+                                </p:cTn>
+                              </p:par>
+                            </p:childTnLst>
+                          </p:cTn>
+                        </p:par>
+                      </p:childTnLst>
+                    </p:cTn>
+                  </p:par>
+                  <p:par>
+                    <p:cTn id="13" fill="hold">
+                      <p:stCondLst>
+                        <p:cond delay="indefinite"/>
+                      </p:stCondLst>
+                      <p:childTnLst>
+                        <p:par>
+                          <p:cTn id="14" fill="hold">
+                            <p:stCondLst>
+                              <p:cond delay="0"/>
+                            </p:stCondLst>
+                            <p:childTnLst>
+                              <p:par>
+                                <p:cTn id="15" presetID="10" presetClass="entr" presetSubtype="0" fill="hold" grpId="0" nodeType="clickEffect">
+                                  <p:stCondLst>
+                                    <p:cond delay="0"/>
+                                  </p:stCondLst>
+                                  <p:childTnLst>
+                                    <p:set>
+                                      <p:cBhvr>
+                                        <p:cTn id="16" dur="1" fill="hold">
+                                          <p:stCondLst>
+                                            <p:cond delay="0"/>
+                                          </p:stCondLst>
+                                        </p:cTn>
+                                        <p:tgtEl>
+                                          <p:spTgt spid="14"/>
+                                        </p:tgtEl>
+                                        <p:attrNameLst>
+                                          <p:attrName>style.visibility</p:attrName>
+                                        </p:attrNameLst>
+                                      </p:cBhvr>
+                                      <p:to>
+                                        <p:strVal val="visible"/>
+                                      </p:to>
+                                    </p:set>
+                                    <p:animEffect transition="in" filter="fade">
+                                      <p:cBhvr>
+                                        <p:cTn id="17" dur="500"/>
+                                        <p:tgtEl>
+                                          <p:spTgt spid="14"/>
+                                        </p:tgtEl>
+                                      </p:cBhvr>
+                                    </p:animEffect>
+                                  </p:childTnLst>
+                                </p:cTn>
+                              </p:par>
+                            </p:childTnLst>
+                          </p:cTn>
+                        </p:par>
+                      </p:childTnLst>
+                    </p:cTn>
+                  </p:par>
+                  <p:par>
+                    <p:cTn id="18" fill="hold">
+                      <p:stCondLst>
+                        <p:cond delay="indefinite"/>
+                      </p:stCondLst>
+                      <p:childTnLst>
+                        <p:par>
+                          <p:cTn id="19" fill="hold">
+                            <p:stCondLst>
+                              <p:cond delay="0"/>
+                            </p:stCondLst>
+                            <p:childTnLst>
+                              <p:par>
+                                <p:cTn id="20" presetID="10" presetClass="entr" presetSubtype="0" fill="hold" grpId="0" nodeType="clickEffect">
+                                  <p:stCondLst>
+                                    <p:cond delay="0"/>
+                                  </p:stCondLst>
+                                  <p:childTnLst>
+                                    <p:set>
+                                      <p:cBhvr>
+                                        <p:cTn id="21" dur="1" fill="hold">
+                                          <p:stCondLst>
+                                            <p:cond delay="0"/>
+                                          </p:stCondLst>
+                                        </p:cTn>
+                                        <p:tgtEl>
+                                          <p:spTgt spid="16"/>
+                                        </p:tgtEl>
+                                        <p:attrNameLst>
+                                          <p:attrName>style.visibility</p:attrName>
+                                        </p:attrNameLst>
+                                      </p:cBhvr>
+                                      <p:to>
+                                        <p:strVal val="visible"/>
+                                      </p:to>
+                                    </p:set>
+                                    <p:animEffect transition="in" filter="fade">
+                                      <p:cBhvr>
+                                        <p:cTn id="22" dur="500"/>
+                                        <p:tgtEl>
+                                          <p:spTgt spid="16"/>
+                                        </p:tgtEl>
+                                      </p:cBhvr>
+                                    </p:animEffect>
+                                  </p:childTnLst>
+                                </p:cTn>
+                              </p:par>
+                            </p:childTnLst>
+                          </p:cTn>
+                        </p:par>
+                      </p:childTnLst>
+                    </p:cTn>
+                  </p:par>
+                </p:childTnLst>
+              </p:cTn>
+              <p:prevCondLst>
+                <p:cond evt="onPrev" delay="0">
+                  <p:tgtEl>
+                    <p:sldTgt/>
+                  </p:tgtEl>
+                </p:cond>
+              </p:prevCondLst>
+              <p:nextCondLst>
+                <p:cond evt="onNext" delay="0">
+                  <p:tgtEl>
+                    <p:sldTgt/>
+                  </p:tgtEl>
+                </p:cond>
+              </p:nextCondLst>
+            </p:seq>
+          </p:childTnLst>
+        </p:cTn>
+      </p:par>
+    </p:tnLst>
+    <p:bldLst>
+      <p:bldP spid="11" grpId="0"/>
+      <p:bldP spid="13" grpId="0"/>
+      <p:bldP spid="14" grpId="0"/>
+      <p:bldP spid="16" grpId="0"/>
+    </p:bldLst>
+  </p:timing>
+</p:sld>
+</file>
+
+<file path=ppt/slides/slide5.xml><?xml version="1.0" encoding="utf-8"?>
+<p:sld xmlns:a="http://schemas.openxmlformats.org/drawingml/2006/main" xmlns:r="http://schemas.openxmlformats.org/officeDocument/2006/relationships" xmlns:p="http://schemas.openxmlformats.org/presentationml/2006/main">
+  <p:cSld>
+    <p:spTree>
+      <p:nvGrpSpPr>
+        <p:cNvPr id="1" name=""/>
+        <p:cNvGrpSpPr/>
+        <p:nvPr/>
+      </p:nvGrpSpPr>
+      <p:grpSpPr>
+        <a:xfrm>
+          <a:off x="0" y="0"/>
+          <a:ext cx="0" cy="0"/>
+          <a:chOff x="0" y="0"/>
+          <a:chExt cx="0" cy="0"/>
+        </a:xfrm>
+      </p:grpSpPr>
+      <p:sp>
+        <p:nvSpPr>
+          <p:cNvPr id="2" name="Rectángulo 1"/>
+          <p:cNvSpPr/>
+          <p:nvPr/>
+        </p:nvSpPr>
+        <p:spPr>
+          <a:xfrm>
+            <a:off x="1348508" y="1844526"/>
+            <a:ext cx="9956801" cy="3170099"/>
+          </a:xfrm>
+          <a:prstGeom prst="rect">
+            <a:avLst/>
+          </a:prstGeom>
+        </p:spPr>
+        <p:txBody>
+          <a:bodyPr wrap="square">
+            <a:spAutoFit/>
+          </a:bodyPr>
+          <a:lstStyle/>
+          <a:p>
+            <a:r>
+              <a:rPr lang="en-US" sz="4000" b="1" dirty="0">
+                <a:solidFill>
+                  <a:schemeClr val="bg1"/>
+                </a:solidFill>
+                <a:ea typeface="Roboto" panose="02000000000000000000" pitchFamily="2" charset="0"/>
+              </a:rPr>
+              <a:t>“For </a:t>
+            </a:r>
+            <a:r>
+              <a:rPr lang="en-US" sz="5000" b="1" dirty="0">
+                <a:solidFill>
+                  <a:schemeClr val="accent2">
+                    <a:lumMod val="60000"/>
+                    <a:lumOff val="40000"/>
+                  </a:schemeClr>
+                </a:solidFill>
+                <a:ea typeface="Roboto" panose="02000000000000000000" pitchFamily="2" charset="0"/>
+              </a:rPr>
+              <a:t>[TARGET CUSTOMER TYPE]</a:t>
+            </a:r>
+            <a:r>
+              <a:rPr lang="en-US" sz="4000" b="1" dirty="0">
+                <a:solidFill>
+                  <a:schemeClr val="bg1"/>
+                </a:solidFill>
+                <a:ea typeface="Roboto" panose="02000000000000000000" pitchFamily="2" charset="0"/>
+              </a:rPr>
+              <a:t> who want to</a:t>
+            </a:r>
+            <a:r>
+              <a:rPr lang="en-US" sz="5000" b="1" dirty="0">
+                <a:solidFill>
+                  <a:schemeClr val="accent2">
+                    <a:lumMod val="60000"/>
+                    <a:lumOff val="40000"/>
+                  </a:schemeClr>
+                </a:solidFill>
+                <a:ea typeface="Roboto" panose="02000000000000000000" pitchFamily="2" charset="0"/>
+              </a:rPr>
+              <a:t> [NEED / DESIRE]</a:t>
+            </a:r>
+            <a:r>
+              <a:rPr lang="en-US" sz="4000" b="1" dirty="0">
+                <a:solidFill>
+                  <a:schemeClr val="bg1"/>
+                </a:solidFill>
+                <a:ea typeface="Roboto" panose="02000000000000000000" pitchFamily="2" charset="0"/>
+              </a:rPr>
+              <a:t>, </a:t>
+            </a:r>
+            <a:r>
+              <a:rPr lang="en-US" sz="5000" b="1" dirty="0">
+                <a:solidFill>
+                  <a:schemeClr val="accent2">
+                    <a:lumMod val="60000"/>
+                    <a:lumOff val="40000"/>
+                  </a:schemeClr>
+                </a:solidFill>
+                <a:ea typeface="Roboto" panose="02000000000000000000" pitchFamily="2" charset="0"/>
+              </a:rPr>
+              <a:t>[PROJECT OR FEATURE]</a:t>
+            </a:r>
+            <a:r>
+              <a:rPr lang="en-US" sz="4000" b="1" dirty="0">
+                <a:solidFill>
+                  <a:schemeClr val="bg1"/>
+                </a:solidFill>
+                <a:ea typeface="Roboto" panose="02000000000000000000" pitchFamily="2" charset="0"/>
+              </a:rPr>
+              <a:t> is a </a:t>
+            </a:r>
+            <a:r>
+              <a:rPr lang="en-US" sz="5000" b="1" dirty="0">
+                <a:solidFill>
+                  <a:schemeClr val="accent2">
+                    <a:lumMod val="60000"/>
+                    <a:lumOff val="40000"/>
+                  </a:schemeClr>
+                </a:solidFill>
+                <a:ea typeface="Roboto" panose="02000000000000000000" pitchFamily="2" charset="0"/>
+              </a:rPr>
+              <a:t>[THING]</a:t>
+            </a:r>
+            <a:r>
+              <a:rPr lang="en-US" sz="4000" b="1" dirty="0">
+                <a:solidFill>
+                  <a:schemeClr val="bg1"/>
+                </a:solidFill>
+                <a:ea typeface="Roboto" panose="02000000000000000000" pitchFamily="2" charset="0"/>
+              </a:rPr>
+              <a:t> that </a:t>
+            </a:r>
+            <a:r>
+              <a:rPr lang="en-US" sz="5000" b="1" dirty="0">
+                <a:solidFill>
+                  <a:schemeClr val="accent2">
+                    <a:lumMod val="60000"/>
+                    <a:lumOff val="40000"/>
+                  </a:schemeClr>
+                </a:solidFill>
+                <a:ea typeface="Roboto" panose="02000000000000000000" pitchFamily="2" charset="0"/>
+              </a:rPr>
+              <a:t>[UNIQUE BENEFIT]</a:t>
+            </a:r>
+            <a:r>
+              <a:rPr lang="en-US" sz="4000" b="1" dirty="0">
+                <a:solidFill>
+                  <a:schemeClr val="bg1"/>
+                </a:solidFill>
+                <a:ea typeface="Roboto" panose="02000000000000000000" pitchFamily="2" charset="0"/>
+              </a:rPr>
+              <a:t>.”</a:t>
+            </a:r>
+            <a:endParaRPr lang="es-MX" sz="4000" b="1" dirty="0">
+              <a:solidFill>
+                <a:schemeClr val="bg1"/>
+              </a:solidFill>
+              <a:ea typeface="Roboto" panose="02000000000000000000" pitchFamily="2" charset="0"/>
+            </a:endParaRPr>
+          </a:p>
+        </p:txBody>
+      </p:sp>
+    </p:spTree>
+    <p:extLst>
+      <p:ext uri="{BB962C8B-B14F-4D97-AF65-F5344CB8AC3E}">
+        <p14:creationId xmlns:p14="http://schemas.microsoft.com/office/powerpoint/2010/main" val="3068367494"/>
+      </p:ext>
+    </p:extLst>
+  </p:cSld>
+  <p:clrMapOvr>
+    <a:masterClrMapping/>
+  </p:clrMapOvr>
+  <p:timing>
+    <p:tnLst>
+      <p:par>
+        <p:cTn id="1" dur="indefinite" restart="never" nodeType="tmRoot"/>
+      </p:par>
+    </p:tnLst>
+  </p:timing>
+</p:sld>
+</file>
+
+<file path=ppt/slides/slide6.xml><?xml version="1.0" encoding="utf-8"?>
+<p:sld xmlns:a="http://schemas.openxmlformats.org/drawingml/2006/main" xmlns:r="http://schemas.openxmlformats.org/officeDocument/2006/relationships" xmlns:p="http://schemas.openxmlformats.org/presentationml/2006/main">
+  <p:cSld>
+    <p:spTree>
+      <p:nvGrpSpPr>
+        <p:cNvPr id="1" name=""/>
+        <p:cNvGrpSpPr/>
+        <p:nvPr/>
+      </p:nvGrpSpPr>
+      <p:grpSpPr>
+        <a:xfrm>
+          <a:off x="0" y="0"/>
+          <a:ext cx="0" cy="0"/>
+          <a:chOff x="0" y="0"/>
+          <a:chExt cx="0" cy="0"/>
+        </a:xfrm>
+      </p:grpSpPr>
+      <p:pic>
+        <p:nvPicPr>
+          <p:cNvPr id="12" name="Imagen 11"/>
+          <p:cNvPicPr>
+            <a:picLocks noChangeAspect="1"/>
+          </p:cNvPicPr>
+          <p:nvPr/>
+        </p:nvPicPr>
+        <p:blipFill>
+          <a:blip r:embed="rId2" cstate="print">
+            <a:extLst>
+              <a:ext uri="{28A0092B-C50C-407E-A947-70E740481C1C}">
+                <a14:useLocalDpi xmlns:a14="http://schemas.microsoft.com/office/drawing/2010/main" val="0"/>
+              </a:ext>
+            </a:extLst>
+          </a:blip>
+          <a:stretch>
+            <a:fillRect/>
+          </a:stretch>
+        </p:blipFill>
+        <p:spPr>
+          <a:xfrm>
+            <a:off x="285845" y="436566"/>
+            <a:ext cx="526760" cy="311152"/>
+          </a:xfrm>
+          <a:prstGeom prst="rect">
+            <a:avLst/>
+          </a:prstGeom>
+        </p:spPr>
+      </p:pic>
+      <p:sp>
+        <p:nvSpPr>
+          <p:cNvPr id="3" name="CuadroTexto 2"/>
+          <p:cNvSpPr txBox="1"/>
+          <p:nvPr/>
+        </p:nvSpPr>
+        <p:spPr>
+          <a:xfrm>
+            <a:off x="844557" y="199727"/>
+            <a:ext cx="10516431" cy="784830"/>
+          </a:xfrm>
+          <a:prstGeom prst="rect">
+            <a:avLst/>
+          </a:prstGeom>
+          <a:noFill/>
+        </p:spPr>
+        <p:txBody>
+          <a:bodyPr wrap="square" rtlCol="0">
+            <a:spAutoFit/>
+          </a:bodyPr>
+          <a:lstStyle/>
+          <a:p>
+            <a:r>
+              <a:rPr lang="en-US" sz="4500" b="1" dirty="0" smtClean="0">
+                <a:solidFill>
+                  <a:schemeClr val="bg1"/>
+                </a:solidFill>
+                <a:ea typeface="Open Sans Extrabold" panose="020B0906030804020204" pitchFamily="34" charset="0"/>
+                <a:cs typeface="Open Sans Extrabold" panose="020B0906030804020204" pitchFamily="34" charset="0"/>
+              </a:rPr>
+              <a:t>Choose a </a:t>
+            </a:r>
+            <a:r>
+              <a:rPr lang="en-US" sz="4500" b="1" dirty="0" err="1" smtClean="0">
+                <a:solidFill>
+                  <a:schemeClr val="bg1"/>
+                </a:solidFill>
+                <a:ea typeface="Open Sans Extrabold" panose="020B0906030804020204" pitchFamily="34" charset="0"/>
+                <a:cs typeface="Open Sans Extrabold" panose="020B0906030804020204" pitchFamily="34" charset="0"/>
+              </a:rPr>
+              <a:t>metholody</a:t>
+            </a:r>
+            <a:endParaRPr lang="es-MX" sz="4500" b="1" dirty="0">
+              <a:solidFill>
+                <a:schemeClr val="bg1"/>
+              </a:solidFill>
+              <a:ea typeface="Open Sans Extrabold" panose="020B0906030804020204" pitchFamily="34" charset="0"/>
+              <a:cs typeface="Open Sans Extrabold" panose="020B0906030804020204" pitchFamily="34" charset="0"/>
+            </a:endParaRPr>
+          </a:p>
+        </p:txBody>
+      </p:sp>
+      <p:sp>
+        <p:nvSpPr>
+          <p:cNvPr id="2" name="CuadroTexto 1"/>
+          <p:cNvSpPr txBox="1"/>
+          <p:nvPr/>
+        </p:nvSpPr>
+        <p:spPr>
+          <a:xfrm>
+            <a:off x="1949570" y="2130724"/>
+            <a:ext cx="3071004" cy="553998"/>
+          </a:xfrm>
+          <a:prstGeom prst="rect">
+            <a:avLst/>
+          </a:prstGeom>
+          <a:noFill/>
+        </p:spPr>
+        <p:txBody>
+          <a:bodyPr wrap="square" rtlCol="0">
+            <a:spAutoFit/>
+          </a:bodyPr>
+          <a:lstStyle/>
+          <a:p>
+            <a:r>
+              <a:rPr lang="en-US" sz="3000" b="1" dirty="0" smtClean="0">
+                <a:solidFill>
+                  <a:schemeClr val="bg1"/>
+                </a:solidFill>
+                <a:ea typeface="Roboto" panose="02000000000000000000" pitchFamily="2" charset="0"/>
+              </a:rPr>
+              <a:t>Waterfall Model</a:t>
+            </a:r>
+            <a:endParaRPr lang="es-MX" sz="3000" b="1" dirty="0">
+              <a:solidFill>
+                <a:schemeClr val="bg1"/>
+              </a:solidFill>
+              <a:ea typeface="Roboto" panose="02000000000000000000" pitchFamily="2" charset="0"/>
+            </a:endParaRPr>
+          </a:p>
+        </p:txBody>
+      </p:sp>
+      <p:sp>
+        <p:nvSpPr>
+          <p:cNvPr id="5" name="CuadroTexto 4"/>
+          <p:cNvSpPr txBox="1"/>
+          <p:nvPr/>
+        </p:nvSpPr>
+        <p:spPr>
+          <a:xfrm>
+            <a:off x="1949570" y="2781534"/>
+            <a:ext cx="4028536" cy="553998"/>
+          </a:xfrm>
+          <a:prstGeom prst="rect">
+            <a:avLst/>
+          </a:prstGeom>
+          <a:noFill/>
+        </p:spPr>
+        <p:txBody>
+          <a:bodyPr wrap="square" rtlCol="0">
+            <a:spAutoFit/>
+          </a:bodyPr>
+          <a:lstStyle/>
+          <a:p>
+            <a:r>
+              <a:rPr lang="en-US" sz="3000" b="1" dirty="0" smtClean="0">
+                <a:solidFill>
+                  <a:schemeClr val="bg1"/>
+                </a:solidFill>
+                <a:ea typeface="Roboto" panose="02000000000000000000" pitchFamily="2" charset="0"/>
+              </a:rPr>
+              <a:t>Prototype</a:t>
+            </a:r>
+            <a:endParaRPr lang="es-MX" sz="3000" b="1" dirty="0">
+              <a:solidFill>
+                <a:schemeClr val="bg1"/>
+              </a:solidFill>
+              <a:ea typeface="Roboto" panose="02000000000000000000" pitchFamily="2" charset="0"/>
+            </a:endParaRPr>
+          </a:p>
+        </p:txBody>
+      </p:sp>
+      <p:sp>
+        <p:nvSpPr>
+          <p:cNvPr id="6" name="CuadroTexto 5"/>
+          <p:cNvSpPr txBox="1"/>
+          <p:nvPr/>
+        </p:nvSpPr>
+        <p:spPr>
+          <a:xfrm>
+            <a:off x="1949570" y="3432344"/>
+            <a:ext cx="4787660" cy="553998"/>
+          </a:xfrm>
+          <a:prstGeom prst="rect">
+            <a:avLst/>
+          </a:prstGeom>
+          <a:noFill/>
+        </p:spPr>
+        <p:txBody>
+          <a:bodyPr wrap="square" rtlCol="0">
+            <a:spAutoFit/>
+          </a:bodyPr>
+          <a:lstStyle/>
+          <a:p>
+            <a:r>
+              <a:rPr lang="en-US" sz="3000" b="1" dirty="0" smtClean="0">
+                <a:solidFill>
+                  <a:schemeClr val="bg1"/>
+                </a:solidFill>
+                <a:ea typeface="Roboto" panose="02000000000000000000" pitchFamily="2" charset="0"/>
+              </a:rPr>
+              <a:t>Agile Software </a:t>
+            </a:r>
+            <a:r>
+              <a:rPr lang="en-US" sz="3000" b="1" dirty="0">
+                <a:solidFill>
+                  <a:schemeClr val="bg1"/>
+                </a:solidFill>
+                <a:ea typeface="Roboto" panose="02000000000000000000" pitchFamily="2" charset="0"/>
+              </a:rPr>
+              <a:t>D</a:t>
+            </a:r>
+            <a:r>
+              <a:rPr lang="en-US" sz="3000" b="1" dirty="0" smtClean="0">
+                <a:solidFill>
+                  <a:schemeClr val="bg1"/>
+                </a:solidFill>
+                <a:ea typeface="Roboto" panose="02000000000000000000" pitchFamily="2" charset="0"/>
+              </a:rPr>
+              <a:t>evelopment</a:t>
+            </a:r>
+            <a:endParaRPr lang="es-MX" sz="3000" b="1" dirty="0">
+              <a:solidFill>
+                <a:schemeClr val="bg1"/>
+              </a:solidFill>
+              <a:ea typeface="Roboto" panose="02000000000000000000" pitchFamily="2" charset="0"/>
+            </a:endParaRPr>
+          </a:p>
+        </p:txBody>
+      </p:sp>
+      <p:sp>
+        <p:nvSpPr>
+          <p:cNvPr id="7" name="CuadroTexto 6"/>
+          <p:cNvSpPr txBox="1"/>
+          <p:nvPr/>
+        </p:nvSpPr>
+        <p:spPr>
+          <a:xfrm>
+            <a:off x="1949570" y="4083154"/>
+            <a:ext cx="4787660" cy="553998"/>
+          </a:xfrm>
+          <a:prstGeom prst="rect">
+            <a:avLst/>
+          </a:prstGeom>
+          <a:noFill/>
+        </p:spPr>
+        <p:txBody>
+          <a:bodyPr wrap="square" rtlCol="0">
+            <a:spAutoFit/>
+          </a:bodyPr>
+          <a:lstStyle/>
+          <a:p>
+            <a:r>
+              <a:rPr lang="en-US" sz="3000" b="1" dirty="0" smtClean="0">
+                <a:solidFill>
+                  <a:schemeClr val="bg1"/>
+                </a:solidFill>
+                <a:ea typeface="Roboto" panose="02000000000000000000" pitchFamily="2" charset="0"/>
+              </a:rPr>
+              <a:t>Extreme Programming</a:t>
+            </a:r>
+            <a:endParaRPr lang="es-MX" sz="3000" b="1" dirty="0">
+              <a:solidFill>
+                <a:schemeClr val="bg1"/>
+              </a:solidFill>
+              <a:ea typeface="Roboto" panose="02000000000000000000" pitchFamily="2" charset="0"/>
+            </a:endParaRPr>
+          </a:p>
+        </p:txBody>
+      </p:sp>
+      <p:sp>
+        <p:nvSpPr>
+          <p:cNvPr id="8" name="CuadroTexto 7"/>
+          <p:cNvSpPr txBox="1"/>
+          <p:nvPr/>
+        </p:nvSpPr>
+        <p:spPr>
+          <a:xfrm>
+            <a:off x="1949570" y="4733964"/>
+            <a:ext cx="4787660" cy="553998"/>
+          </a:xfrm>
+          <a:prstGeom prst="rect">
+            <a:avLst/>
+          </a:prstGeom>
+          <a:noFill/>
+        </p:spPr>
+        <p:txBody>
+          <a:bodyPr wrap="square" rtlCol="0">
+            <a:spAutoFit/>
+          </a:bodyPr>
+          <a:lstStyle/>
+          <a:p>
+            <a:r>
+              <a:rPr lang="en-US" sz="3000" b="1" dirty="0" smtClean="0">
+                <a:solidFill>
+                  <a:schemeClr val="bg1"/>
+                </a:solidFill>
+                <a:ea typeface="Roboto" panose="02000000000000000000" pitchFamily="2" charset="0"/>
+              </a:rPr>
+              <a:t>Feature </a:t>
+            </a:r>
+            <a:r>
+              <a:rPr lang="en-US" sz="3000" b="1" dirty="0">
+                <a:solidFill>
+                  <a:schemeClr val="bg1"/>
+                </a:solidFill>
+                <a:ea typeface="Roboto" panose="02000000000000000000" pitchFamily="2" charset="0"/>
+              </a:rPr>
+              <a:t>D</a:t>
+            </a:r>
+            <a:r>
+              <a:rPr lang="en-US" sz="3000" b="1" dirty="0" smtClean="0">
+                <a:solidFill>
+                  <a:schemeClr val="bg1"/>
+                </a:solidFill>
+                <a:ea typeface="Roboto" panose="02000000000000000000" pitchFamily="2" charset="0"/>
+              </a:rPr>
+              <a:t>riven</a:t>
+            </a:r>
+            <a:endParaRPr lang="es-MX" sz="3000" b="1" dirty="0">
+              <a:solidFill>
+                <a:schemeClr val="bg1"/>
+              </a:solidFill>
+              <a:ea typeface="Roboto" panose="02000000000000000000" pitchFamily="2" charset="0"/>
+            </a:endParaRPr>
+          </a:p>
+        </p:txBody>
+      </p:sp>
+      <p:sp>
+        <p:nvSpPr>
+          <p:cNvPr id="9" name="CuadroTexto 8"/>
+          <p:cNvSpPr txBox="1"/>
+          <p:nvPr/>
+        </p:nvSpPr>
+        <p:spPr>
+          <a:xfrm>
+            <a:off x="1949570" y="5384774"/>
+            <a:ext cx="4787660" cy="553998"/>
+          </a:xfrm>
+          <a:prstGeom prst="rect">
+            <a:avLst/>
+          </a:prstGeom>
+          <a:noFill/>
+        </p:spPr>
+        <p:txBody>
+          <a:bodyPr wrap="square" rtlCol="0">
+            <a:spAutoFit/>
+          </a:bodyPr>
+          <a:lstStyle/>
+          <a:p>
+            <a:r>
+              <a:rPr lang="en-US" sz="3000" b="1" dirty="0" smtClean="0">
+                <a:solidFill>
+                  <a:schemeClr val="bg1"/>
+                </a:solidFill>
+                <a:ea typeface="Roboto" panose="02000000000000000000" pitchFamily="2" charset="0"/>
+              </a:rPr>
+              <a:t>Lean Development</a:t>
+            </a:r>
+            <a:endParaRPr lang="es-MX" sz="3000" b="1" dirty="0">
+              <a:solidFill>
+                <a:schemeClr val="bg1"/>
+              </a:solidFill>
+              <a:ea typeface="Roboto" panose="02000000000000000000" pitchFamily="2" charset="0"/>
+            </a:endParaRPr>
+          </a:p>
+        </p:txBody>
+      </p:sp>
+    </p:spTree>
+    <p:extLst>
+      <p:ext uri="{BB962C8B-B14F-4D97-AF65-F5344CB8AC3E}">
+        <p14:creationId xmlns:p14="http://schemas.microsoft.com/office/powerpoint/2010/main" val="3040309059"/>
+      </p:ext>
+    </p:extLst>
+  </p:cSld>
+  <p:clrMapOvr>
+    <a:masterClrMapping/>
+  </p:clrMapOvr>
+  <p:timing>
+    <p:tnLst>
+      <p:par>
+        <p:cTn id="1" dur="indefinite" restart="never" nodeType="tmRoot"/>
+      </p:par>
+    </p:tnLst>
+  </p:timing>
+</p:sld>
+</file>
+
+<file path=ppt/slides/slide7.xml><?xml version="1.0" encoding="utf-8"?>
+<p:sld xmlns:a="http://schemas.openxmlformats.org/drawingml/2006/main" xmlns:r="http://schemas.openxmlformats.org/officeDocument/2006/relationships" xmlns:p="http://schemas.openxmlformats.org/presentationml/2006/main">
+  <p:cSld>
+    <p:spTree>
+      <p:nvGrpSpPr>
+        <p:cNvPr id="1" name=""/>
+        <p:cNvGrpSpPr/>
+        <p:nvPr/>
+      </p:nvGrpSpPr>
+      <p:grpSpPr>
+        <a:xfrm>
+          <a:off x="0" y="0"/>
+          <a:ext cx="0" cy="0"/>
+          <a:chOff x="0" y="0"/>
+          <a:chExt cx="0" cy="0"/>
+        </a:xfrm>
+      </p:grpSpPr>
+      <p:pic>
+        <p:nvPicPr>
+          <p:cNvPr id="12" name="Imagen 11"/>
+          <p:cNvPicPr>
+            <a:picLocks noChangeAspect="1"/>
+          </p:cNvPicPr>
+          <p:nvPr/>
+        </p:nvPicPr>
+        <p:blipFill>
+          <a:blip r:embed="rId2" cstate="print">
+            <a:extLst>
+              <a:ext uri="{28A0092B-C50C-407E-A947-70E740481C1C}">
+                <a14:useLocalDpi xmlns:a14="http://schemas.microsoft.com/office/drawing/2010/main" val="0"/>
+              </a:ext>
+            </a:extLst>
+          </a:blip>
+          <a:stretch>
+            <a:fillRect/>
+          </a:stretch>
+        </p:blipFill>
+        <p:spPr>
+          <a:xfrm>
+            <a:off x="285845" y="436566"/>
+            <a:ext cx="526760" cy="311152"/>
+          </a:xfrm>
+          <a:prstGeom prst="rect">
+            <a:avLst/>
+          </a:prstGeom>
+        </p:spPr>
+      </p:pic>
+      <p:sp>
+        <p:nvSpPr>
+          <p:cNvPr id="3" name="CuadroTexto 2"/>
+          <p:cNvSpPr txBox="1"/>
+          <p:nvPr/>
+        </p:nvSpPr>
+        <p:spPr>
+          <a:xfrm>
+            <a:off x="844557" y="199727"/>
+            <a:ext cx="10516431" cy="784830"/>
+          </a:xfrm>
+          <a:prstGeom prst="rect">
+            <a:avLst/>
+          </a:prstGeom>
+          <a:noFill/>
+        </p:spPr>
+        <p:txBody>
+          <a:bodyPr wrap="square" rtlCol="0">
+            <a:spAutoFit/>
+          </a:bodyPr>
+          <a:lstStyle/>
+          <a:p>
+            <a:r>
+              <a:rPr lang="en-US" sz="4500" b="1" dirty="0" smtClean="0">
+                <a:solidFill>
+                  <a:schemeClr val="bg1"/>
+                </a:solidFill>
+                <a:ea typeface="Open Sans Extrabold" panose="020B0906030804020204" pitchFamily="34" charset="0"/>
+                <a:cs typeface="Open Sans Extrabold" panose="020B0906030804020204" pitchFamily="34" charset="0"/>
+              </a:rPr>
+              <a:t>Choose a </a:t>
+            </a:r>
+            <a:r>
+              <a:rPr lang="en-US" sz="4500" b="1" dirty="0" err="1" smtClean="0">
+                <a:solidFill>
+                  <a:schemeClr val="bg1"/>
+                </a:solidFill>
+                <a:ea typeface="Open Sans Extrabold" panose="020B0906030804020204" pitchFamily="34" charset="0"/>
+                <a:cs typeface="Open Sans Extrabold" panose="020B0906030804020204" pitchFamily="34" charset="0"/>
+              </a:rPr>
+              <a:t>metholody</a:t>
+            </a:r>
+            <a:endParaRPr lang="es-MX" sz="4500" b="1" dirty="0">
+              <a:solidFill>
+                <a:schemeClr val="bg1"/>
+              </a:solidFill>
+              <a:ea typeface="Open Sans Extrabold" panose="020B0906030804020204" pitchFamily="34" charset="0"/>
+              <a:cs typeface="Open Sans Extrabold" panose="020B0906030804020204" pitchFamily="34" charset="0"/>
+            </a:endParaRPr>
+          </a:p>
+        </p:txBody>
+      </p:sp>
+      <p:sp>
+        <p:nvSpPr>
+          <p:cNvPr id="2" name="CuadroTexto 1"/>
+          <p:cNvSpPr txBox="1"/>
+          <p:nvPr/>
+        </p:nvSpPr>
+        <p:spPr>
+          <a:xfrm>
+            <a:off x="1949570" y="2130724"/>
+            <a:ext cx="3071004" cy="553998"/>
+          </a:xfrm>
+          <a:prstGeom prst="rect">
+            <a:avLst/>
+          </a:prstGeom>
+          <a:noFill/>
+        </p:spPr>
+        <p:txBody>
+          <a:bodyPr wrap="square" rtlCol="0">
+            <a:spAutoFit/>
+          </a:bodyPr>
+          <a:lstStyle/>
+          <a:p>
+            <a:r>
+              <a:rPr lang="en-US" sz="3000" b="1" dirty="0" smtClean="0">
+                <a:solidFill>
+                  <a:schemeClr val="bg1"/>
+                </a:solidFill>
+                <a:ea typeface="Roboto" panose="02000000000000000000" pitchFamily="2" charset="0"/>
+              </a:rPr>
+              <a:t>Waterfall Model</a:t>
+            </a:r>
+            <a:endParaRPr lang="es-MX" sz="3000" b="1" dirty="0">
+              <a:solidFill>
+                <a:schemeClr val="bg1"/>
+              </a:solidFill>
+              <a:ea typeface="Roboto" panose="02000000000000000000" pitchFamily="2" charset="0"/>
+            </a:endParaRPr>
+          </a:p>
+        </p:txBody>
+      </p:sp>
+      <p:sp>
+        <p:nvSpPr>
+          <p:cNvPr id="5" name="CuadroTexto 4"/>
+          <p:cNvSpPr txBox="1"/>
+          <p:nvPr/>
+        </p:nvSpPr>
+        <p:spPr>
+          <a:xfrm>
+            <a:off x="1949570" y="2781534"/>
+            <a:ext cx="4028536" cy="553998"/>
+          </a:xfrm>
+          <a:prstGeom prst="rect">
+            <a:avLst/>
+          </a:prstGeom>
+          <a:noFill/>
+        </p:spPr>
+        <p:txBody>
+          <a:bodyPr wrap="square" rtlCol="0">
+            <a:spAutoFit/>
+          </a:bodyPr>
+          <a:lstStyle/>
+          <a:p>
+            <a:r>
+              <a:rPr lang="en-US" sz="3000" b="1" dirty="0" smtClean="0">
+                <a:solidFill>
+                  <a:schemeClr val="bg1"/>
+                </a:solidFill>
+                <a:ea typeface="Roboto" panose="02000000000000000000" pitchFamily="2" charset="0"/>
+              </a:rPr>
+              <a:t>Prototype</a:t>
+            </a:r>
+            <a:endParaRPr lang="es-MX" sz="3000" b="1" dirty="0">
+              <a:solidFill>
+                <a:schemeClr val="bg1"/>
+              </a:solidFill>
+              <a:ea typeface="Roboto" panose="02000000000000000000" pitchFamily="2" charset="0"/>
+            </a:endParaRPr>
+          </a:p>
+        </p:txBody>
+      </p:sp>
+      <p:sp>
+        <p:nvSpPr>
+          <p:cNvPr id="6" name="CuadroTexto 5"/>
+          <p:cNvSpPr txBox="1"/>
+          <p:nvPr/>
+        </p:nvSpPr>
+        <p:spPr>
+          <a:xfrm>
+            <a:off x="1949570" y="3432344"/>
+            <a:ext cx="4787660" cy="553998"/>
+          </a:xfrm>
+          <a:prstGeom prst="rect">
+            <a:avLst/>
+          </a:prstGeom>
+          <a:noFill/>
+        </p:spPr>
+        <p:txBody>
+          <a:bodyPr wrap="square" rtlCol="0">
+            <a:spAutoFit/>
+          </a:bodyPr>
+          <a:lstStyle/>
+          <a:p>
+            <a:r>
+              <a:rPr lang="en-US" sz="3000" b="1" dirty="0" smtClean="0">
+                <a:solidFill>
+                  <a:schemeClr val="bg1"/>
+                </a:solidFill>
+                <a:ea typeface="Roboto" panose="02000000000000000000" pitchFamily="2" charset="0"/>
+              </a:rPr>
+              <a:t>Agile Software </a:t>
+            </a:r>
+            <a:r>
+              <a:rPr lang="en-US" sz="3000" b="1" dirty="0">
+                <a:solidFill>
+                  <a:schemeClr val="bg1"/>
+                </a:solidFill>
+                <a:ea typeface="Roboto" panose="02000000000000000000" pitchFamily="2" charset="0"/>
+              </a:rPr>
+              <a:t>D</a:t>
+            </a:r>
+            <a:r>
+              <a:rPr lang="en-US" sz="3000" b="1" dirty="0" smtClean="0">
+                <a:solidFill>
+                  <a:schemeClr val="bg1"/>
+                </a:solidFill>
+                <a:ea typeface="Roboto" panose="02000000000000000000" pitchFamily="2" charset="0"/>
+              </a:rPr>
+              <a:t>evelopment</a:t>
+            </a:r>
+            <a:endParaRPr lang="es-MX" sz="3000" b="1" dirty="0">
+              <a:solidFill>
+                <a:schemeClr val="bg1"/>
+              </a:solidFill>
+              <a:ea typeface="Roboto" panose="02000000000000000000" pitchFamily="2" charset="0"/>
+            </a:endParaRPr>
+          </a:p>
+        </p:txBody>
+      </p:sp>
+      <p:sp>
+        <p:nvSpPr>
+          <p:cNvPr id="7" name="CuadroTexto 6"/>
+          <p:cNvSpPr txBox="1"/>
+          <p:nvPr/>
+        </p:nvSpPr>
+        <p:spPr>
+          <a:xfrm>
+            <a:off x="1949570" y="4083154"/>
+            <a:ext cx="4787660" cy="553998"/>
+          </a:xfrm>
+          <a:prstGeom prst="rect">
+            <a:avLst/>
+          </a:prstGeom>
+          <a:noFill/>
+        </p:spPr>
+        <p:txBody>
+          <a:bodyPr wrap="square" rtlCol="0">
+            <a:spAutoFit/>
+          </a:bodyPr>
+          <a:lstStyle/>
+          <a:p>
+            <a:r>
+              <a:rPr lang="en-US" sz="3000" b="1" dirty="0" smtClean="0">
+                <a:solidFill>
+                  <a:schemeClr val="bg1"/>
+                </a:solidFill>
+                <a:ea typeface="Roboto" panose="02000000000000000000" pitchFamily="2" charset="0"/>
+              </a:rPr>
+              <a:t>Extreme Programming</a:t>
+            </a:r>
+            <a:endParaRPr lang="es-MX" sz="3000" b="1" dirty="0">
+              <a:solidFill>
+                <a:schemeClr val="bg1"/>
+              </a:solidFill>
+              <a:ea typeface="Roboto" panose="02000000000000000000" pitchFamily="2" charset="0"/>
+            </a:endParaRPr>
+          </a:p>
+        </p:txBody>
+      </p:sp>
+      <p:sp>
+        <p:nvSpPr>
+          <p:cNvPr id="8" name="CuadroTexto 7"/>
+          <p:cNvSpPr txBox="1"/>
+          <p:nvPr/>
+        </p:nvSpPr>
+        <p:spPr>
+          <a:xfrm>
+            <a:off x="1949570" y="4733964"/>
+            <a:ext cx="4787660" cy="553998"/>
+          </a:xfrm>
+          <a:prstGeom prst="rect">
+            <a:avLst/>
+          </a:prstGeom>
+          <a:noFill/>
+        </p:spPr>
+        <p:txBody>
+          <a:bodyPr wrap="square" rtlCol="0">
+            <a:spAutoFit/>
+          </a:bodyPr>
+          <a:lstStyle/>
+          <a:p>
+            <a:r>
+              <a:rPr lang="en-US" sz="3000" b="1" dirty="0" smtClean="0">
+                <a:solidFill>
+                  <a:schemeClr val="bg1"/>
+                </a:solidFill>
+                <a:ea typeface="Roboto" panose="02000000000000000000" pitchFamily="2" charset="0"/>
+              </a:rPr>
+              <a:t>Feature </a:t>
+            </a:r>
+            <a:r>
+              <a:rPr lang="en-US" sz="3000" b="1" dirty="0">
+                <a:solidFill>
+                  <a:schemeClr val="bg1"/>
+                </a:solidFill>
+                <a:ea typeface="Roboto" panose="02000000000000000000" pitchFamily="2" charset="0"/>
+              </a:rPr>
+              <a:t>D</a:t>
+            </a:r>
+            <a:r>
+              <a:rPr lang="en-US" sz="3000" b="1" dirty="0" smtClean="0">
+                <a:solidFill>
+                  <a:schemeClr val="bg1"/>
+                </a:solidFill>
+                <a:ea typeface="Roboto" panose="02000000000000000000" pitchFamily="2" charset="0"/>
+              </a:rPr>
+              <a:t>riven</a:t>
+            </a:r>
+            <a:endParaRPr lang="es-MX" sz="3000" b="1" dirty="0">
+              <a:solidFill>
+                <a:schemeClr val="bg1"/>
+              </a:solidFill>
+              <a:ea typeface="Roboto" panose="02000000000000000000" pitchFamily="2" charset="0"/>
+            </a:endParaRPr>
+          </a:p>
+        </p:txBody>
+      </p:sp>
+      <p:sp>
+        <p:nvSpPr>
+          <p:cNvPr id="9" name="CuadroTexto 8"/>
+          <p:cNvSpPr txBox="1"/>
+          <p:nvPr/>
+        </p:nvSpPr>
+        <p:spPr>
+          <a:xfrm>
+            <a:off x="1949570" y="5384774"/>
+            <a:ext cx="4787660" cy="553998"/>
+          </a:xfrm>
+          <a:prstGeom prst="rect">
+            <a:avLst/>
+          </a:prstGeom>
+          <a:noFill/>
+        </p:spPr>
+        <p:txBody>
+          <a:bodyPr wrap="square" rtlCol="0">
+            <a:spAutoFit/>
+          </a:bodyPr>
+          <a:lstStyle/>
+          <a:p>
+            <a:r>
+              <a:rPr lang="en-US" sz="3000" b="1" dirty="0" smtClean="0">
+                <a:solidFill>
+                  <a:schemeClr val="bg1"/>
+                </a:solidFill>
+                <a:ea typeface="Roboto" panose="02000000000000000000" pitchFamily="2" charset="0"/>
+              </a:rPr>
+              <a:t>Lean Development</a:t>
+            </a:r>
+            <a:endParaRPr lang="es-MX" sz="3000" b="1" dirty="0">
+              <a:solidFill>
+                <a:schemeClr val="bg1"/>
+              </a:solidFill>
+              <a:ea typeface="Roboto" panose="02000000000000000000" pitchFamily="2" charset="0"/>
+            </a:endParaRPr>
+          </a:p>
+        </p:txBody>
+      </p:sp>
+    </p:spTree>
+    <p:extLst>
+      <p:ext uri="{BB962C8B-B14F-4D97-AF65-F5344CB8AC3E}">
+        <p14:creationId xmlns:p14="http://schemas.microsoft.com/office/powerpoint/2010/main" val="3331233952"/>
+      </p:ext>
+    </p:extLst>
+  </p:cSld>
+  <p:clrMapOvr>
+    <a:masterClrMapping/>
+  </p:clrMapOvr>
+  <p:timing>
+    <p:tnLst>
+      <p:par>
+        <p:cTn id="1" dur="indefinite" restart="never" nodeType="tmRoot"/>
+      </p:par>
+    </p:tnLst>
+  </p:timing>
+</p:sld>
+</file>
+
+<file path=ppt/slides/slide8.xml><?xml version="1.0" encoding="utf-8"?>
+<p:sld xmlns:a="http://schemas.openxmlformats.org/drawingml/2006/main" xmlns:r="http://schemas.openxmlformats.org/officeDocument/2006/relationships" xmlns:p="http://schemas.openxmlformats.org/presentationml/2006/main">
+  <p:cSld>
+    <p:spTree>
+      <p:nvGrpSpPr>
+        <p:cNvPr id="1" name=""/>
+        <p:cNvGrpSpPr/>
+        <p:nvPr/>
+      </p:nvGrpSpPr>
+      <p:grpSpPr>
+        <a:xfrm>
+          <a:off x="0" y="0"/>
+          <a:ext cx="0" cy="0"/>
+          <a:chOff x="0" y="0"/>
+          <a:chExt cx="0" cy="0"/>
+        </a:xfrm>
+      </p:grpSpPr>
+      <p:grpSp>
+        <p:nvGrpSpPr>
+          <p:cNvPr id="10" name="Grupo 9"/>
+          <p:cNvGrpSpPr/>
+          <p:nvPr/>
+        </p:nvGrpSpPr>
+        <p:grpSpPr>
+          <a:xfrm>
+            <a:off x="837785" y="993696"/>
+            <a:ext cx="10516431" cy="4799172"/>
+            <a:chOff x="844557" y="199727"/>
+            <a:chExt cx="10516431" cy="4799172"/>
+          </a:xfrm>
+        </p:grpSpPr>
+        <p:sp>
+          <p:nvSpPr>
+            <p:cNvPr id="7" name="CuadroTexto 6"/>
+            <p:cNvSpPr txBox="1"/>
+            <p:nvPr/>
+          </p:nvSpPr>
+          <p:spPr>
+            <a:xfrm>
+              <a:off x="844557" y="199727"/>
+              <a:ext cx="10516431" cy="2400657"/>
+            </a:xfrm>
+            <a:prstGeom prst="rect">
+              <a:avLst/>
+            </a:prstGeom>
+            <a:noFill/>
+          </p:spPr>
+          <p:txBody>
+            <a:bodyPr wrap="square" rtlCol="0">
+              <a:spAutoFit/>
+            </a:bodyPr>
+            <a:lstStyle/>
+            <a:p>
+              <a:r>
+                <a:rPr lang="en-US" sz="15000" b="1" dirty="0" smtClean="0">
+                  <a:solidFill>
+                    <a:schemeClr val="bg1"/>
+                  </a:solidFill>
+                  <a:ea typeface="Open Sans Extrabold" panose="020B0906030804020204" pitchFamily="34" charset="0"/>
+                  <a:cs typeface="Open Sans Extrabold" panose="020B0906030804020204" pitchFamily="34" charset="0"/>
+                </a:rPr>
+                <a:t>Be</a:t>
+              </a:r>
+              <a:r>
+                <a:rPr lang="en-US" sz="4500" b="1" dirty="0" smtClean="0">
+                  <a:solidFill>
+                    <a:schemeClr val="bg1"/>
+                  </a:solidFill>
+                  <a:ea typeface="Open Sans Extrabold" panose="020B0906030804020204" pitchFamily="34" charset="0"/>
+                  <a:cs typeface="Open Sans Extrabold" panose="020B0906030804020204" pitchFamily="34" charset="0"/>
+                </a:rPr>
+                <a:t> </a:t>
+              </a:r>
+              <a:endParaRPr lang="es-MX" sz="4500" b="1" dirty="0">
+                <a:solidFill>
+                  <a:schemeClr val="bg1"/>
+                </a:solidFill>
+                <a:ea typeface="Open Sans Extrabold" panose="020B0906030804020204" pitchFamily="34" charset="0"/>
+                <a:cs typeface="Open Sans Extrabold" panose="020B0906030804020204" pitchFamily="34" charset="0"/>
+              </a:endParaRPr>
+            </a:p>
+          </p:txBody>
+        </p:sp>
+        <p:sp>
+          <p:nvSpPr>
+            <p:cNvPr id="8" name="CuadroTexto 7"/>
+            <p:cNvSpPr txBox="1"/>
+            <p:nvPr/>
+          </p:nvSpPr>
+          <p:spPr>
+            <a:xfrm>
+              <a:off x="2003212" y="1828800"/>
+              <a:ext cx="7548880" cy="3170099"/>
+            </a:xfrm>
+            <a:prstGeom prst="rect">
+              <a:avLst/>
+            </a:prstGeom>
+            <a:noFill/>
+          </p:spPr>
+          <p:txBody>
+            <a:bodyPr wrap="square" rtlCol="0">
+              <a:spAutoFit/>
+            </a:bodyPr>
+            <a:lstStyle/>
+            <a:p>
+              <a:r>
+                <a:rPr lang="en-US" sz="20000" dirty="0" smtClean="0">
+                  <a:solidFill>
+                    <a:schemeClr val="accent4">
+                      <a:lumMod val="40000"/>
+                      <a:lumOff val="60000"/>
+                    </a:schemeClr>
+                  </a:solidFill>
+                  <a:latin typeface="Tale of Hawks" pitchFamily="2" charset="0"/>
+                </a:rPr>
+                <a:t>Human</a:t>
+              </a:r>
+              <a:endParaRPr lang="es-MX" sz="20000" dirty="0">
+                <a:solidFill>
+                  <a:schemeClr val="accent4">
+                    <a:lumMod val="40000"/>
+                    <a:lumOff val="60000"/>
+                  </a:schemeClr>
+                </a:solidFill>
+                <a:latin typeface="Tale of Hawks" pitchFamily="2" charset="0"/>
+              </a:endParaRPr>
+            </a:p>
+          </p:txBody>
+        </p:sp>
+        <p:sp>
+          <p:nvSpPr>
+            <p:cNvPr id="9" name="Rectángulo 8"/>
+            <p:cNvSpPr/>
+            <p:nvPr/>
+          </p:nvSpPr>
+          <p:spPr>
+            <a:xfrm>
+              <a:off x="9089440" y="4229457"/>
+              <a:ext cx="1815882" cy="630942"/>
+            </a:xfrm>
+            <a:prstGeom prst="rect">
+              <a:avLst/>
+            </a:prstGeom>
+          </p:spPr>
+          <p:txBody>
+            <a:bodyPr wrap="none">
+              <a:spAutoFit/>
+            </a:bodyPr>
+            <a:lstStyle/>
+            <a:p>
+              <a:r>
+                <a:rPr lang="en-US" sz="3500" b="1" dirty="0" smtClean="0">
+                  <a:solidFill>
+                    <a:schemeClr val="bg1"/>
+                  </a:solidFill>
+                  <a:ea typeface="Open Sans Extrabold" panose="020B0906030804020204" pitchFamily="34" charset="0"/>
+                  <a:cs typeface="Open Sans Extrabold" panose="020B0906030804020204" pitchFamily="34" charset="0"/>
+                </a:rPr>
+                <a:t>(for real)</a:t>
+              </a:r>
+              <a:endParaRPr lang="es-MX" sz="3500" dirty="0"/>
+            </a:p>
+          </p:txBody>
+        </p:sp>
+      </p:grpSp>
+    </p:spTree>
+    <p:extLst>
+      <p:ext uri="{BB962C8B-B14F-4D97-AF65-F5344CB8AC3E}">
+        <p14:creationId xmlns:p14="http://schemas.microsoft.com/office/powerpoint/2010/main" val="887665278"/>
+      </p:ext>
+    </p:extLst>
+  </p:cSld>
+  <p:clrMapOvr>
+    <a:masterClrMapping/>
+  </p:clrMapOvr>
+  <p:timing>
+    <p:tnLst>
+      <p:par>
+        <p:cTn id="1" dur="indefinite" restart="never" nodeType="tmRoot"/>
+      </p:par>
+    </p:tnLst>
+  </p:timing>
+</p:sld>
+</file>
+
+<file path=ppt/slides/slide9.xml><?xml version="1.0" encoding="utf-8"?>
+<p:sld xmlns:a="http://schemas.openxmlformats.org/drawingml/2006/main" xmlns:r="http://schemas.openxmlformats.org/officeDocument/2006/relationships" xmlns:p="http://schemas.openxmlformats.org/presentationml/2006/main">
+  <p:cSld>
+    <p:spTree>
+      <p:nvGrpSpPr>
+        <p:cNvPr id="1" name=""/>
+        <p:cNvGrpSpPr/>
+        <p:nvPr/>
+      </p:nvGrpSpPr>
+      <p:grpSpPr>
+        <a:xfrm>
+          <a:off x="0" y="0"/>
+          <a:ext cx="0" cy="0"/>
+          <a:chOff x="0" y="0"/>
+          <a:chExt cx="0" cy="0"/>
+        </a:xfrm>
+      </p:grpSpPr>
+      <p:sp>
+        <p:nvSpPr>
+          <p:cNvPr id="4" name="CuadroTexto 3"/>
+          <p:cNvSpPr txBox="1"/>
+          <p:nvPr/>
+        </p:nvSpPr>
+        <p:spPr>
+          <a:xfrm>
+            <a:off x="980440" y="1036037"/>
+            <a:ext cx="10231120" cy="4785926"/>
+          </a:xfrm>
+          <a:prstGeom prst="rect">
+            <a:avLst/>
+          </a:prstGeom>
+          <a:noFill/>
+        </p:spPr>
+        <p:txBody>
+          <a:bodyPr wrap="square" rtlCol="0">
+            <a:spAutoFit/>
+          </a:bodyPr>
+          <a:lstStyle/>
+          <a:p>
+            <a:r>
+              <a:rPr lang="en-US" sz="4500" b="1" dirty="0">
+                <a:solidFill>
+                  <a:schemeClr val="bg1"/>
+                </a:solidFill>
+                <a:ea typeface="Open Sans Extrabold" panose="020B0906030804020204" pitchFamily="34" charset="0"/>
+                <a:cs typeface="Open Sans Extrabold" panose="020B0906030804020204" pitchFamily="34" charset="0"/>
+              </a:rPr>
+              <a:t>Say </a:t>
+            </a:r>
+            <a:endParaRPr lang="en-US" sz="4500" b="1" dirty="0" smtClean="0">
+              <a:solidFill>
+                <a:schemeClr val="bg1"/>
+              </a:solidFill>
+              <a:ea typeface="Open Sans Extrabold" panose="020B0906030804020204" pitchFamily="34" charset="0"/>
+              <a:cs typeface="Open Sans Extrabold" panose="020B0906030804020204" pitchFamily="34" charset="0"/>
+            </a:endParaRPr>
+          </a:p>
+          <a:p>
+            <a:r>
+              <a:rPr lang="en-US" sz="20000" b="1" dirty="0" smtClean="0">
+                <a:solidFill>
+                  <a:srgbClr val="FE9F69"/>
+                </a:solidFill>
+                <a:ea typeface="Open Sans Extrabold" panose="020B0906030804020204" pitchFamily="34" charset="0"/>
+                <a:cs typeface="Open Sans Extrabold" panose="020B0906030804020204" pitchFamily="34" charset="0"/>
+              </a:rPr>
+              <a:t>  #thanks</a:t>
+            </a:r>
+          </a:p>
+          <a:p>
+            <a:pPr algn="r"/>
+            <a:r>
+              <a:rPr lang="en-US" sz="3000" b="1" dirty="0">
+                <a:solidFill>
+                  <a:schemeClr val="bg1"/>
+                </a:solidFill>
+                <a:ea typeface="Open Sans Extrabold" panose="020B0906030804020204" pitchFamily="34" charset="0"/>
+                <a:cs typeface="Open Sans Extrabold" panose="020B0906030804020204" pitchFamily="34" charset="0"/>
+              </a:rPr>
+              <a:t>and</a:t>
+            </a:r>
+            <a:r>
+              <a:rPr lang="en-US" sz="4500" b="1" dirty="0" smtClean="0">
+                <a:solidFill>
+                  <a:schemeClr val="bg1"/>
+                </a:solidFill>
+                <a:ea typeface="Open Sans Extrabold" panose="020B0906030804020204" pitchFamily="34" charset="0"/>
+                <a:cs typeface="Open Sans Extrabold" panose="020B0906030804020204" pitchFamily="34" charset="0"/>
+              </a:rPr>
+              <a:t> </a:t>
+            </a:r>
+            <a:r>
+              <a:rPr lang="en-US" sz="6000" b="1" dirty="0" smtClean="0">
+                <a:solidFill>
+                  <a:schemeClr val="bg1"/>
+                </a:solidFill>
+                <a:ea typeface="Open Sans Extrabold" panose="020B0906030804020204" pitchFamily="34" charset="0"/>
+                <a:cs typeface="Open Sans Extrabold" panose="020B0906030804020204" pitchFamily="34" charset="0"/>
+              </a:rPr>
+              <a:t>RECOGNIZE</a:t>
+            </a:r>
+            <a:r>
+              <a:rPr lang="en-US" sz="4500" b="1" dirty="0" smtClean="0">
+                <a:solidFill>
+                  <a:schemeClr val="bg1"/>
+                </a:solidFill>
+                <a:ea typeface="Open Sans Extrabold" panose="020B0906030804020204" pitchFamily="34" charset="0"/>
+                <a:cs typeface="Open Sans Extrabold" panose="020B0906030804020204" pitchFamily="34" charset="0"/>
+              </a:rPr>
+              <a:t> </a:t>
+            </a:r>
+            <a:r>
+              <a:rPr lang="en-US" sz="3000" b="1" dirty="0" smtClean="0">
+                <a:solidFill>
+                  <a:schemeClr val="bg1"/>
+                </a:solidFill>
+                <a:ea typeface="Open Sans Extrabold" panose="020B0906030804020204" pitchFamily="34" charset="0"/>
+                <a:cs typeface="Open Sans Extrabold" panose="020B0906030804020204" pitchFamily="34" charset="0"/>
+              </a:rPr>
+              <a:t>the effort</a:t>
+            </a:r>
+            <a:endParaRPr lang="en-US" sz="3000" b="1" dirty="0">
+              <a:solidFill>
+                <a:schemeClr val="bg1"/>
+              </a:solidFill>
+              <a:ea typeface="Open Sans Extrabold" panose="020B0906030804020204" pitchFamily="34" charset="0"/>
+              <a:cs typeface="Open Sans Extrabold" panose="020B0906030804020204" pitchFamily="34" charset="0"/>
+            </a:endParaRPr>
+          </a:p>
+        </p:txBody>
+      </p:sp>
+    </p:spTree>
+    <p:extLst>
+      <p:ext uri="{BB962C8B-B14F-4D97-AF65-F5344CB8AC3E}">
+        <p14:creationId xmlns:p14="http://schemas.microsoft.com/office/powerpoint/2010/main" val="46031866"/>
       </p:ext>
     </p:extLst>
   </p:cSld>

--- a/2018/18_05_18 Innovatec TEC/Startup Project Management.pptx
+++ b/2018/18_05_18 Innovatec TEC/Startup Project Management.pptx
@@ -5,7 +5,7 @@
     <p:sldMasterId id="2147483648" r:id="rId1"/>
   </p:sldMasterIdLst>
   <p:notesMasterIdLst>
-    <p:notesMasterId r:id="rId28"/>
+    <p:notesMasterId r:id="rId27"/>
   </p:notesMasterIdLst>
   <p:sldIdLst>
     <p:sldId id="256" r:id="rId2"/>
@@ -14,26 +14,25 @@
     <p:sldId id="273" r:id="rId5"/>
     <p:sldId id="275" r:id="rId6"/>
     <p:sldId id="259" r:id="rId7"/>
-    <p:sldId id="274" r:id="rId8"/>
-    <p:sldId id="268" r:id="rId9"/>
-    <p:sldId id="264" r:id="rId10"/>
-    <p:sldId id="265" r:id="rId11"/>
-    <p:sldId id="266" r:id="rId12"/>
-    <p:sldId id="267" r:id="rId13"/>
-    <p:sldId id="276" r:id="rId14"/>
-    <p:sldId id="262" r:id="rId15"/>
-    <p:sldId id="278" r:id="rId16"/>
-    <p:sldId id="277" r:id="rId17"/>
-    <p:sldId id="280" r:id="rId18"/>
-    <p:sldId id="281" r:id="rId19"/>
-    <p:sldId id="282" r:id="rId20"/>
-    <p:sldId id="283" r:id="rId21"/>
-    <p:sldId id="284" r:id="rId22"/>
-    <p:sldId id="279" r:id="rId23"/>
-    <p:sldId id="261" r:id="rId24"/>
-    <p:sldId id="263" r:id="rId25"/>
-    <p:sldId id="269" r:id="rId26"/>
-    <p:sldId id="260" r:id="rId27"/>
+    <p:sldId id="268" r:id="rId8"/>
+    <p:sldId id="264" r:id="rId9"/>
+    <p:sldId id="265" r:id="rId10"/>
+    <p:sldId id="266" r:id="rId11"/>
+    <p:sldId id="267" r:id="rId12"/>
+    <p:sldId id="276" r:id="rId13"/>
+    <p:sldId id="262" r:id="rId14"/>
+    <p:sldId id="278" r:id="rId15"/>
+    <p:sldId id="277" r:id="rId16"/>
+    <p:sldId id="280" r:id="rId17"/>
+    <p:sldId id="281" r:id="rId18"/>
+    <p:sldId id="282" r:id="rId19"/>
+    <p:sldId id="283" r:id="rId20"/>
+    <p:sldId id="284" r:id="rId21"/>
+    <p:sldId id="279" r:id="rId22"/>
+    <p:sldId id="261" r:id="rId23"/>
+    <p:sldId id="263" r:id="rId24"/>
+    <p:sldId id="269" r:id="rId25"/>
+    <p:sldId id="260" r:id="rId26"/>
   </p:sldIdLst>
   <p:sldSz cx="12192000" cy="6858000"/>
   <p:notesSz cx="6858000" cy="9144000"/>
@@ -222,7 +221,7 @@
           <a:p>
             <a:fld id="{2114BEC7-464B-4B1F-824D-7477A09890FC}" type="datetimeFigureOut">
               <a:rPr lang="es-MX" smtClean="0"/>
-              <a:t>21/05/2018</a:t>
+              <a:t>22/05/2018</a:t>
             </a:fld>
             <a:endParaRPr lang="es-MX"/>
           </a:p>
@@ -621,7 +620,7 @@
           <a:p>
             <a:fld id="{552B1494-313F-42DE-9786-65F5698C42ED}" type="datetimeFigureOut">
               <a:rPr lang="es-MX" smtClean="0"/>
-              <a:t>21/05/2018</a:t>
+              <a:t>22/05/2018</a:t>
             </a:fld>
             <a:endParaRPr lang="es-MX"/>
           </a:p>
@@ -791,7 +790,7 @@
           <a:p>
             <a:fld id="{552B1494-313F-42DE-9786-65F5698C42ED}" type="datetimeFigureOut">
               <a:rPr lang="es-MX" smtClean="0"/>
-              <a:t>21/05/2018</a:t>
+              <a:t>22/05/2018</a:t>
             </a:fld>
             <a:endParaRPr lang="es-MX"/>
           </a:p>
@@ -971,7 +970,7 @@
           <a:p>
             <a:fld id="{552B1494-313F-42DE-9786-65F5698C42ED}" type="datetimeFigureOut">
               <a:rPr lang="es-MX" smtClean="0"/>
-              <a:t>21/05/2018</a:t>
+              <a:t>22/05/2018</a:t>
             </a:fld>
             <a:endParaRPr lang="es-MX"/>
           </a:p>
@@ -1141,7 +1140,7 @@
           <a:p>
             <a:fld id="{552B1494-313F-42DE-9786-65F5698C42ED}" type="datetimeFigureOut">
               <a:rPr lang="es-MX" smtClean="0"/>
-              <a:t>21/05/2018</a:t>
+              <a:t>22/05/2018</a:t>
             </a:fld>
             <a:endParaRPr lang="es-MX"/>
           </a:p>
@@ -1387,7 +1386,7 @@
           <a:p>
             <a:fld id="{552B1494-313F-42DE-9786-65F5698C42ED}" type="datetimeFigureOut">
               <a:rPr lang="es-MX" smtClean="0"/>
-              <a:t>21/05/2018</a:t>
+              <a:t>22/05/2018</a:t>
             </a:fld>
             <a:endParaRPr lang="es-MX"/>
           </a:p>
@@ -1619,7 +1618,7 @@
           <a:p>
             <a:fld id="{552B1494-313F-42DE-9786-65F5698C42ED}" type="datetimeFigureOut">
               <a:rPr lang="es-MX" smtClean="0"/>
-              <a:t>21/05/2018</a:t>
+              <a:t>22/05/2018</a:t>
             </a:fld>
             <a:endParaRPr lang="es-MX"/>
           </a:p>
@@ -1986,7 +1985,7 @@
           <a:p>
             <a:fld id="{552B1494-313F-42DE-9786-65F5698C42ED}" type="datetimeFigureOut">
               <a:rPr lang="es-MX" smtClean="0"/>
-              <a:t>21/05/2018</a:t>
+              <a:t>22/05/2018</a:t>
             </a:fld>
             <a:endParaRPr lang="es-MX"/>
           </a:p>
@@ -2104,7 +2103,7 @@
           <a:p>
             <a:fld id="{552B1494-313F-42DE-9786-65F5698C42ED}" type="datetimeFigureOut">
               <a:rPr lang="es-MX" smtClean="0"/>
-              <a:t>21/05/2018</a:t>
+              <a:t>22/05/2018</a:t>
             </a:fld>
             <a:endParaRPr lang="es-MX"/>
           </a:p>
@@ -2199,7 +2198,7 @@
           <a:p>
             <a:fld id="{552B1494-313F-42DE-9786-65F5698C42ED}" type="datetimeFigureOut">
               <a:rPr lang="es-MX" smtClean="0"/>
-              <a:t>21/05/2018</a:t>
+              <a:t>22/05/2018</a:t>
             </a:fld>
             <a:endParaRPr lang="es-MX"/>
           </a:p>
@@ -2476,7 +2475,7 @@
           <a:p>
             <a:fld id="{552B1494-313F-42DE-9786-65F5698C42ED}" type="datetimeFigureOut">
               <a:rPr lang="es-MX" smtClean="0"/>
-              <a:t>21/05/2018</a:t>
+              <a:t>22/05/2018</a:t>
             </a:fld>
             <a:endParaRPr lang="es-MX"/>
           </a:p>
@@ -2729,7 +2728,7 @@
           <a:p>
             <a:fld id="{552B1494-313F-42DE-9786-65F5698C42ED}" type="datetimeFigureOut">
               <a:rPr lang="es-MX" smtClean="0"/>
-              <a:t>21/05/2018</a:t>
+              <a:t>22/05/2018</a:t>
             </a:fld>
             <a:endParaRPr lang="es-MX"/>
           </a:p>
@@ -2954,7 +2953,7 @@
           <a:p>
             <a:fld id="{552B1494-313F-42DE-9786-65F5698C42ED}" type="datetimeFigureOut">
               <a:rPr lang="es-MX" smtClean="0"/>
-              <a:t>21/05/2018</a:t>
+              <a:t>22/05/2018</a:t>
             </a:fld>
             <a:endParaRPr lang="es-MX"/>
           </a:p>
@@ -3691,47 +3690,133 @@
       </p:grpSpPr>
       <p:sp>
         <p:nvSpPr>
-          <p:cNvPr id="4" name="CuadroTexto 3"/>
-          <p:cNvSpPr txBox="1"/>
+          <p:cNvPr id="3" name="Rectángulo 2"/>
+          <p:cNvSpPr/>
           <p:nvPr/>
         </p:nvSpPr>
         <p:spPr>
           <a:xfrm>
-            <a:off x="980440" y="1151454"/>
-            <a:ext cx="10231120" cy="4555093"/>
+            <a:off x="1451314" y="766733"/>
+            <a:ext cx="9289373" cy="6017032"/>
           </a:xfrm>
           <a:prstGeom prst="rect">
             <a:avLst/>
           </a:prstGeom>
-          <a:noFill/>
-        </p:spPr>
-        <p:txBody>
-          <a:bodyPr wrap="square" rtlCol="0">
+        </p:spPr>
+        <p:txBody>
+          <a:bodyPr wrap="square">
             <a:spAutoFit/>
           </a:bodyPr>
           <a:lstStyle/>
           <a:p>
+            <a:pPr algn="just"/>
+            <a:r>
+              <a:rPr lang="en-US" sz="9000" b="1" dirty="0" smtClean="0">
+                <a:solidFill>
+                  <a:srgbClr val="FE9F69"/>
+                </a:solidFill>
+                <a:ea typeface="Open Sans" panose="020B0606030504020204" pitchFamily="34" charset="0"/>
+                <a:cs typeface="Open Sans" panose="020B0606030504020204" pitchFamily="34" charset="0"/>
+              </a:rPr>
+              <a:t>research</a:t>
+            </a:r>
+            <a:r>
+              <a:rPr lang="en-US" sz="5000" b="1" dirty="0" smtClean="0">
+                <a:solidFill>
+                  <a:srgbClr val="FE9F69"/>
+                </a:solidFill>
+                <a:ea typeface="Open Sans" panose="020B0606030504020204" pitchFamily="34" charset="0"/>
+                <a:cs typeface="Open Sans" panose="020B0606030504020204" pitchFamily="34" charset="0"/>
+              </a:rPr>
+              <a:t> </a:t>
+            </a:r>
+          </a:p>
+          <a:p>
+            <a:pPr algn="just"/>
+            <a:r>
+              <a:rPr lang="en-US" sz="4500" b="1" dirty="0" smtClean="0">
+                <a:solidFill>
+                  <a:schemeClr val="bg1"/>
+                </a:solidFill>
+                <a:ea typeface="Open Sans" panose="020B0606030504020204" pitchFamily="34" charset="0"/>
+                <a:cs typeface="Open Sans" panose="020B0606030504020204" pitchFamily="34" charset="0"/>
+              </a:rPr>
+              <a:t>how to </a:t>
+            </a:r>
+            <a:r>
+              <a:rPr lang="en-US" sz="4500" b="1" dirty="0" err="1" smtClean="0">
+                <a:solidFill>
+                  <a:schemeClr val="bg1"/>
+                </a:solidFill>
+                <a:ea typeface="Open Sans" panose="020B0606030504020204" pitchFamily="34" charset="0"/>
+                <a:cs typeface="Open Sans" panose="020B0606030504020204" pitchFamily="34" charset="0"/>
+              </a:rPr>
+              <a:t>estimulate</a:t>
+            </a:r>
             <a:r>
               <a:rPr lang="en-US" sz="4500" b="1" dirty="0">
                 <a:solidFill>
                   <a:schemeClr val="bg1"/>
                 </a:solidFill>
-                <a:ea typeface="Open Sans Extrabold" panose="020B0906030804020204" pitchFamily="34" charset="0"/>
-                <a:cs typeface="Open Sans Extrabold" panose="020B0906030804020204" pitchFamily="34" charset="0"/>
-              </a:rPr>
-              <a:t>Be</a:t>
-            </a:r>
-          </a:p>
-          <a:p>
-            <a:r>
-              <a:rPr lang="en-US" sz="20000" b="1" dirty="0" smtClean="0">
-                <a:solidFill>
-                  <a:srgbClr val="FE9F69"/>
-                </a:solidFill>
-                <a:ea typeface="Open Sans Extrabold" panose="020B0906030804020204" pitchFamily="34" charset="0"/>
-                <a:cs typeface="Open Sans Extrabold" panose="020B0906030804020204" pitchFamily="34" charset="0"/>
-              </a:rPr>
-              <a:t>  #proud</a:t>
+                <a:ea typeface="Open Sans" panose="020B0606030504020204" pitchFamily="34" charset="0"/>
+                <a:cs typeface="Open Sans" panose="020B0606030504020204" pitchFamily="34" charset="0"/>
+              </a:rPr>
+              <a:t> </a:t>
+            </a:r>
+            <a:r>
+              <a:rPr lang="en-US" sz="4500" b="1" dirty="0" smtClean="0">
+                <a:solidFill>
+                  <a:schemeClr val="bg1"/>
+                </a:solidFill>
+                <a:ea typeface="Open Sans" panose="020B0606030504020204" pitchFamily="34" charset="0"/>
+                <a:cs typeface="Open Sans" panose="020B0606030504020204" pitchFamily="34" charset="0"/>
+              </a:rPr>
+              <a:t>your team       </a:t>
+            </a:r>
+          </a:p>
+          <a:p>
+            <a:pPr algn="just"/>
+            <a:r>
+              <a:rPr lang="en-US" sz="4500" b="1" dirty="0" smtClean="0">
+                <a:solidFill>
+                  <a:schemeClr val="bg1"/>
+                </a:solidFill>
+                <a:ea typeface="Open Sans" panose="020B0606030504020204" pitchFamily="34" charset="0"/>
+                <a:cs typeface="Open Sans" panose="020B0606030504020204" pitchFamily="34" charset="0"/>
+              </a:rPr>
+              <a:t>let them have fun </a:t>
+            </a:r>
+          </a:p>
+          <a:p>
+            <a:r>
+              <a:rPr lang="en-US" sz="4500" b="1" dirty="0" smtClean="0">
+                <a:solidFill>
+                  <a:schemeClr val="bg1"/>
+                </a:solidFill>
+                <a:ea typeface="Open Sans" panose="020B0606030504020204" pitchFamily="34" charset="0"/>
+                <a:cs typeface="Open Sans" panose="020B0606030504020204" pitchFamily="34" charset="0"/>
+              </a:rPr>
+              <a:t>let them </a:t>
+            </a:r>
+            <a:r>
+              <a:rPr lang="en-US" sz="8000" b="1" dirty="0" smtClean="0">
+                <a:solidFill>
+                  <a:srgbClr val="FFB88C"/>
+                </a:solidFill>
+                <a:ea typeface="Open Sans" panose="020B0606030504020204" pitchFamily="34" charset="0"/>
+                <a:cs typeface="Open Sans" panose="020B0606030504020204" pitchFamily="34" charset="0"/>
+              </a:rPr>
+              <a:t>create awesome nonsense things</a:t>
+            </a:r>
+            <a:r>
+              <a:rPr lang="en-US" sz="4500" b="1" dirty="0" smtClean="0">
+                <a:solidFill>
+                  <a:srgbClr val="FFB88C"/>
+                </a:solidFill>
+                <a:ea typeface="Open Sans" panose="020B0606030504020204" pitchFamily="34" charset="0"/>
+                <a:cs typeface="Open Sans" panose="020B0606030504020204" pitchFamily="34" charset="0"/>
+              </a:rPr>
+              <a:t>.</a:t>
             </a:r>
           </a:p>
           <a:p>
@@ -3739,19 +3824,23 @@
             <a:r>
               <a:rPr lang="en-US" sz="4500" b="1" dirty="0" smtClean="0">
                 <a:solidFill>
-                  <a:schemeClr val="bg1"/>
-                </a:solidFill>
-                <a:ea typeface="Open Sans Extrabold" panose="020B0906030804020204" pitchFamily="34" charset="0"/>
-                <a:cs typeface="Open Sans Extrabold" panose="020B0906030804020204" pitchFamily="34" charset="0"/>
-              </a:rPr>
-              <a:t>of your team</a:t>
-            </a:r>
-            <a:endParaRPr lang="es-MX" sz="4500" b="1" dirty="0">
+                  <a:schemeClr val="accent2">
+                    <a:lumMod val="75000"/>
+                  </a:schemeClr>
+                </a:solidFill>
+                <a:ea typeface="Open Sans" panose="020B0606030504020204" pitchFamily="34" charset="0"/>
+                <a:cs typeface="Open Sans" panose="020B0606030504020204" pitchFamily="34" charset="0"/>
+              </a:rPr>
+              <a:t> </a:t>
+            </a:r>
+            <a:endParaRPr lang="es-MX" sz="4500" dirty="0">
               <a:solidFill>
-                <a:schemeClr val="bg1"/>
+                <a:schemeClr val="accent2">
+                  <a:lumMod val="75000"/>
+                </a:schemeClr>
               </a:solidFill>
-              <a:ea typeface="Open Sans Extrabold" panose="020B0906030804020204" pitchFamily="34" charset="0"/>
-              <a:cs typeface="Open Sans Extrabold" panose="020B0906030804020204" pitchFamily="34" charset="0"/>
+              <a:ea typeface="Open Sans" panose="020B0606030504020204" pitchFamily="34" charset="0"/>
+              <a:cs typeface="Open Sans" panose="020B0606030504020204" pitchFamily="34" charset="0"/>
             </a:endParaRPr>
           </a:p>
         </p:txBody>
@@ -3759,7 +3848,7 @@
     </p:spTree>
     <p:extLst>
       <p:ext uri="{BB962C8B-B14F-4D97-AF65-F5344CB8AC3E}">
-        <p14:creationId xmlns:p14="http://schemas.microsoft.com/office/powerpoint/2010/main" val="1907411541"/>
+        <p14:creationId xmlns:p14="http://schemas.microsoft.com/office/powerpoint/2010/main" val="1283228836"/>
       </p:ext>
     </p:extLst>
   </p:cSld>
@@ -3801,200 +3890,6 @@
         </p:nvSpPr>
         <p:spPr>
           <a:xfrm>
-            <a:off x="1451314" y="766733"/>
-            <a:ext cx="9289373" cy="6017032"/>
-          </a:xfrm>
-          <a:prstGeom prst="rect">
-            <a:avLst/>
-          </a:prstGeom>
-        </p:spPr>
-        <p:txBody>
-          <a:bodyPr wrap="square">
-            <a:spAutoFit/>
-          </a:bodyPr>
-          <a:lstStyle/>
-          <a:p>
-            <a:pPr algn="just"/>
-            <a:r>
-              <a:rPr lang="en-US" sz="9000" b="1" dirty="0" smtClean="0">
-                <a:solidFill>
-                  <a:srgbClr val="FE9F69"/>
-                </a:solidFill>
-                <a:ea typeface="Open Sans" panose="020B0606030504020204" pitchFamily="34" charset="0"/>
-                <a:cs typeface="Open Sans" panose="020B0606030504020204" pitchFamily="34" charset="0"/>
-              </a:rPr>
-              <a:t>research</a:t>
-            </a:r>
-            <a:r>
-              <a:rPr lang="en-US" sz="5000" b="1" dirty="0" smtClean="0">
-                <a:solidFill>
-                  <a:srgbClr val="FE9F69"/>
-                </a:solidFill>
-                <a:ea typeface="Open Sans" panose="020B0606030504020204" pitchFamily="34" charset="0"/>
-                <a:cs typeface="Open Sans" panose="020B0606030504020204" pitchFamily="34" charset="0"/>
-              </a:rPr>
-              <a:t> </a:t>
-            </a:r>
-          </a:p>
-          <a:p>
-            <a:pPr algn="just"/>
-            <a:r>
-              <a:rPr lang="en-US" sz="4500" b="1" dirty="0" smtClean="0">
-                <a:solidFill>
-                  <a:schemeClr val="bg1"/>
-                </a:solidFill>
-                <a:ea typeface="Open Sans" panose="020B0606030504020204" pitchFamily="34" charset="0"/>
-                <a:cs typeface="Open Sans" panose="020B0606030504020204" pitchFamily="34" charset="0"/>
-              </a:rPr>
-              <a:t>how to </a:t>
-            </a:r>
-            <a:r>
-              <a:rPr lang="en-US" sz="4500" b="1" dirty="0" err="1" smtClean="0">
-                <a:solidFill>
-                  <a:schemeClr val="bg1"/>
-                </a:solidFill>
-                <a:ea typeface="Open Sans" panose="020B0606030504020204" pitchFamily="34" charset="0"/>
-                <a:cs typeface="Open Sans" panose="020B0606030504020204" pitchFamily="34" charset="0"/>
-              </a:rPr>
-              <a:t>estimulate</a:t>
-            </a:r>
-            <a:r>
-              <a:rPr lang="en-US" sz="4500" b="1" dirty="0">
-                <a:solidFill>
-                  <a:schemeClr val="bg1"/>
-                </a:solidFill>
-                <a:ea typeface="Open Sans" panose="020B0606030504020204" pitchFamily="34" charset="0"/>
-                <a:cs typeface="Open Sans" panose="020B0606030504020204" pitchFamily="34" charset="0"/>
-              </a:rPr>
-              <a:t> </a:t>
-            </a:r>
-            <a:r>
-              <a:rPr lang="en-US" sz="4500" b="1" dirty="0" smtClean="0">
-                <a:solidFill>
-                  <a:schemeClr val="bg1"/>
-                </a:solidFill>
-                <a:ea typeface="Open Sans" panose="020B0606030504020204" pitchFamily="34" charset="0"/>
-                <a:cs typeface="Open Sans" panose="020B0606030504020204" pitchFamily="34" charset="0"/>
-              </a:rPr>
-              <a:t>your team       </a:t>
-            </a:r>
-          </a:p>
-          <a:p>
-            <a:pPr algn="just"/>
-            <a:r>
-              <a:rPr lang="en-US" sz="4500" b="1" dirty="0" smtClean="0">
-                <a:solidFill>
-                  <a:schemeClr val="bg1"/>
-                </a:solidFill>
-                <a:ea typeface="Open Sans" panose="020B0606030504020204" pitchFamily="34" charset="0"/>
-                <a:cs typeface="Open Sans" panose="020B0606030504020204" pitchFamily="34" charset="0"/>
-              </a:rPr>
-              <a:t>let them have fun </a:t>
-            </a:r>
-          </a:p>
-          <a:p>
-            <a:r>
-              <a:rPr lang="en-US" sz="4500" b="1" dirty="0" smtClean="0">
-                <a:solidFill>
-                  <a:schemeClr val="bg1"/>
-                </a:solidFill>
-                <a:ea typeface="Open Sans" panose="020B0606030504020204" pitchFamily="34" charset="0"/>
-                <a:cs typeface="Open Sans" panose="020B0606030504020204" pitchFamily="34" charset="0"/>
-              </a:rPr>
-              <a:t>let them </a:t>
-            </a:r>
-            <a:r>
-              <a:rPr lang="en-US" sz="8000" b="1" dirty="0" smtClean="0">
-                <a:solidFill>
-                  <a:srgbClr val="FFB88C"/>
-                </a:solidFill>
-                <a:ea typeface="Open Sans" panose="020B0606030504020204" pitchFamily="34" charset="0"/>
-                <a:cs typeface="Open Sans" panose="020B0606030504020204" pitchFamily="34" charset="0"/>
-              </a:rPr>
-              <a:t>create awesome nonsense things</a:t>
-            </a:r>
-            <a:r>
-              <a:rPr lang="en-US" sz="4500" b="1" dirty="0" smtClean="0">
-                <a:solidFill>
-                  <a:srgbClr val="FFB88C"/>
-                </a:solidFill>
-                <a:ea typeface="Open Sans" panose="020B0606030504020204" pitchFamily="34" charset="0"/>
-                <a:cs typeface="Open Sans" panose="020B0606030504020204" pitchFamily="34" charset="0"/>
-              </a:rPr>
-              <a:t>.</a:t>
-            </a:r>
-          </a:p>
-          <a:p>
-            <a:pPr algn="r"/>
-            <a:r>
-              <a:rPr lang="en-US" sz="4500" b="1" dirty="0" smtClean="0">
-                <a:solidFill>
-                  <a:schemeClr val="accent2">
-                    <a:lumMod val="75000"/>
-                  </a:schemeClr>
-                </a:solidFill>
-                <a:ea typeface="Open Sans" panose="020B0606030504020204" pitchFamily="34" charset="0"/>
-                <a:cs typeface="Open Sans" panose="020B0606030504020204" pitchFamily="34" charset="0"/>
-              </a:rPr>
-              <a:t> </a:t>
-            </a:r>
-            <a:endParaRPr lang="es-MX" sz="4500" dirty="0">
-              <a:solidFill>
-                <a:schemeClr val="accent2">
-                  <a:lumMod val="75000"/>
-                </a:schemeClr>
-              </a:solidFill>
-              <a:ea typeface="Open Sans" panose="020B0606030504020204" pitchFamily="34" charset="0"/>
-              <a:cs typeface="Open Sans" panose="020B0606030504020204" pitchFamily="34" charset="0"/>
-            </a:endParaRPr>
-          </a:p>
-        </p:txBody>
-      </p:sp>
-    </p:spTree>
-    <p:extLst>
-      <p:ext uri="{BB962C8B-B14F-4D97-AF65-F5344CB8AC3E}">
-        <p14:creationId xmlns:p14="http://schemas.microsoft.com/office/powerpoint/2010/main" val="1283228836"/>
-      </p:ext>
-    </p:extLst>
-  </p:cSld>
-  <p:clrMapOvr>
-    <a:masterClrMapping/>
-  </p:clrMapOvr>
-  <p:timing>
-    <p:tnLst>
-      <p:par>
-        <p:cTn id="1" dur="indefinite" restart="never" nodeType="tmRoot"/>
-      </p:par>
-    </p:tnLst>
-  </p:timing>
-</p:sld>
-</file>
-
-<file path=ppt/slides/slide12.xml><?xml version="1.0" encoding="utf-8"?>
-<p:sld xmlns:a="http://schemas.openxmlformats.org/drawingml/2006/main" xmlns:r="http://schemas.openxmlformats.org/officeDocument/2006/relationships" xmlns:p="http://schemas.openxmlformats.org/presentationml/2006/main">
-  <p:cSld>
-    <p:spTree>
-      <p:nvGrpSpPr>
-        <p:cNvPr id="1" name=""/>
-        <p:cNvGrpSpPr/>
-        <p:nvPr/>
-      </p:nvGrpSpPr>
-      <p:grpSpPr>
-        <a:xfrm>
-          <a:off x="0" y="0"/>
-          <a:ext cx="0" cy="0"/>
-          <a:chOff x="0" y="0"/>
-          <a:chExt cx="0" cy="0"/>
-        </a:xfrm>
-      </p:grpSpPr>
-      <p:sp>
-        <p:nvSpPr>
-          <p:cNvPr id="3" name="Rectángulo 2"/>
-          <p:cNvSpPr/>
-          <p:nvPr/>
-        </p:nvSpPr>
-        <p:spPr>
-          <a:xfrm>
             <a:off x="481414" y="293898"/>
             <a:ext cx="11710586" cy="1015663"/>
           </a:xfrm>
@@ -4072,7 +3967,7 @@
 </p:sld>
 </file>
 
-<file path=ppt/slides/slide13.xml><?xml version="1.0" encoding="utf-8"?>
+<file path=ppt/slides/slide12.xml><?xml version="1.0" encoding="utf-8"?>
 <p:sld xmlns:a="http://schemas.openxmlformats.org/drawingml/2006/main" xmlns:r="http://schemas.openxmlformats.org/officeDocument/2006/relationships" xmlns:p="http://schemas.openxmlformats.org/presentationml/2006/main">
   <p:cSld>
     <p:spTree>
@@ -4233,7 +4128,7 @@
 </p:sld>
 </file>
 
-<file path=ppt/slides/slide14.xml><?xml version="1.0" encoding="utf-8"?>
+<file path=ppt/slides/slide13.xml><?xml version="1.0" encoding="utf-8"?>
 <p:sld xmlns:a="http://schemas.openxmlformats.org/drawingml/2006/main" xmlns:r="http://schemas.openxmlformats.org/officeDocument/2006/relationships" xmlns:p="http://schemas.openxmlformats.org/presentationml/2006/main">
   <p:cSld>
     <p:spTree>
@@ -4433,7 +4328,7 @@
 </p:sld>
 </file>
 
-<file path=ppt/slides/slide15.xml><?xml version="1.0" encoding="utf-8"?>
+<file path=ppt/slides/slide14.xml><?xml version="1.0" encoding="utf-8"?>
 <p:sld xmlns:a="http://schemas.openxmlformats.org/drawingml/2006/main" xmlns:r="http://schemas.openxmlformats.org/officeDocument/2006/relationships" xmlns:p="http://schemas.openxmlformats.org/presentationml/2006/main">
   <p:cSld>
     <p:spTree>
@@ -4698,7 +4593,7 @@
 </p:sld>
 </file>
 
-<file path=ppt/slides/slide16.xml><?xml version="1.0" encoding="utf-8"?>
+<file path=ppt/slides/slide15.xml><?xml version="1.0" encoding="utf-8"?>
 <p:sld xmlns:a="http://schemas.openxmlformats.org/drawingml/2006/main" xmlns:r="http://schemas.openxmlformats.org/officeDocument/2006/relationships" xmlns:p="http://schemas.openxmlformats.org/presentationml/2006/main">
   <p:cSld>
     <p:spTree>
@@ -4849,6 +4744,164 @@
     <p:extLst>
       <p:ext uri="{BB962C8B-B14F-4D97-AF65-F5344CB8AC3E}">
         <p14:creationId xmlns:p14="http://schemas.microsoft.com/office/powerpoint/2010/main" val="768931610"/>
+      </p:ext>
+    </p:extLst>
+  </p:cSld>
+  <p:clrMapOvr>
+    <a:masterClrMapping/>
+  </p:clrMapOvr>
+  <p:timing>
+    <p:tnLst>
+      <p:par>
+        <p:cTn id="1" dur="indefinite" restart="never" nodeType="tmRoot"/>
+      </p:par>
+    </p:tnLst>
+  </p:timing>
+</p:sld>
+</file>
+
+<file path=ppt/slides/slide16.xml><?xml version="1.0" encoding="utf-8"?>
+<p:sld xmlns:a="http://schemas.openxmlformats.org/drawingml/2006/main" xmlns:r="http://schemas.openxmlformats.org/officeDocument/2006/relationships" xmlns:p="http://schemas.openxmlformats.org/presentationml/2006/main">
+  <p:cSld>
+    <p:spTree>
+      <p:nvGrpSpPr>
+        <p:cNvPr id="1" name=""/>
+        <p:cNvGrpSpPr/>
+        <p:nvPr/>
+      </p:nvGrpSpPr>
+      <p:grpSpPr>
+        <a:xfrm>
+          <a:off x="0" y="0"/>
+          <a:ext cx="0" cy="0"/>
+          <a:chOff x="0" y="0"/>
+          <a:chExt cx="0" cy="0"/>
+        </a:xfrm>
+      </p:grpSpPr>
+      <p:sp>
+        <p:nvSpPr>
+          <p:cNvPr id="7" name="CuadroTexto 6"/>
+          <p:cNvSpPr txBox="1"/>
+          <p:nvPr/>
+        </p:nvSpPr>
+        <p:spPr>
+          <a:xfrm>
+            <a:off x="3135280" y="2589609"/>
+            <a:ext cx="3108607" cy="369332"/>
+          </a:xfrm>
+          <a:prstGeom prst="rect">
+            <a:avLst/>
+          </a:prstGeom>
+          <a:noFill/>
+        </p:spPr>
+        <p:txBody>
+          <a:bodyPr wrap="square" rtlCol="0">
+            <a:spAutoFit/>
+          </a:bodyPr>
+          <a:lstStyle/>
+          <a:p>
+            <a:r>
+              <a:rPr lang="en-US" b="1" dirty="0">
+                <a:solidFill>
+                  <a:schemeClr val="bg1"/>
+                </a:solidFill>
+                <a:ea typeface="Open Sans Extrabold" panose="020B0906030804020204" pitchFamily="34" charset="0"/>
+                <a:cs typeface="Open Sans Extrabold" panose="020B0906030804020204" pitchFamily="34" charset="0"/>
+              </a:rPr>
+              <a:t>Asynchronous Communication</a:t>
+            </a:r>
+            <a:endParaRPr lang="es-MX" b="1" dirty="0">
+              <a:solidFill>
+                <a:schemeClr val="bg1"/>
+              </a:solidFill>
+              <a:ea typeface="Open Sans Extrabold" panose="020B0906030804020204" pitchFamily="34" charset="0"/>
+              <a:cs typeface="Open Sans Extrabold" panose="020B0906030804020204" pitchFamily="34" charset="0"/>
+            </a:endParaRPr>
+          </a:p>
+        </p:txBody>
+      </p:sp>
+      <p:sp>
+        <p:nvSpPr>
+          <p:cNvPr id="8" name="CuadroTexto 7"/>
+          <p:cNvSpPr txBox="1"/>
+          <p:nvPr/>
+        </p:nvSpPr>
+        <p:spPr>
+          <a:xfrm>
+            <a:off x="3107572" y="2792693"/>
+            <a:ext cx="7001241" cy="1246495"/>
+          </a:xfrm>
+          <a:prstGeom prst="rect">
+            <a:avLst/>
+          </a:prstGeom>
+          <a:noFill/>
+        </p:spPr>
+        <p:txBody>
+          <a:bodyPr wrap="square" rtlCol="0">
+            <a:spAutoFit/>
+          </a:bodyPr>
+          <a:lstStyle/>
+          <a:p>
+            <a:r>
+              <a:rPr lang="en-US" sz="4500" b="1" dirty="0" smtClean="0">
+                <a:solidFill>
+                  <a:schemeClr val="bg1"/>
+                </a:solidFill>
+                <a:ea typeface="Roboto" panose="02000000000000000000" pitchFamily="2" charset="0"/>
+              </a:rPr>
+              <a:t>Send enough information </a:t>
+            </a:r>
+            <a:r>
+              <a:rPr lang="en-US" sz="3000" b="1" dirty="0" smtClean="0">
+                <a:solidFill>
+                  <a:srgbClr val="FFB88C"/>
+                </a:solidFill>
+                <a:ea typeface="Roboto" panose="02000000000000000000" pitchFamily="2" charset="0"/>
+              </a:rPr>
+              <a:t>to cover up all the follow-up questions.</a:t>
+            </a:r>
+            <a:endParaRPr lang="es-MX" sz="3000" b="1" dirty="0">
+              <a:solidFill>
+                <a:srgbClr val="FFB88C"/>
+              </a:solidFill>
+              <a:ea typeface="Roboto" panose="02000000000000000000" pitchFamily="2" charset="0"/>
+            </a:endParaRPr>
+          </a:p>
+        </p:txBody>
+      </p:sp>
+      <p:pic>
+        <p:nvPicPr>
+          <p:cNvPr id="5" name="Imagen 4"/>
+          <p:cNvPicPr>
+            <a:picLocks noChangeAspect="1"/>
+          </p:cNvPicPr>
+          <p:nvPr/>
+        </p:nvPicPr>
+        <p:blipFill>
+          <a:blip r:embed="rId2" cstate="print">
+            <a:extLst>
+              <a:ext uri="{28A0092B-C50C-407E-A947-70E740481C1C}">
+                <a14:useLocalDpi xmlns:a14="http://schemas.microsoft.com/office/drawing/2010/main" val="0"/>
+              </a:ext>
+            </a:extLst>
+          </a:blip>
+          <a:stretch>
+            <a:fillRect/>
+          </a:stretch>
+        </p:blipFill>
+        <p:spPr>
+          <a:xfrm>
+            <a:off x="2023877" y="3057237"/>
+            <a:ext cx="936321" cy="1021003"/>
+          </a:xfrm>
+          <a:prstGeom prst="rect">
+            <a:avLst/>
+          </a:prstGeom>
+        </p:spPr>
+      </p:pic>
+    </p:spTree>
+    <p:extLst>
+      <p:ext uri="{BB962C8B-B14F-4D97-AF65-F5344CB8AC3E}">
+        <p14:creationId xmlns:p14="http://schemas.microsoft.com/office/powerpoint/2010/main" val="2250133055"/>
       </p:ext>
     </p:extLst>
   </p:cSld>
@@ -4933,164 +4986,6 @@
         <p:spPr>
           <a:xfrm>
             <a:off x="3107572" y="2792693"/>
-            <a:ext cx="7001241" cy="1246495"/>
-          </a:xfrm>
-          <a:prstGeom prst="rect">
-            <a:avLst/>
-          </a:prstGeom>
-          <a:noFill/>
-        </p:spPr>
-        <p:txBody>
-          <a:bodyPr wrap="square" rtlCol="0">
-            <a:spAutoFit/>
-          </a:bodyPr>
-          <a:lstStyle/>
-          <a:p>
-            <a:r>
-              <a:rPr lang="en-US" sz="4500" b="1" dirty="0" smtClean="0">
-                <a:solidFill>
-                  <a:schemeClr val="bg1"/>
-                </a:solidFill>
-                <a:ea typeface="Roboto" panose="02000000000000000000" pitchFamily="2" charset="0"/>
-              </a:rPr>
-              <a:t>Send enough information </a:t>
-            </a:r>
-            <a:r>
-              <a:rPr lang="en-US" sz="3000" b="1" dirty="0" smtClean="0">
-                <a:solidFill>
-                  <a:srgbClr val="FFB88C"/>
-                </a:solidFill>
-                <a:ea typeface="Roboto" panose="02000000000000000000" pitchFamily="2" charset="0"/>
-              </a:rPr>
-              <a:t>to cover up all the follow-up questions.</a:t>
-            </a:r>
-            <a:endParaRPr lang="es-MX" sz="3000" b="1" dirty="0">
-              <a:solidFill>
-                <a:srgbClr val="FFB88C"/>
-              </a:solidFill>
-              <a:ea typeface="Roboto" panose="02000000000000000000" pitchFamily="2" charset="0"/>
-            </a:endParaRPr>
-          </a:p>
-        </p:txBody>
-      </p:sp>
-      <p:pic>
-        <p:nvPicPr>
-          <p:cNvPr id="5" name="Imagen 4"/>
-          <p:cNvPicPr>
-            <a:picLocks noChangeAspect="1"/>
-          </p:cNvPicPr>
-          <p:nvPr/>
-        </p:nvPicPr>
-        <p:blipFill>
-          <a:blip r:embed="rId2" cstate="print">
-            <a:extLst>
-              <a:ext uri="{28A0092B-C50C-407E-A947-70E740481C1C}">
-                <a14:useLocalDpi xmlns:a14="http://schemas.microsoft.com/office/drawing/2010/main" val="0"/>
-              </a:ext>
-            </a:extLst>
-          </a:blip>
-          <a:stretch>
-            <a:fillRect/>
-          </a:stretch>
-        </p:blipFill>
-        <p:spPr>
-          <a:xfrm>
-            <a:off x="2023877" y="3057237"/>
-            <a:ext cx="936321" cy="1021003"/>
-          </a:xfrm>
-          <a:prstGeom prst="rect">
-            <a:avLst/>
-          </a:prstGeom>
-        </p:spPr>
-      </p:pic>
-    </p:spTree>
-    <p:extLst>
-      <p:ext uri="{BB962C8B-B14F-4D97-AF65-F5344CB8AC3E}">
-        <p14:creationId xmlns:p14="http://schemas.microsoft.com/office/powerpoint/2010/main" val="2250133055"/>
-      </p:ext>
-    </p:extLst>
-  </p:cSld>
-  <p:clrMapOvr>
-    <a:masterClrMapping/>
-  </p:clrMapOvr>
-  <p:timing>
-    <p:tnLst>
-      <p:par>
-        <p:cTn id="1" dur="indefinite" restart="never" nodeType="tmRoot"/>
-      </p:par>
-    </p:tnLst>
-  </p:timing>
-</p:sld>
-</file>
-
-<file path=ppt/slides/slide18.xml><?xml version="1.0" encoding="utf-8"?>
-<p:sld xmlns:a="http://schemas.openxmlformats.org/drawingml/2006/main" xmlns:r="http://schemas.openxmlformats.org/officeDocument/2006/relationships" xmlns:p="http://schemas.openxmlformats.org/presentationml/2006/main">
-  <p:cSld>
-    <p:spTree>
-      <p:nvGrpSpPr>
-        <p:cNvPr id="1" name=""/>
-        <p:cNvGrpSpPr/>
-        <p:nvPr/>
-      </p:nvGrpSpPr>
-      <p:grpSpPr>
-        <a:xfrm>
-          <a:off x="0" y="0"/>
-          <a:ext cx="0" cy="0"/>
-          <a:chOff x="0" y="0"/>
-          <a:chExt cx="0" cy="0"/>
-        </a:xfrm>
-      </p:grpSpPr>
-      <p:sp>
-        <p:nvSpPr>
-          <p:cNvPr id="7" name="CuadroTexto 6"/>
-          <p:cNvSpPr txBox="1"/>
-          <p:nvPr/>
-        </p:nvSpPr>
-        <p:spPr>
-          <a:xfrm>
-            <a:off x="3135280" y="2589609"/>
-            <a:ext cx="3108607" cy="369332"/>
-          </a:xfrm>
-          <a:prstGeom prst="rect">
-            <a:avLst/>
-          </a:prstGeom>
-          <a:noFill/>
-        </p:spPr>
-        <p:txBody>
-          <a:bodyPr wrap="square" rtlCol="0">
-            <a:spAutoFit/>
-          </a:bodyPr>
-          <a:lstStyle/>
-          <a:p>
-            <a:r>
-              <a:rPr lang="en-US" b="1" dirty="0">
-                <a:solidFill>
-                  <a:schemeClr val="bg1"/>
-                </a:solidFill>
-                <a:ea typeface="Open Sans Extrabold" panose="020B0906030804020204" pitchFamily="34" charset="0"/>
-                <a:cs typeface="Open Sans Extrabold" panose="020B0906030804020204" pitchFamily="34" charset="0"/>
-              </a:rPr>
-              <a:t>Asynchronous Communication</a:t>
-            </a:r>
-            <a:endParaRPr lang="es-MX" b="1" dirty="0">
-              <a:solidFill>
-                <a:schemeClr val="bg1"/>
-              </a:solidFill>
-              <a:ea typeface="Open Sans Extrabold" panose="020B0906030804020204" pitchFamily="34" charset="0"/>
-              <a:cs typeface="Open Sans Extrabold" panose="020B0906030804020204" pitchFamily="34" charset="0"/>
-            </a:endParaRPr>
-          </a:p>
-        </p:txBody>
-      </p:sp>
-      <p:sp>
-        <p:nvSpPr>
-          <p:cNvPr id="8" name="CuadroTexto 7"/>
-          <p:cNvSpPr txBox="1"/>
-          <p:nvPr/>
-        </p:nvSpPr>
-        <p:spPr>
-          <a:xfrm>
-            <a:off x="3107572" y="2792693"/>
             <a:ext cx="7001241" cy="784830"/>
           </a:xfrm>
           <a:prstGeom prst="rect">
@@ -5181,7 +5076,7 @@
 </p:sld>
 </file>
 
-<file path=ppt/slides/slide19.xml><?xml version="1.0" encoding="utf-8"?>
+<file path=ppt/slides/slide18.xml><?xml version="1.0" encoding="utf-8"?>
 <p:sld xmlns:a="http://schemas.openxmlformats.org/drawingml/2006/main" xmlns:r="http://schemas.openxmlformats.org/officeDocument/2006/relationships" xmlns:p="http://schemas.openxmlformats.org/presentationml/2006/main">
   <p:cSld>
     <p:spTree>
@@ -5341,6 +5236,182 @@
     <p:extLst>
       <p:ext uri="{BB962C8B-B14F-4D97-AF65-F5344CB8AC3E}">
         <p14:creationId xmlns:p14="http://schemas.microsoft.com/office/powerpoint/2010/main" val="2193250022"/>
+      </p:ext>
+    </p:extLst>
+  </p:cSld>
+  <p:clrMapOvr>
+    <a:masterClrMapping/>
+  </p:clrMapOvr>
+  <p:timing>
+    <p:tnLst>
+      <p:par>
+        <p:cTn id="1" dur="indefinite" restart="never" nodeType="tmRoot"/>
+      </p:par>
+    </p:tnLst>
+  </p:timing>
+</p:sld>
+</file>
+
+<file path=ppt/slides/slide19.xml><?xml version="1.0" encoding="utf-8"?>
+<p:sld xmlns:a="http://schemas.openxmlformats.org/drawingml/2006/main" xmlns:r="http://schemas.openxmlformats.org/officeDocument/2006/relationships" xmlns:p="http://schemas.openxmlformats.org/presentationml/2006/main">
+  <p:cSld>
+    <p:spTree>
+      <p:nvGrpSpPr>
+        <p:cNvPr id="1" name=""/>
+        <p:cNvGrpSpPr/>
+        <p:nvPr/>
+      </p:nvGrpSpPr>
+      <p:grpSpPr>
+        <a:xfrm>
+          <a:off x="0" y="0"/>
+          <a:ext cx="0" cy="0"/>
+          <a:chOff x="0" y="0"/>
+          <a:chExt cx="0" cy="0"/>
+        </a:xfrm>
+      </p:grpSpPr>
+      <p:pic>
+        <p:nvPicPr>
+          <p:cNvPr id="3" name="Imagen 2"/>
+          <p:cNvPicPr>
+            <a:picLocks noChangeAspect="1"/>
+          </p:cNvPicPr>
+          <p:nvPr/>
+        </p:nvPicPr>
+        <p:blipFill>
+          <a:blip r:embed="rId2" cstate="print">
+            <a:extLst>
+              <a:ext uri="{28A0092B-C50C-407E-A947-70E740481C1C}">
+                <a14:useLocalDpi xmlns:a14="http://schemas.microsoft.com/office/drawing/2010/main" val="0"/>
+              </a:ext>
+            </a:extLst>
+          </a:blip>
+          <a:stretch>
+            <a:fillRect/>
+          </a:stretch>
+        </p:blipFill>
+        <p:spPr>
+          <a:xfrm>
+            <a:off x="1773901" y="2958941"/>
+            <a:ext cx="1364740" cy="1119299"/>
+          </a:xfrm>
+          <a:prstGeom prst="rect">
+            <a:avLst/>
+          </a:prstGeom>
+        </p:spPr>
+      </p:pic>
+      <p:sp>
+        <p:nvSpPr>
+          <p:cNvPr id="7" name="CuadroTexto 6"/>
+          <p:cNvSpPr txBox="1"/>
+          <p:nvPr/>
+        </p:nvSpPr>
+        <p:spPr>
+          <a:xfrm>
+            <a:off x="3135280" y="2589609"/>
+            <a:ext cx="3108607" cy="369332"/>
+          </a:xfrm>
+          <a:prstGeom prst="rect">
+            <a:avLst/>
+          </a:prstGeom>
+          <a:noFill/>
+        </p:spPr>
+        <p:txBody>
+          <a:bodyPr wrap="square" rtlCol="0">
+            <a:spAutoFit/>
+          </a:bodyPr>
+          <a:lstStyle/>
+          <a:p>
+            <a:r>
+              <a:rPr lang="en-US" b="1" dirty="0">
+                <a:solidFill>
+                  <a:schemeClr val="bg1"/>
+                </a:solidFill>
+                <a:ea typeface="Open Sans Extrabold" panose="020B0906030804020204" pitchFamily="34" charset="0"/>
+                <a:cs typeface="Open Sans Extrabold" panose="020B0906030804020204" pitchFamily="34" charset="0"/>
+              </a:rPr>
+              <a:t>Asynchronous Communication</a:t>
+            </a:r>
+            <a:endParaRPr lang="es-MX" b="1" dirty="0">
+              <a:solidFill>
+                <a:schemeClr val="bg1"/>
+              </a:solidFill>
+              <a:ea typeface="Open Sans Extrabold" panose="020B0906030804020204" pitchFamily="34" charset="0"/>
+              <a:cs typeface="Open Sans Extrabold" panose="020B0906030804020204" pitchFamily="34" charset="0"/>
+            </a:endParaRPr>
+          </a:p>
+        </p:txBody>
+      </p:sp>
+      <p:sp>
+        <p:nvSpPr>
+          <p:cNvPr id="8" name="CuadroTexto 7"/>
+          <p:cNvSpPr txBox="1"/>
+          <p:nvPr/>
+        </p:nvSpPr>
+        <p:spPr>
+          <a:xfrm>
+            <a:off x="3107572" y="2792693"/>
+            <a:ext cx="7001241" cy="1246495"/>
+          </a:xfrm>
+          <a:prstGeom prst="rect">
+            <a:avLst/>
+          </a:prstGeom>
+          <a:noFill/>
+        </p:spPr>
+        <p:txBody>
+          <a:bodyPr wrap="square" rtlCol="0">
+            <a:spAutoFit/>
+          </a:bodyPr>
+          <a:lstStyle/>
+          <a:p>
+            <a:r>
+              <a:rPr lang="en-US" sz="3000" b="1" dirty="0" smtClean="0">
+                <a:solidFill>
+                  <a:srgbClr val="FFB88C"/>
+                </a:solidFill>
+                <a:ea typeface="Roboto" panose="02000000000000000000" pitchFamily="2" charset="0"/>
+              </a:rPr>
+              <a:t>Explain</a:t>
+            </a:r>
+            <a:r>
+              <a:rPr lang="en-US" sz="3000" b="1" dirty="0" smtClean="0">
+                <a:solidFill>
+                  <a:schemeClr val="bg1"/>
+                </a:solidFill>
+                <a:ea typeface="Roboto" panose="02000000000000000000" pitchFamily="2" charset="0"/>
+              </a:rPr>
+              <a:t> </a:t>
+            </a:r>
+            <a:r>
+              <a:rPr lang="en-US" sz="4500" b="1" dirty="0" smtClean="0">
+                <a:solidFill>
+                  <a:schemeClr val="bg1"/>
+                </a:solidFill>
+                <a:ea typeface="Roboto" panose="02000000000000000000" pitchFamily="2" charset="0"/>
+              </a:rPr>
+              <a:t>what you need </a:t>
+            </a:r>
+            <a:r>
+              <a:rPr lang="en-US" sz="3000" b="1" dirty="0">
+                <a:solidFill>
+                  <a:srgbClr val="FFB88C"/>
+                </a:solidFill>
+                <a:ea typeface="Roboto" panose="02000000000000000000" pitchFamily="2" charset="0"/>
+              </a:rPr>
+              <a:t>(extremely clear).</a:t>
+            </a:r>
+            <a:endParaRPr lang="es-MX" sz="3000" b="1" dirty="0">
+              <a:solidFill>
+                <a:srgbClr val="FFB88C"/>
+              </a:solidFill>
+              <a:ea typeface="Roboto" panose="02000000000000000000" pitchFamily="2" charset="0"/>
+            </a:endParaRPr>
+          </a:p>
+        </p:txBody>
+      </p:sp>
+    </p:spTree>
+    <p:extLst>
+      <p:ext uri="{BB962C8B-B14F-4D97-AF65-F5344CB8AC3E}">
+        <p14:creationId xmlns:p14="http://schemas.microsoft.com/office/powerpoint/2010/main" val="2779038171"/>
       </p:ext>
     </p:extLst>
   </p:cSld>
@@ -5886,147 +5957,32 @@
       </p:grpSpPr>
       <p:pic>
         <p:nvPicPr>
-          <p:cNvPr id="3" name="Imagen 2"/>
+          <p:cNvPr id="2" name="Imagen 1"/>
           <p:cNvPicPr>
             <a:picLocks noChangeAspect="1"/>
           </p:cNvPicPr>
           <p:nvPr/>
         </p:nvPicPr>
         <p:blipFill>
-          <a:blip r:embed="rId2" cstate="print">
-            <a:extLst>
-              <a:ext uri="{28A0092B-C50C-407E-A947-70E740481C1C}">
-                <a14:useLocalDpi xmlns:a14="http://schemas.microsoft.com/office/drawing/2010/main" val="0"/>
-              </a:ext>
-            </a:extLst>
-          </a:blip>
+          <a:blip r:embed="rId2"/>
           <a:stretch>
             <a:fillRect/>
           </a:stretch>
         </p:blipFill>
         <p:spPr>
           <a:xfrm>
-            <a:off x="1773901" y="2958941"/>
-            <a:ext cx="1364740" cy="1119299"/>
+            <a:off x="2133600" y="2657475"/>
+            <a:ext cx="7924800" cy="1543050"/>
           </a:xfrm>
           <a:prstGeom prst="rect">
             <a:avLst/>
           </a:prstGeom>
         </p:spPr>
       </p:pic>
-      <p:sp>
-        <p:nvSpPr>
-          <p:cNvPr id="7" name="CuadroTexto 6"/>
-          <p:cNvSpPr txBox="1"/>
-          <p:nvPr/>
-        </p:nvSpPr>
-        <p:spPr>
-          <a:xfrm>
-            <a:off x="3135280" y="2589609"/>
-            <a:ext cx="3108607" cy="369332"/>
-          </a:xfrm>
-          <a:prstGeom prst="rect">
-            <a:avLst/>
-          </a:prstGeom>
-          <a:noFill/>
-        </p:spPr>
-        <p:txBody>
-          <a:bodyPr wrap="square" rtlCol="0">
-            <a:spAutoFit/>
-          </a:bodyPr>
-          <a:lstStyle/>
-          <a:p>
-            <a:r>
-              <a:rPr lang="en-US" b="1" dirty="0">
-                <a:solidFill>
-                  <a:schemeClr val="bg1"/>
-                </a:solidFill>
-                <a:ea typeface="Open Sans Extrabold" panose="020B0906030804020204" pitchFamily="34" charset="0"/>
-                <a:cs typeface="Open Sans Extrabold" panose="020B0906030804020204" pitchFamily="34" charset="0"/>
-              </a:rPr>
-              <a:t>Asynchronous Communication</a:t>
-            </a:r>
-            <a:endParaRPr lang="es-MX" b="1" dirty="0">
-              <a:solidFill>
-                <a:schemeClr val="bg1"/>
-              </a:solidFill>
-              <a:ea typeface="Open Sans Extrabold" panose="020B0906030804020204" pitchFamily="34" charset="0"/>
-              <a:cs typeface="Open Sans Extrabold" panose="020B0906030804020204" pitchFamily="34" charset="0"/>
-            </a:endParaRPr>
-          </a:p>
-        </p:txBody>
-      </p:sp>
-      <p:sp>
-        <p:nvSpPr>
-          <p:cNvPr id="8" name="CuadroTexto 7"/>
-          <p:cNvSpPr txBox="1"/>
-          <p:nvPr/>
-        </p:nvSpPr>
-        <p:spPr>
-          <a:xfrm>
-            <a:off x="3107572" y="2792693"/>
-            <a:ext cx="7001241" cy="1246495"/>
-          </a:xfrm>
-          <a:prstGeom prst="rect">
-            <a:avLst/>
-          </a:prstGeom>
-          <a:noFill/>
-        </p:spPr>
-        <p:txBody>
-          <a:bodyPr wrap="square" rtlCol="0">
-            <a:spAutoFit/>
-          </a:bodyPr>
-          <a:lstStyle/>
-          <a:p>
-            <a:r>
-              <a:rPr lang="en-US" sz="3000" b="1" dirty="0" smtClean="0">
-                <a:solidFill>
-                  <a:srgbClr val="FFB88C"/>
-                </a:solidFill>
-                <a:ea typeface="Roboto" panose="02000000000000000000" pitchFamily="2" charset="0"/>
-              </a:rPr>
-              <a:t>Explain</a:t>
-            </a:r>
-            <a:r>
-              <a:rPr lang="en-US" sz="3000" b="1" dirty="0" smtClean="0">
-                <a:solidFill>
-                  <a:schemeClr val="bg1"/>
-                </a:solidFill>
-                <a:ea typeface="Roboto" panose="02000000000000000000" pitchFamily="2" charset="0"/>
-              </a:rPr>
-              <a:t> </a:t>
-            </a:r>
-            <a:r>
-              <a:rPr lang="en-US" sz="4500" b="1" dirty="0" smtClean="0">
-                <a:solidFill>
-                  <a:schemeClr val="bg1"/>
-                </a:solidFill>
-                <a:ea typeface="Roboto" panose="02000000000000000000" pitchFamily="2" charset="0"/>
-              </a:rPr>
-              <a:t>what you need </a:t>
-            </a:r>
-            <a:r>
-              <a:rPr lang="en-US" sz="3000" b="1" dirty="0">
-                <a:solidFill>
-                  <a:srgbClr val="FFB88C"/>
-                </a:solidFill>
-                <a:ea typeface="Roboto" panose="02000000000000000000" pitchFamily="2" charset="0"/>
-              </a:rPr>
-              <a:t>(extremely clear).</a:t>
-            </a:r>
-            <a:endParaRPr lang="es-MX" sz="3000" b="1" dirty="0">
-              <a:solidFill>
-                <a:srgbClr val="FFB88C"/>
-              </a:solidFill>
-              <a:ea typeface="Roboto" panose="02000000000000000000" pitchFamily="2" charset="0"/>
-            </a:endParaRPr>
-          </a:p>
-        </p:txBody>
-      </p:sp>
     </p:spTree>
     <p:extLst>
       <p:ext uri="{BB962C8B-B14F-4D97-AF65-F5344CB8AC3E}">
-        <p14:creationId xmlns:p14="http://schemas.microsoft.com/office/powerpoint/2010/main" val="2779038171"/>
+        <p14:creationId xmlns:p14="http://schemas.microsoft.com/office/powerpoint/2010/main" val="1875577426"/>
       </p:ext>
     </p:extLst>
   </p:cSld>
@@ -6069,25 +6025,122 @@
           <p:nvPr/>
         </p:nvPicPr>
         <p:blipFill>
-          <a:blip r:embed="rId2"/>
+          <a:blip r:embed="rId2" cstate="print">
+            <a:extLst>
+              <a:ext uri="{28A0092B-C50C-407E-A947-70E740481C1C}">
+                <a14:useLocalDpi xmlns:a14="http://schemas.microsoft.com/office/drawing/2010/main" val="0"/>
+              </a:ext>
+            </a:extLst>
+          </a:blip>
           <a:stretch>
             <a:fillRect/>
           </a:stretch>
         </p:blipFill>
         <p:spPr>
-          <a:xfrm>
-            <a:off x="2133600" y="2657475"/>
-            <a:ext cx="7924800" cy="1543050"/>
+          <a:xfrm flipH="1">
+            <a:off x="1978815" y="3057237"/>
+            <a:ext cx="1018896" cy="1018896"/>
           </a:xfrm>
           <a:prstGeom prst="rect">
             <a:avLst/>
           </a:prstGeom>
         </p:spPr>
       </p:pic>
+      <p:sp>
+        <p:nvSpPr>
+          <p:cNvPr id="7" name="CuadroTexto 6"/>
+          <p:cNvSpPr txBox="1"/>
+          <p:nvPr/>
+        </p:nvSpPr>
+        <p:spPr>
+          <a:xfrm>
+            <a:off x="3135280" y="2589609"/>
+            <a:ext cx="3108607" cy="369332"/>
+          </a:xfrm>
+          <a:prstGeom prst="rect">
+            <a:avLst/>
+          </a:prstGeom>
+          <a:noFill/>
+        </p:spPr>
+        <p:txBody>
+          <a:bodyPr wrap="square" rtlCol="0">
+            <a:spAutoFit/>
+          </a:bodyPr>
+          <a:lstStyle/>
+          <a:p>
+            <a:r>
+              <a:rPr lang="en-US" b="1" dirty="0">
+                <a:solidFill>
+                  <a:schemeClr val="bg1"/>
+                </a:solidFill>
+                <a:ea typeface="Open Sans Extrabold" panose="020B0906030804020204" pitchFamily="34" charset="0"/>
+                <a:cs typeface="Open Sans Extrabold" panose="020B0906030804020204" pitchFamily="34" charset="0"/>
+              </a:rPr>
+              <a:t>Asynchronous Communication</a:t>
+            </a:r>
+            <a:endParaRPr lang="es-MX" b="1" dirty="0">
+              <a:solidFill>
+                <a:schemeClr val="bg1"/>
+              </a:solidFill>
+              <a:ea typeface="Open Sans Extrabold" panose="020B0906030804020204" pitchFamily="34" charset="0"/>
+              <a:cs typeface="Open Sans Extrabold" panose="020B0906030804020204" pitchFamily="34" charset="0"/>
+            </a:endParaRPr>
+          </a:p>
+        </p:txBody>
+      </p:sp>
+      <p:sp>
+        <p:nvSpPr>
+          <p:cNvPr id="8" name="CuadroTexto 7"/>
+          <p:cNvSpPr txBox="1"/>
+          <p:nvPr/>
+        </p:nvSpPr>
+        <p:spPr>
+          <a:xfrm>
+            <a:off x="3107572" y="2792693"/>
+            <a:ext cx="7001241" cy="1477328"/>
+          </a:xfrm>
+          <a:prstGeom prst="rect">
+            <a:avLst/>
+          </a:prstGeom>
+          <a:noFill/>
+        </p:spPr>
+        <p:txBody>
+          <a:bodyPr wrap="square" rtlCol="0">
+            <a:spAutoFit/>
+          </a:bodyPr>
+          <a:lstStyle/>
+          <a:p>
+            <a:r>
+              <a:rPr lang="en-US" sz="3000" b="1" dirty="0" smtClean="0">
+                <a:solidFill>
+                  <a:srgbClr val="FFB88C"/>
+                </a:solidFill>
+                <a:ea typeface="Roboto" panose="02000000000000000000" pitchFamily="2" charset="0"/>
+              </a:rPr>
+              <a:t>We’re on </a:t>
+            </a:r>
+            <a:r>
+              <a:rPr lang="en-US" sz="4500" b="1" dirty="0" smtClean="0">
+                <a:solidFill>
+                  <a:schemeClr val="bg1"/>
+                </a:solidFill>
+                <a:ea typeface="Roboto" panose="02000000000000000000" pitchFamily="2" charset="0"/>
+              </a:rPr>
+              <a:t>the age of delayed responses</a:t>
+            </a:r>
+            <a:endParaRPr lang="es-MX" sz="3000" b="1" dirty="0">
+              <a:solidFill>
+                <a:srgbClr val="FFB88C"/>
+              </a:solidFill>
+              <a:ea typeface="Roboto" panose="02000000000000000000" pitchFamily="2" charset="0"/>
+            </a:endParaRPr>
+          </a:p>
+        </p:txBody>
+      </p:sp>
     </p:spTree>
     <p:extLst>
       <p:ext uri="{BB962C8B-B14F-4D97-AF65-F5344CB8AC3E}">
-        <p14:creationId xmlns:p14="http://schemas.microsoft.com/office/powerpoint/2010/main" val="1875577426"/>
+        <p14:creationId xmlns:p14="http://schemas.microsoft.com/office/powerpoint/2010/main" val="2126910851"/>
       </p:ext>
     </p:extLst>
   </p:cSld>
@@ -6121,9 +6174,100 @@
           <a:chExt cx="0" cy="0"/>
         </a:xfrm>
       </p:grpSpPr>
+      <p:sp>
+        <p:nvSpPr>
+          <p:cNvPr id="10" name="Triángulo isósceles 9"/>
+          <p:cNvSpPr/>
+          <p:nvPr/>
+        </p:nvSpPr>
+        <p:spPr>
+          <a:xfrm flipH="1">
+            <a:off x="-1" y="-24588"/>
+            <a:ext cx="12191999" cy="6882588"/>
+          </a:xfrm>
+          <a:prstGeom prst="triangle">
+            <a:avLst>
+              <a:gd name="adj" fmla="val 100000"/>
+            </a:avLst>
+          </a:prstGeom>
+          <a:solidFill>
+            <a:schemeClr val="bg1"/>
+          </a:solidFill>
+          <a:ln>
+            <a:noFill/>
+          </a:ln>
+        </p:spPr>
+        <p:style>
+          <a:lnRef idx="2">
+            <a:schemeClr val="accent1">
+              <a:shade val="50000"/>
+            </a:schemeClr>
+          </a:lnRef>
+          <a:fillRef idx="1">
+            <a:schemeClr val="accent1"/>
+          </a:fillRef>
+          <a:effectRef idx="0">
+            <a:schemeClr val="accent1"/>
+          </a:effectRef>
+          <a:fontRef idx="minor">
+            <a:schemeClr val="lt1"/>
+          </a:fontRef>
+        </p:style>
+        <p:txBody>
+          <a:bodyPr rtlCol="0" anchor="ctr"/>
+          <a:lstStyle/>
+          <a:p>
+            <a:pPr algn="ctr"/>
+            <a:endParaRPr lang="es-MX"/>
+          </a:p>
+        </p:txBody>
+      </p:sp>
+      <p:sp>
+        <p:nvSpPr>
+          <p:cNvPr id="4" name="CuadroTexto 3"/>
+          <p:cNvSpPr txBox="1"/>
+          <p:nvPr/>
+        </p:nvSpPr>
+        <p:spPr>
+          <a:xfrm>
+            <a:off x="4636656" y="199727"/>
+            <a:ext cx="6511897" cy="784830"/>
+          </a:xfrm>
+          <a:prstGeom prst="rect">
+            <a:avLst/>
+          </a:prstGeom>
+          <a:noFill/>
+        </p:spPr>
+        <p:txBody>
+          <a:bodyPr wrap="square" rtlCol="0">
+            <a:spAutoFit/>
+          </a:bodyPr>
+          <a:lstStyle/>
+          <a:p>
+            <a:pPr algn="r"/>
+            <a:r>
+              <a:rPr lang="en-US" sz="4500" b="1" dirty="0" smtClean="0">
+                <a:solidFill>
+                  <a:schemeClr val="bg1"/>
+                </a:solidFill>
+                <a:ea typeface="Open Sans Extrabold" panose="020B0906030804020204" pitchFamily="34" charset="0"/>
+                <a:cs typeface="Open Sans Extrabold" panose="020B0906030804020204" pitchFamily="34" charset="0"/>
+              </a:rPr>
+              <a:t>Communication Platforms</a:t>
+            </a:r>
+            <a:endParaRPr lang="es-MX" sz="4500" b="1" dirty="0">
+              <a:solidFill>
+                <a:schemeClr val="bg1"/>
+              </a:solidFill>
+              <a:ea typeface="Open Sans Extrabold" panose="020B0906030804020204" pitchFamily="34" charset="0"/>
+              <a:cs typeface="Open Sans Extrabold" panose="020B0906030804020204" pitchFamily="34" charset="0"/>
+            </a:endParaRPr>
+          </a:p>
+        </p:txBody>
+      </p:sp>
       <p:pic>
         <p:nvPicPr>
-          <p:cNvPr id="2" name="Imagen 1"/>
+          <p:cNvPr id="6" name="Imagen 5"/>
           <p:cNvPicPr>
             <a:picLocks noChangeAspect="1"/>
           </p:cNvPicPr>
@@ -6142,110 +6286,179 @@
           </a:stretch>
         </p:blipFill>
         <p:spPr>
-          <a:xfrm flipH="1">
-            <a:off x="1978815" y="3057237"/>
-            <a:ext cx="1018896" cy="1018896"/>
+          <a:xfrm>
+            <a:off x="11435702" y="357296"/>
+            <a:ext cx="469146" cy="469691"/>
           </a:xfrm>
           <a:prstGeom prst="rect">
             <a:avLst/>
           </a:prstGeom>
         </p:spPr>
       </p:pic>
-      <p:sp>
-        <p:nvSpPr>
-          <p:cNvPr id="7" name="CuadroTexto 6"/>
-          <p:cNvSpPr txBox="1"/>
+      <p:pic>
+        <p:nvPicPr>
+          <p:cNvPr id="2050" name="Picture 2" descr="Resultado de imagen para cisco spark png"/>
+          <p:cNvPicPr>
+            <a:picLocks noChangeAspect="1" noChangeArrowheads="1"/>
+          </p:cNvPicPr>
           <p:nvPr/>
-        </p:nvSpPr>
-        <p:spPr>
-          <a:xfrm>
-            <a:off x="3135280" y="2589609"/>
-            <a:ext cx="3108607" cy="369332"/>
+        </p:nvPicPr>
+        <p:blipFill>
+          <a:blip r:embed="rId3" cstate="print">
+            <a:extLst>
+              <a:ext uri="{28A0092B-C50C-407E-A947-70E740481C1C}">
+                <a14:useLocalDpi xmlns:a14="http://schemas.microsoft.com/office/drawing/2010/main" val="0"/>
+              </a:ext>
+            </a:extLst>
+          </a:blip>
+          <a:srcRect/>
+          <a:stretch>
+            <a:fillRect/>
+          </a:stretch>
+        </p:blipFill>
+        <p:spPr bwMode="auto">
+          <a:xfrm>
+            <a:off x="718434" y="2079577"/>
+            <a:ext cx="1093360" cy="521831"/>
           </a:xfrm>
           <a:prstGeom prst="rect">
             <a:avLst/>
           </a:prstGeom>
           <a:noFill/>
-        </p:spPr>
-        <p:txBody>
-          <a:bodyPr wrap="square" rtlCol="0">
-            <a:spAutoFit/>
-          </a:bodyPr>
-          <a:lstStyle/>
-          <a:p>
-            <a:r>
-              <a:rPr lang="en-US" b="1" dirty="0">
-                <a:solidFill>
-                  <a:schemeClr val="bg1"/>
-                </a:solidFill>
-                <a:ea typeface="Open Sans Extrabold" panose="020B0906030804020204" pitchFamily="34" charset="0"/>
-                <a:cs typeface="Open Sans Extrabold" panose="020B0906030804020204" pitchFamily="34" charset="0"/>
-              </a:rPr>
-              <a:t>Asynchronous Communication</a:t>
-            </a:r>
-            <a:endParaRPr lang="es-MX" b="1" dirty="0">
-              <a:solidFill>
-                <a:schemeClr val="bg1"/>
-              </a:solidFill>
-              <a:ea typeface="Open Sans Extrabold" panose="020B0906030804020204" pitchFamily="34" charset="0"/>
-              <a:cs typeface="Open Sans Extrabold" panose="020B0906030804020204" pitchFamily="34" charset="0"/>
-            </a:endParaRPr>
-          </a:p>
-        </p:txBody>
-      </p:sp>
-      <p:sp>
-        <p:nvSpPr>
-          <p:cNvPr id="8" name="CuadroTexto 7"/>
-          <p:cNvSpPr txBox="1"/>
+          <a:extLst>
+            <a:ext uri="{909E8E84-426E-40DD-AFC4-6F175D3DCCD1}">
+              <a14:hiddenFill xmlns:a14="http://schemas.microsoft.com/office/drawing/2010/main">
+                <a:solidFill>
+                  <a:srgbClr val="FFFFFF"/>
+                </a:solidFill>
+              </a14:hiddenFill>
+            </a:ext>
+          </a:extLst>
+        </p:spPr>
+      </p:pic>
+      <p:pic>
+        <p:nvPicPr>
+          <p:cNvPr id="2052" name="Picture 4" descr="Resultado de imagen para google hangouts png"/>
+          <p:cNvPicPr>
+            <a:picLocks noChangeAspect="1" noChangeArrowheads="1"/>
+          </p:cNvPicPr>
           <p:nvPr/>
-        </p:nvSpPr>
-        <p:spPr>
-          <a:xfrm>
-            <a:off x="3107572" y="2792693"/>
-            <a:ext cx="7001241" cy="1477328"/>
+        </p:nvPicPr>
+        <p:blipFill rotWithShape="1">
+          <a:blip r:embed="rId4" cstate="print">
+            <a:extLst>
+              <a:ext uri="{28A0092B-C50C-407E-A947-70E740481C1C}">
+                <a14:useLocalDpi xmlns:a14="http://schemas.microsoft.com/office/drawing/2010/main" val="0"/>
+              </a:ext>
+            </a:extLst>
+          </a:blip>
+          <a:srcRect l="8500" t="27774" r="8193" b="27527"/>
+          <a:stretch/>
+        </p:blipFill>
+        <p:spPr bwMode="auto">
+          <a:xfrm>
+            <a:off x="2431446" y="3660363"/>
+            <a:ext cx="3087500" cy="521831"/>
           </a:xfrm>
           <a:prstGeom prst="rect">
             <a:avLst/>
           </a:prstGeom>
           <a:noFill/>
-        </p:spPr>
-        <p:txBody>
-          <a:bodyPr wrap="square" rtlCol="0">
-            <a:spAutoFit/>
-          </a:bodyPr>
-          <a:lstStyle/>
-          <a:p>
-            <a:r>
-              <a:rPr lang="en-US" sz="3000" b="1" dirty="0" smtClean="0">
-                <a:solidFill>
-                  <a:srgbClr val="FFB88C"/>
-                </a:solidFill>
-                <a:ea typeface="Roboto" panose="02000000000000000000" pitchFamily="2" charset="0"/>
-              </a:rPr>
-              <a:t>We’re on </a:t>
-            </a:r>
-            <a:r>
-              <a:rPr lang="en-US" sz="4500" b="1" dirty="0" smtClean="0">
-                <a:solidFill>
-                  <a:schemeClr val="bg1"/>
-                </a:solidFill>
-                <a:ea typeface="Roboto" panose="02000000000000000000" pitchFamily="2" charset="0"/>
-              </a:rPr>
-              <a:t>the age of delayed responses</a:t>
-            </a:r>
-            <a:endParaRPr lang="es-MX" sz="3000" b="1" dirty="0">
-              <a:solidFill>
-                <a:srgbClr val="FFB88C"/>
-              </a:solidFill>
-              <a:ea typeface="Roboto" panose="02000000000000000000" pitchFamily="2" charset="0"/>
-            </a:endParaRPr>
-          </a:p>
-        </p:txBody>
-      </p:sp>
+          <a:extLst>
+            <a:ext uri="{909E8E84-426E-40DD-AFC4-6F175D3DCCD1}">
+              <a14:hiddenFill xmlns:a14="http://schemas.microsoft.com/office/drawing/2010/main">
+                <a:solidFill>
+                  <a:srgbClr val="FFFFFF"/>
+                </a:solidFill>
+              </a14:hiddenFill>
+            </a:ext>
+          </a:extLst>
+        </p:spPr>
+      </p:pic>
+      <p:pic>
+        <p:nvPicPr>
+          <p:cNvPr id="2056" name="Picture 8" descr="Resultado de imagen para fuze app png"/>
+          <p:cNvPicPr>
+            <a:picLocks noChangeAspect="1" noChangeArrowheads="1"/>
+          </p:cNvPicPr>
+          <p:nvPr/>
+        </p:nvPicPr>
+        <p:blipFill rotWithShape="1">
+          <a:blip r:embed="rId5" cstate="print">
+            <a:extLst>
+              <a:ext uri="{28A0092B-C50C-407E-A947-70E740481C1C}">
+                <a14:useLocalDpi xmlns:a14="http://schemas.microsoft.com/office/drawing/2010/main" val="0"/>
+              </a:ext>
+            </a:extLst>
+          </a:blip>
+          <a:srcRect l="6197" t="18840" r="6200" b="24139"/>
+          <a:stretch/>
+        </p:blipFill>
+        <p:spPr bwMode="auto">
+          <a:xfrm>
+            <a:off x="395161" y="5167290"/>
+            <a:ext cx="1527045" cy="521831"/>
+          </a:xfrm>
+          <a:prstGeom prst="rect">
+            <a:avLst/>
+          </a:prstGeom>
+          <a:noFill/>
+          <a:extLst>
+            <a:ext uri="{909E8E84-426E-40DD-AFC4-6F175D3DCCD1}">
+              <a14:hiddenFill xmlns:a14="http://schemas.microsoft.com/office/drawing/2010/main">
+                <a:solidFill>
+                  <a:srgbClr val="FFFFFF"/>
+                </a:solidFill>
+              </a14:hiddenFill>
+            </a:ext>
+          </a:extLst>
+        </p:spPr>
+      </p:pic>
+      <p:pic>
+        <p:nvPicPr>
+          <p:cNvPr id="2058" name="Picture 10" descr="Resultado de imagen para slack logo png"/>
+          <p:cNvPicPr>
+            <a:picLocks noChangeAspect="1" noChangeArrowheads="1"/>
+          </p:cNvPicPr>
+          <p:nvPr/>
+        </p:nvPicPr>
+        <p:blipFill>
+          <a:blip r:embed="rId6" cstate="print">
+            <a:extLst>
+              <a:ext uri="{28A0092B-C50C-407E-A947-70E740481C1C}">
+                <a14:useLocalDpi xmlns:a14="http://schemas.microsoft.com/office/drawing/2010/main" val="0"/>
+              </a:ext>
+            </a:extLst>
+          </a:blip>
+          <a:srcRect/>
+          <a:stretch>
+            <a:fillRect/>
+          </a:stretch>
+        </p:blipFill>
+        <p:spPr bwMode="auto">
+          <a:xfrm>
+            <a:off x="5775970" y="5496887"/>
+            <a:ext cx="1818226" cy="521831"/>
+          </a:xfrm>
+          <a:prstGeom prst="rect">
+            <a:avLst/>
+          </a:prstGeom>
+          <a:noFill/>
+          <a:extLst>
+            <a:ext uri="{909E8E84-426E-40DD-AFC4-6F175D3DCCD1}">
+              <a14:hiddenFill xmlns:a14="http://schemas.microsoft.com/office/drawing/2010/main">
+                <a:solidFill>
+                  <a:srgbClr val="FFFFFF"/>
+                </a:solidFill>
+              </a14:hiddenFill>
+            </a:ext>
+          </a:extLst>
+        </p:spPr>
+      </p:pic>
     </p:spTree>
     <p:extLst>
       <p:ext uri="{BB962C8B-B14F-4D97-AF65-F5344CB8AC3E}">
-        <p14:creationId xmlns:p14="http://schemas.microsoft.com/office/powerpoint/2010/main" val="2126910851"/>
+        <p14:creationId xmlns:p14="http://schemas.microsoft.com/office/powerpoint/2010/main" val="2054387834"/>
       </p:ext>
     </p:extLst>
   </p:cSld>
@@ -6281,14 +6494,14 @@
       </p:grpSpPr>
       <p:sp>
         <p:nvSpPr>
-          <p:cNvPr id="10" name="Triángulo isósceles 9"/>
+          <p:cNvPr id="3" name="Triángulo isósceles 2"/>
           <p:cNvSpPr/>
           <p:nvPr/>
         </p:nvSpPr>
         <p:spPr>
-          <a:xfrm flipH="1">
-            <a:off x="-1" y="-24588"/>
-            <a:ext cx="12191999" cy="6882588"/>
+          <a:xfrm>
+            <a:off x="1" y="-24588"/>
+            <a:ext cx="12179734" cy="6882588"/>
           </a:xfrm>
           <a:prstGeom prst="triangle">
             <a:avLst>
@@ -6329,14 +6542,14 @@
       </p:sp>
       <p:sp>
         <p:nvSpPr>
-          <p:cNvPr id="4" name="CuadroTexto 3"/>
+          <p:cNvPr id="2" name="CuadroTexto 1"/>
           <p:cNvSpPr txBox="1"/>
           <p:nvPr/>
         </p:nvSpPr>
         <p:spPr>
           <a:xfrm>
-            <a:off x="4636656" y="199727"/>
-            <a:ext cx="6511897" cy="784830"/>
+            <a:off x="767751" y="483079"/>
+            <a:ext cx="4451230" cy="1061049"/>
           </a:xfrm>
           <a:prstGeom prst="rect">
             <a:avLst/>
@@ -6349,7 +6562,32 @@
           </a:bodyPr>
           <a:lstStyle/>
           <a:p>
-            <a:pPr algn="r"/>
+            <a:endParaRPr lang="es-MX" dirty="0"/>
+          </a:p>
+        </p:txBody>
+      </p:sp>
+      <p:sp>
+        <p:nvSpPr>
+          <p:cNvPr id="4" name="CuadroTexto 3"/>
+          <p:cNvSpPr txBox="1"/>
+          <p:nvPr/>
+        </p:nvSpPr>
+        <p:spPr>
+          <a:xfrm>
+            <a:off x="844557" y="199727"/>
+            <a:ext cx="10516431" cy="784830"/>
+          </a:xfrm>
+          <a:prstGeom prst="rect">
+            <a:avLst/>
+          </a:prstGeom>
+          <a:noFill/>
+        </p:spPr>
+        <p:txBody>
+          <a:bodyPr wrap="square" rtlCol="0">
+            <a:spAutoFit/>
+          </a:bodyPr>
+          <a:lstStyle/>
+          <a:p>
             <a:r>
               <a:rPr lang="en-US" sz="4500" b="1" dirty="0" smtClean="0">
                 <a:solidFill>
@@ -6358,7 +6596,7 @@
                 <a:ea typeface="Open Sans Extrabold" panose="020B0906030804020204" pitchFamily="34" charset="0"/>
                 <a:cs typeface="Open Sans Extrabold" panose="020B0906030804020204" pitchFamily="34" charset="0"/>
               </a:rPr>
-              <a:t>Communication Platforms</a:t>
+              <a:t>Collaboration tools</a:t>
             </a:r>
             <a:endParaRPr lang="es-MX" sz="4500" b="1" dirty="0">
               <a:solidFill>
@@ -6372,7 +6610,7 @@
       </p:sp>
       <p:pic>
         <p:nvPicPr>
-          <p:cNvPr id="6" name="Imagen 5"/>
+          <p:cNvPr id="7" name="Imagen 6"/>
           <p:cNvPicPr>
             <a:picLocks noChangeAspect="1"/>
           </p:cNvPicPr>
@@ -6392,8 +6630,8 @@
         </p:blipFill>
         <p:spPr>
           <a:xfrm>
-            <a:off x="11435702" y="357296"/>
-            <a:ext cx="469146" cy="469691"/>
+            <a:off x="335719" y="355444"/>
+            <a:ext cx="471147" cy="471543"/>
           </a:xfrm>
           <a:prstGeom prst="rect">
             <a:avLst/>
@@ -6402,9 +6640,9 @@
       </p:pic>
       <p:pic>
         <p:nvPicPr>
-          <p:cNvPr id="2050" name="Picture 2" descr="Resultado de imagen para cisco spark png"/>
+          <p:cNvPr id="14" name="Imagen 13"/>
           <p:cNvPicPr>
-            <a:picLocks noChangeAspect="1" noChangeArrowheads="1"/>
+            <a:picLocks noChangeAspect="1"/>
           </p:cNvPicPr>
           <p:nvPr/>
         </p:nvPicPr>
@@ -6416,40 +6654,29 @@
               </a:ext>
             </a:extLst>
           </a:blip>
-          <a:srcRect/>
           <a:stretch>
             <a:fillRect/>
           </a:stretch>
         </p:blipFill>
-        <p:spPr bwMode="auto">
-          <a:xfrm>
-            <a:off x="718434" y="2079577"/>
-            <a:ext cx="1093360" cy="521831"/>
+        <p:spPr>
+          <a:xfrm>
+            <a:off x="6578871" y="5815253"/>
+            <a:ext cx="2448751" cy="320770"/>
           </a:xfrm>
           <a:prstGeom prst="rect">
             <a:avLst/>
           </a:prstGeom>
-          <a:noFill/>
-          <a:extLst>
-            <a:ext uri="{909E8E84-426E-40DD-AFC4-6F175D3DCCD1}">
-              <a14:hiddenFill xmlns:a14="http://schemas.microsoft.com/office/drawing/2010/main">
-                <a:solidFill>
-                  <a:srgbClr val="FFFFFF"/>
-                </a:solidFill>
-              </a14:hiddenFill>
-            </a:ext>
-          </a:extLst>
         </p:spPr>
       </p:pic>
       <p:pic>
         <p:nvPicPr>
-          <p:cNvPr id="2052" name="Picture 4" descr="Resultado de imagen para google hangouts png"/>
+          <p:cNvPr id="16" name="Imagen 15"/>
           <p:cNvPicPr>
-            <a:picLocks noChangeAspect="1" noChangeArrowheads="1"/>
+            <a:picLocks noChangeAspect="1"/>
           </p:cNvPicPr>
           <p:nvPr/>
         </p:nvPicPr>
-        <p:blipFill rotWithShape="1">
+        <p:blipFill>
           <a:blip r:embed="rId4" cstate="print">
             <a:extLst>
               <a:ext uri="{28A0092B-C50C-407E-A947-70E740481C1C}">
@@ -6457,38 +6684,29 @@
               </a:ext>
             </a:extLst>
           </a:blip>
-          <a:srcRect l="8500" t="27774" r="8193" b="27527"/>
-          <a:stretch/>
+          <a:stretch>
+            <a:fillRect/>
+          </a:stretch>
         </p:blipFill>
-        <p:spPr bwMode="auto">
-          <a:xfrm>
-            <a:off x="2431446" y="3660363"/>
-            <a:ext cx="3087500" cy="521831"/>
+        <p:spPr>
+          <a:xfrm>
+            <a:off x="10238293" y="1951221"/>
+            <a:ext cx="1122695" cy="320770"/>
           </a:xfrm>
           <a:prstGeom prst="rect">
             <a:avLst/>
           </a:prstGeom>
-          <a:noFill/>
-          <a:extLst>
-            <a:ext uri="{909E8E84-426E-40DD-AFC4-6F175D3DCCD1}">
-              <a14:hiddenFill xmlns:a14="http://schemas.microsoft.com/office/drawing/2010/main">
-                <a:solidFill>
-                  <a:srgbClr val="FFFFFF"/>
-                </a:solidFill>
-              </a14:hiddenFill>
-            </a:ext>
-          </a:extLst>
         </p:spPr>
       </p:pic>
       <p:pic>
         <p:nvPicPr>
-          <p:cNvPr id="2056" name="Picture 8" descr="Resultado de imagen para fuze app png"/>
+          <p:cNvPr id="17" name="Imagen 16"/>
           <p:cNvPicPr>
-            <a:picLocks noChangeAspect="1" noChangeArrowheads="1"/>
+            <a:picLocks noChangeAspect="1"/>
           </p:cNvPicPr>
           <p:nvPr/>
         </p:nvPicPr>
-        <p:blipFill rotWithShape="1">
+        <p:blipFill>
           <a:blip r:embed="rId5" cstate="print">
             <a:extLst>
               <a:ext uri="{28A0092B-C50C-407E-A947-70E740481C1C}">
@@ -6496,32 +6714,23 @@
               </a:ext>
             </a:extLst>
           </a:blip>
-          <a:srcRect l="6197" t="18840" r="6200" b="24139"/>
-          <a:stretch/>
+          <a:stretch>
+            <a:fillRect/>
+          </a:stretch>
         </p:blipFill>
-        <p:spPr bwMode="auto">
-          <a:xfrm>
-            <a:off x="395161" y="5167290"/>
-            <a:ext cx="1527045" cy="521831"/>
+        <p:spPr>
+          <a:xfrm>
+            <a:off x="2480101" y="6281558"/>
+            <a:ext cx="1634561" cy="320770"/>
           </a:xfrm>
           <a:prstGeom prst="rect">
             <a:avLst/>
           </a:prstGeom>
-          <a:noFill/>
-          <a:extLst>
-            <a:ext uri="{909E8E84-426E-40DD-AFC4-6F175D3DCCD1}">
-              <a14:hiddenFill xmlns:a14="http://schemas.microsoft.com/office/drawing/2010/main">
-                <a:solidFill>
-                  <a:srgbClr val="FFFFFF"/>
-                </a:solidFill>
-              </a14:hiddenFill>
-            </a:ext>
-          </a:extLst>
         </p:spPr>
       </p:pic>
       <p:pic>
         <p:nvPicPr>
-          <p:cNvPr id="2058" name="Picture 10" descr="Resultado de imagen para slack logo png"/>
+          <p:cNvPr id="1026" name="Picture 2" descr="Resultado de imagen para airtable png"/>
           <p:cNvPicPr>
             <a:picLocks noChangeAspect="1" noChangeArrowheads="1"/>
           </p:cNvPicPr>
@@ -6542,8 +6751,8 @@
         </p:blipFill>
         <p:spPr bwMode="auto">
           <a:xfrm>
-            <a:off x="5775970" y="5496887"/>
-            <a:ext cx="1818226" cy="521831"/>
+            <a:off x="4482077" y="5150471"/>
+            <a:ext cx="1473808" cy="320770"/>
           </a:xfrm>
           <a:prstGeom prst="rect">
             <a:avLst/>
@@ -6560,10 +6769,133 @@
           </a:extLst>
         </p:spPr>
       </p:pic>
+      <p:pic>
+        <p:nvPicPr>
+          <p:cNvPr id="1028" name="Picture 4" descr="Resultado de imagen para taiga software png"/>
+          <p:cNvPicPr>
+            <a:picLocks noChangeAspect="1" noChangeArrowheads="1"/>
+          </p:cNvPicPr>
+          <p:nvPr/>
+        </p:nvPicPr>
+        <p:blipFill>
+          <a:blip r:embed="rId7" cstate="print">
+            <a:extLst>
+              <a:ext uri="{28A0092B-C50C-407E-A947-70E740481C1C}">
+                <a14:useLocalDpi xmlns:a14="http://schemas.microsoft.com/office/drawing/2010/main" val="0"/>
+              </a:ext>
+            </a:extLst>
+          </a:blip>
+          <a:srcRect/>
+          <a:stretch>
+            <a:fillRect/>
+          </a:stretch>
+        </p:blipFill>
+        <p:spPr bwMode="auto">
+          <a:xfrm>
+            <a:off x="10275182" y="5778544"/>
+            <a:ext cx="1085806" cy="320770"/>
+          </a:xfrm>
+          <a:prstGeom prst="rect">
+            <a:avLst/>
+          </a:prstGeom>
+          <a:noFill/>
+          <a:extLst>
+            <a:ext uri="{909E8E84-426E-40DD-AFC4-6F175D3DCCD1}">
+              <a14:hiddenFill xmlns:a14="http://schemas.microsoft.com/office/drawing/2010/main">
+                <a:solidFill>
+                  <a:srgbClr val="FFFFFF"/>
+                </a:solidFill>
+              </a14:hiddenFill>
+            </a:ext>
+          </a:extLst>
+        </p:spPr>
+      </p:pic>
+      <p:pic>
+        <p:nvPicPr>
+          <p:cNvPr id="1032" name="Picture 8" descr="Resultado de imagen para scoro png"/>
+          <p:cNvPicPr>
+            <a:picLocks noChangeAspect="1" noChangeArrowheads="1"/>
+          </p:cNvPicPr>
+          <p:nvPr/>
+        </p:nvPicPr>
+        <p:blipFill>
+          <a:blip r:embed="rId8" cstate="print">
+            <a:extLst>
+              <a:ext uri="{28A0092B-C50C-407E-A947-70E740481C1C}">
+                <a14:useLocalDpi xmlns:a14="http://schemas.microsoft.com/office/drawing/2010/main" val="0"/>
+              </a:ext>
+            </a:extLst>
+          </a:blip>
+          <a:srcRect/>
+          <a:stretch>
+            <a:fillRect/>
+          </a:stretch>
+        </p:blipFill>
+        <p:spPr bwMode="auto">
+          <a:xfrm>
+            <a:off x="7257983" y="3816283"/>
+            <a:ext cx="1090525" cy="322968"/>
+          </a:xfrm>
+          <a:prstGeom prst="rect">
+            <a:avLst/>
+          </a:prstGeom>
+          <a:noFill/>
+          <a:extLst>
+            <a:ext uri="{909E8E84-426E-40DD-AFC4-6F175D3DCCD1}">
+              <a14:hiddenFill xmlns:a14="http://schemas.microsoft.com/office/drawing/2010/main">
+                <a:solidFill>
+                  <a:srgbClr val="FFFFFF"/>
+                </a:solidFill>
+              </a14:hiddenFill>
+            </a:ext>
+          </a:extLst>
+        </p:spPr>
+      </p:pic>
+      <p:pic>
+        <p:nvPicPr>
+          <p:cNvPr id="1034" name="Picture 10" descr="Resultado de imagen para wrike png"/>
+          <p:cNvPicPr>
+            <a:picLocks noChangeAspect="1" noChangeArrowheads="1"/>
+          </p:cNvPicPr>
+          <p:nvPr/>
+        </p:nvPicPr>
+        <p:blipFill>
+          <a:blip r:embed="rId9" cstate="print">
+            <a:extLst>
+              <a:ext uri="{28A0092B-C50C-407E-A947-70E740481C1C}">
+                <a14:useLocalDpi xmlns:a14="http://schemas.microsoft.com/office/drawing/2010/main" val="0"/>
+              </a:ext>
+            </a:extLst>
+          </a:blip>
+          <a:srcRect/>
+          <a:stretch>
+            <a:fillRect/>
+          </a:stretch>
+        </p:blipFill>
+        <p:spPr bwMode="auto">
+          <a:xfrm>
+            <a:off x="10079657" y="3257390"/>
+            <a:ext cx="969337" cy="318631"/>
+          </a:xfrm>
+          <a:prstGeom prst="rect">
+            <a:avLst/>
+          </a:prstGeom>
+          <a:noFill/>
+          <a:extLst>
+            <a:ext uri="{909E8E84-426E-40DD-AFC4-6F175D3DCCD1}">
+              <a14:hiddenFill xmlns:a14="http://schemas.microsoft.com/office/drawing/2010/main">
+                <a:solidFill>
+                  <a:srgbClr val="FFFFFF"/>
+                </a:solidFill>
+              </a14:hiddenFill>
+            </a:ext>
+          </a:extLst>
+        </p:spPr>
+      </p:pic>
     </p:spTree>
     <p:extLst>
       <p:ext uri="{BB962C8B-B14F-4D97-AF65-F5344CB8AC3E}">
-        <p14:creationId xmlns:p14="http://schemas.microsoft.com/office/powerpoint/2010/main" val="2054387834"/>
+        <p14:creationId xmlns:p14="http://schemas.microsoft.com/office/powerpoint/2010/main" val="1111539834"/>
       </p:ext>
     </p:extLst>
   </p:cSld>
@@ -6599,443 +6931,6 @@
       </p:grpSpPr>
       <p:sp>
         <p:nvSpPr>
-          <p:cNvPr id="3" name="Triángulo isósceles 2"/>
-          <p:cNvSpPr/>
-          <p:nvPr/>
-        </p:nvSpPr>
-        <p:spPr>
-          <a:xfrm>
-            <a:off x="1" y="-24588"/>
-            <a:ext cx="12179734" cy="6882588"/>
-          </a:xfrm>
-          <a:prstGeom prst="triangle">
-            <a:avLst>
-              <a:gd name="adj" fmla="val 100000"/>
-            </a:avLst>
-          </a:prstGeom>
-          <a:solidFill>
-            <a:schemeClr val="bg1"/>
-          </a:solidFill>
-          <a:ln>
-            <a:noFill/>
-          </a:ln>
-        </p:spPr>
-        <p:style>
-          <a:lnRef idx="2">
-            <a:schemeClr val="accent1">
-              <a:shade val="50000"/>
-            </a:schemeClr>
-          </a:lnRef>
-          <a:fillRef idx="1">
-            <a:schemeClr val="accent1"/>
-          </a:fillRef>
-          <a:effectRef idx="0">
-            <a:schemeClr val="accent1"/>
-          </a:effectRef>
-          <a:fontRef idx="minor">
-            <a:schemeClr val="lt1"/>
-          </a:fontRef>
-        </p:style>
-        <p:txBody>
-          <a:bodyPr rtlCol="0" anchor="ctr"/>
-          <a:lstStyle/>
-          <a:p>
-            <a:pPr algn="ctr"/>
-            <a:endParaRPr lang="es-MX"/>
-          </a:p>
-        </p:txBody>
-      </p:sp>
-      <p:sp>
-        <p:nvSpPr>
-          <p:cNvPr id="2" name="CuadroTexto 1"/>
-          <p:cNvSpPr txBox="1"/>
-          <p:nvPr/>
-        </p:nvSpPr>
-        <p:spPr>
-          <a:xfrm>
-            <a:off x="767751" y="483079"/>
-            <a:ext cx="4451230" cy="1061049"/>
-          </a:xfrm>
-          <a:prstGeom prst="rect">
-            <a:avLst/>
-          </a:prstGeom>
-          <a:noFill/>
-        </p:spPr>
-        <p:txBody>
-          <a:bodyPr wrap="square" rtlCol="0">
-            <a:spAutoFit/>
-          </a:bodyPr>
-          <a:lstStyle/>
-          <a:p>
-            <a:endParaRPr lang="es-MX" dirty="0"/>
-          </a:p>
-        </p:txBody>
-      </p:sp>
-      <p:sp>
-        <p:nvSpPr>
-          <p:cNvPr id="4" name="CuadroTexto 3"/>
-          <p:cNvSpPr txBox="1"/>
-          <p:nvPr/>
-        </p:nvSpPr>
-        <p:spPr>
-          <a:xfrm>
-            <a:off x="844557" y="199727"/>
-            <a:ext cx="10516431" cy="784830"/>
-          </a:xfrm>
-          <a:prstGeom prst="rect">
-            <a:avLst/>
-          </a:prstGeom>
-          <a:noFill/>
-        </p:spPr>
-        <p:txBody>
-          <a:bodyPr wrap="square" rtlCol="0">
-            <a:spAutoFit/>
-          </a:bodyPr>
-          <a:lstStyle/>
-          <a:p>
-            <a:r>
-              <a:rPr lang="en-US" sz="4500" b="1" dirty="0" smtClean="0">
-                <a:solidFill>
-                  <a:schemeClr val="bg1"/>
-                </a:solidFill>
-                <a:ea typeface="Open Sans Extrabold" panose="020B0906030804020204" pitchFamily="34" charset="0"/>
-                <a:cs typeface="Open Sans Extrabold" panose="020B0906030804020204" pitchFamily="34" charset="0"/>
-              </a:rPr>
-              <a:t>Collaboration tools</a:t>
-            </a:r>
-            <a:endParaRPr lang="es-MX" sz="4500" b="1" dirty="0">
-              <a:solidFill>
-                <a:schemeClr val="bg1"/>
-              </a:solidFill>
-              <a:ea typeface="Open Sans Extrabold" panose="020B0906030804020204" pitchFamily="34" charset="0"/>
-              <a:cs typeface="Open Sans Extrabold" panose="020B0906030804020204" pitchFamily="34" charset="0"/>
-            </a:endParaRPr>
-          </a:p>
-        </p:txBody>
-      </p:sp>
-      <p:pic>
-        <p:nvPicPr>
-          <p:cNvPr id="7" name="Imagen 6"/>
-          <p:cNvPicPr>
-            <a:picLocks noChangeAspect="1"/>
-          </p:cNvPicPr>
-          <p:nvPr/>
-        </p:nvPicPr>
-        <p:blipFill>
-          <a:blip r:embed="rId2" cstate="print">
-            <a:extLst>
-              <a:ext uri="{28A0092B-C50C-407E-A947-70E740481C1C}">
-                <a14:useLocalDpi xmlns:a14="http://schemas.microsoft.com/office/drawing/2010/main" val="0"/>
-              </a:ext>
-            </a:extLst>
-          </a:blip>
-          <a:stretch>
-            <a:fillRect/>
-          </a:stretch>
-        </p:blipFill>
-        <p:spPr>
-          <a:xfrm>
-            <a:off x="335719" y="355444"/>
-            <a:ext cx="471147" cy="471543"/>
-          </a:xfrm>
-          <a:prstGeom prst="rect">
-            <a:avLst/>
-          </a:prstGeom>
-        </p:spPr>
-      </p:pic>
-      <p:pic>
-        <p:nvPicPr>
-          <p:cNvPr id="14" name="Imagen 13"/>
-          <p:cNvPicPr>
-            <a:picLocks noChangeAspect="1"/>
-          </p:cNvPicPr>
-          <p:nvPr/>
-        </p:nvPicPr>
-        <p:blipFill>
-          <a:blip r:embed="rId3" cstate="print">
-            <a:extLst>
-              <a:ext uri="{28A0092B-C50C-407E-A947-70E740481C1C}">
-                <a14:useLocalDpi xmlns:a14="http://schemas.microsoft.com/office/drawing/2010/main" val="0"/>
-              </a:ext>
-            </a:extLst>
-          </a:blip>
-          <a:stretch>
-            <a:fillRect/>
-          </a:stretch>
-        </p:blipFill>
-        <p:spPr>
-          <a:xfrm>
-            <a:off x="6578871" y="5815253"/>
-            <a:ext cx="2448751" cy="320770"/>
-          </a:xfrm>
-          <a:prstGeom prst="rect">
-            <a:avLst/>
-          </a:prstGeom>
-        </p:spPr>
-      </p:pic>
-      <p:pic>
-        <p:nvPicPr>
-          <p:cNvPr id="16" name="Imagen 15"/>
-          <p:cNvPicPr>
-            <a:picLocks noChangeAspect="1"/>
-          </p:cNvPicPr>
-          <p:nvPr/>
-        </p:nvPicPr>
-        <p:blipFill>
-          <a:blip r:embed="rId4" cstate="print">
-            <a:extLst>
-              <a:ext uri="{28A0092B-C50C-407E-A947-70E740481C1C}">
-                <a14:useLocalDpi xmlns:a14="http://schemas.microsoft.com/office/drawing/2010/main" val="0"/>
-              </a:ext>
-            </a:extLst>
-          </a:blip>
-          <a:stretch>
-            <a:fillRect/>
-          </a:stretch>
-        </p:blipFill>
-        <p:spPr>
-          <a:xfrm>
-            <a:off x="10238293" y="1951221"/>
-            <a:ext cx="1122695" cy="320770"/>
-          </a:xfrm>
-          <a:prstGeom prst="rect">
-            <a:avLst/>
-          </a:prstGeom>
-        </p:spPr>
-      </p:pic>
-      <p:pic>
-        <p:nvPicPr>
-          <p:cNvPr id="17" name="Imagen 16"/>
-          <p:cNvPicPr>
-            <a:picLocks noChangeAspect="1"/>
-          </p:cNvPicPr>
-          <p:nvPr/>
-        </p:nvPicPr>
-        <p:blipFill>
-          <a:blip r:embed="rId5" cstate="print">
-            <a:extLst>
-              <a:ext uri="{28A0092B-C50C-407E-A947-70E740481C1C}">
-                <a14:useLocalDpi xmlns:a14="http://schemas.microsoft.com/office/drawing/2010/main" val="0"/>
-              </a:ext>
-            </a:extLst>
-          </a:blip>
-          <a:stretch>
-            <a:fillRect/>
-          </a:stretch>
-        </p:blipFill>
-        <p:spPr>
-          <a:xfrm>
-            <a:off x="2480101" y="6281558"/>
-            <a:ext cx="1634561" cy="320770"/>
-          </a:xfrm>
-          <a:prstGeom prst="rect">
-            <a:avLst/>
-          </a:prstGeom>
-        </p:spPr>
-      </p:pic>
-      <p:pic>
-        <p:nvPicPr>
-          <p:cNvPr id="1026" name="Picture 2" descr="Resultado de imagen para airtable png"/>
-          <p:cNvPicPr>
-            <a:picLocks noChangeAspect="1" noChangeArrowheads="1"/>
-          </p:cNvPicPr>
-          <p:nvPr/>
-        </p:nvPicPr>
-        <p:blipFill>
-          <a:blip r:embed="rId6" cstate="print">
-            <a:extLst>
-              <a:ext uri="{28A0092B-C50C-407E-A947-70E740481C1C}">
-                <a14:useLocalDpi xmlns:a14="http://schemas.microsoft.com/office/drawing/2010/main" val="0"/>
-              </a:ext>
-            </a:extLst>
-          </a:blip>
-          <a:srcRect/>
-          <a:stretch>
-            <a:fillRect/>
-          </a:stretch>
-        </p:blipFill>
-        <p:spPr bwMode="auto">
-          <a:xfrm>
-            <a:off x="4482077" y="5150471"/>
-            <a:ext cx="1473808" cy="320770"/>
-          </a:xfrm>
-          <a:prstGeom prst="rect">
-            <a:avLst/>
-          </a:prstGeom>
-          <a:noFill/>
-          <a:extLst>
-            <a:ext uri="{909E8E84-426E-40DD-AFC4-6F175D3DCCD1}">
-              <a14:hiddenFill xmlns:a14="http://schemas.microsoft.com/office/drawing/2010/main">
-                <a:solidFill>
-                  <a:srgbClr val="FFFFFF"/>
-                </a:solidFill>
-              </a14:hiddenFill>
-            </a:ext>
-          </a:extLst>
-        </p:spPr>
-      </p:pic>
-      <p:pic>
-        <p:nvPicPr>
-          <p:cNvPr id="1028" name="Picture 4" descr="Resultado de imagen para taiga software png"/>
-          <p:cNvPicPr>
-            <a:picLocks noChangeAspect="1" noChangeArrowheads="1"/>
-          </p:cNvPicPr>
-          <p:nvPr/>
-        </p:nvPicPr>
-        <p:blipFill>
-          <a:blip r:embed="rId7" cstate="print">
-            <a:extLst>
-              <a:ext uri="{28A0092B-C50C-407E-A947-70E740481C1C}">
-                <a14:useLocalDpi xmlns:a14="http://schemas.microsoft.com/office/drawing/2010/main" val="0"/>
-              </a:ext>
-            </a:extLst>
-          </a:blip>
-          <a:srcRect/>
-          <a:stretch>
-            <a:fillRect/>
-          </a:stretch>
-        </p:blipFill>
-        <p:spPr bwMode="auto">
-          <a:xfrm>
-            <a:off x="10275182" y="5778544"/>
-            <a:ext cx="1085806" cy="320770"/>
-          </a:xfrm>
-          <a:prstGeom prst="rect">
-            <a:avLst/>
-          </a:prstGeom>
-          <a:noFill/>
-          <a:extLst>
-            <a:ext uri="{909E8E84-426E-40DD-AFC4-6F175D3DCCD1}">
-              <a14:hiddenFill xmlns:a14="http://schemas.microsoft.com/office/drawing/2010/main">
-                <a:solidFill>
-                  <a:srgbClr val="FFFFFF"/>
-                </a:solidFill>
-              </a14:hiddenFill>
-            </a:ext>
-          </a:extLst>
-        </p:spPr>
-      </p:pic>
-      <p:pic>
-        <p:nvPicPr>
-          <p:cNvPr id="1032" name="Picture 8" descr="Resultado de imagen para scoro png"/>
-          <p:cNvPicPr>
-            <a:picLocks noChangeAspect="1" noChangeArrowheads="1"/>
-          </p:cNvPicPr>
-          <p:nvPr/>
-        </p:nvPicPr>
-        <p:blipFill>
-          <a:blip r:embed="rId8" cstate="print">
-            <a:extLst>
-              <a:ext uri="{28A0092B-C50C-407E-A947-70E740481C1C}">
-                <a14:useLocalDpi xmlns:a14="http://schemas.microsoft.com/office/drawing/2010/main" val="0"/>
-              </a:ext>
-            </a:extLst>
-          </a:blip>
-          <a:srcRect/>
-          <a:stretch>
-            <a:fillRect/>
-          </a:stretch>
-        </p:blipFill>
-        <p:spPr bwMode="auto">
-          <a:xfrm>
-            <a:off x="7257983" y="3816283"/>
-            <a:ext cx="1090525" cy="322968"/>
-          </a:xfrm>
-          <a:prstGeom prst="rect">
-            <a:avLst/>
-          </a:prstGeom>
-          <a:noFill/>
-          <a:extLst>
-            <a:ext uri="{909E8E84-426E-40DD-AFC4-6F175D3DCCD1}">
-              <a14:hiddenFill xmlns:a14="http://schemas.microsoft.com/office/drawing/2010/main">
-                <a:solidFill>
-                  <a:srgbClr val="FFFFFF"/>
-                </a:solidFill>
-              </a14:hiddenFill>
-            </a:ext>
-          </a:extLst>
-        </p:spPr>
-      </p:pic>
-      <p:pic>
-        <p:nvPicPr>
-          <p:cNvPr id="1034" name="Picture 10" descr="Resultado de imagen para wrike png"/>
-          <p:cNvPicPr>
-            <a:picLocks noChangeAspect="1" noChangeArrowheads="1"/>
-          </p:cNvPicPr>
-          <p:nvPr/>
-        </p:nvPicPr>
-        <p:blipFill>
-          <a:blip r:embed="rId9" cstate="print">
-            <a:extLst>
-              <a:ext uri="{28A0092B-C50C-407E-A947-70E740481C1C}">
-                <a14:useLocalDpi xmlns:a14="http://schemas.microsoft.com/office/drawing/2010/main" val="0"/>
-              </a:ext>
-            </a:extLst>
-          </a:blip>
-          <a:srcRect/>
-          <a:stretch>
-            <a:fillRect/>
-          </a:stretch>
-        </p:blipFill>
-        <p:spPr bwMode="auto">
-          <a:xfrm>
-            <a:off x="10079657" y="3257390"/>
-            <a:ext cx="969337" cy="318631"/>
-          </a:xfrm>
-          <a:prstGeom prst="rect">
-            <a:avLst/>
-          </a:prstGeom>
-          <a:noFill/>
-          <a:extLst>
-            <a:ext uri="{909E8E84-426E-40DD-AFC4-6F175D3DCCD1}">
-              <a14:hiddenFill xmlns:a14="http://schemas.microsoft.com/office/drawing/2010/main">
-                <a:solidFill>
-                  <a:srgbClr val="FFFFFF"/>
-                </a:solidFill>
-              </a14:hiddenFill>
-            </a:ext>
-          </a:extLst>
-        </p:spPr>
-      </p:pic>
-    </p:spTree>
-    <p:extLst>
-      <p:ext uri="{BB962C8B-B14F-4D97-AF65-F5344CB8AC3E}">
-        <p14:creationId xmlns:p14="http://schemas.microsoft.com/office/powerpoint/2010/main" val="1111539834"/>
-      </p:ext>
-    </p:extLst>
-  </p:cSld>
-  <p:clrMapOvr>
-    <a:masterClrMapping/>
-  </p:clrMapOvr>
-  <p:timing>
-    <p:tnLst>
-      <p:par>
-        <p:cTn id="1" dur="indefinite" restart="never" nodeType="tmRoot"/>
-      </p:par>
-    </p:tnLst>
-  </p:timing>
-</p:sld>
-</file>
-
-<file path=ppt/slides/slide25.xml><?xml version="1.0" encoding="utf-8"?>
-<p:sld xmlns:a="http://schemas.openxmlformats.org/drawingml/2006/main" xmlns:r="http://schemas.openxmlformats.org/officeDocument/2006/relationships" xmlns:p="http://schemas.openxmlformats.org/presentationml/2006/main">
-  <p:cSld>
-    <p:spTree>
-      <p:nvGrpSpPr>
-        <p:cNvPr id="1" name=""/>
-        <p:cNvGrpSpPr/>
-        <p:nvPr/>
-      </p:nvGrpSpPr>
-      <p:grpSpPr>
-        <a:xfrm>
-          <a:off x="0" y="0"/>
-          <a:ext cx="0" cy="0"/>
-          <a:chOff x="0" y="0"/>
-          <a:chExt cx="0" cy="0"/>
-        </a:xfrm>
-      </p:grpSpPr>
-      <p:sp>
-        <p:nvSpPr>
           <p:cNvPr id="3" name="Rectángulo 2"/>
           <p:cNvSpPr/>
           <p:nvPr/>
@@ -7160,7 +7055,7 @@
 </p:sld>
 </file>
 
-<file path=ppt/slides/slide26.xml><?xml version="1.0" encoding="utf-8"?>
+<file path=ppt/slides/slide25.xml><?xml version="1.0" encoding="utf-8"?>
 <p:sld xmlns:a="http://schemas.openxmlformats.org/drawingml/2006/main" xmlns:r="http://schemas.openxmlformats.org/officeDocument/2006/relationships" xmlns:p="http://schemas.openxmlformats.org/presentationml/2006/main">
   <p:cSld>
     <p:spTree>
@@ -7963,7 +7858,7 @@
                 </a:solidFill>
                 <a:ea typeface="Roboto" panose="02000000000000000000" pitchFamily="2" charset="0"/>
               </a:rPr>
-              <a:t>Get your client big picture about the project</a:t>
+              <a:t>Get the big picture about your client’s project</a:t>
             </a:r>
             <a:endParaRPr lang="es-MX" sz="3000" b="1" dirty="0">
               <a:solidFill>
@@ -8828,401 +8723,6 @@
           <a:chExt cx="0" cy="0"/>
         </a:xfrm>
       </p:grpSpPr>
-      <p:pic>
-        <p:nvPicPr>
-          <p:cNvPr id="12" name="Imagen 11"/>
-          <p:cNvPicPr>
-            <a:picLocks noChangeAspect="1"/>
-          </p:cNvPicPr>
-          <p:nvPr/>
-        </p:nvPicPr>
-        <p:blipFill>
-          <a:blip r:embed="rId2" cstate="print">
-            <a:extLst>
-              <a:ext uri="{28A0092B-C50C-407E-A947-70E740481C1C}">
-                <a14:useLocalDpi xmlns:a14="http://schemas.microsoft.com/office/drawing/2010/main" val="0"/>
-              </a:ext>
-            </a:extLst>
-          </a:blip>
-          <a:stretch>
-            <a:fillRect/>
-          </a:stretch>
-        </p:blipFill>
-        <p:spPr>
-          <a:xfrm>
-            <a:off x="285845" y="436566"/>
-            <a:ext cx="526760" cy="311152"/>
-          </a:xfrm>
-          <a:prstGeom prst="rect">
-            <a:avLst/>
-          </a:prstGeom>
-        </p:spPr>
-      </p:pic>
-      <p:sp>
-        <p:nvSpPr>
-          <p:cNvPr id="3" name="CuadroTexto 2"/>
-          <p:cNvSpPr txBox="1"/>
-          <p:nvPr/>
-        </p:nvSpPr>
-        <p:spPr>
-          <a:xfrm>
-            <a:off x="844557" y="199727"/>
-            <a:ext cx="10516431" cy="784830"/>
-          </a:xfrm>
-          <a:prstGeom prst="rect">
-            <a:avLst/>
-          </a:prstGeom>
-          <a:noFill/>
-        </p:spPr>
-        <p:txBody>
-          <a:bodyPr wrap="square" rtlCol="0">
-            <a:spAutoFit/>
-          </a:bodyPr>
-          <a:lstStyle/>
-          <a:p>
-            <a:r>
-              <a:rPr lang="en-US" sz="4500" b="1" dirty="0" smtClean="0">
-                <a:solidFill>
-                  <a:schemeClr val="bg1"/>
-                </a:solidFill>
-                <a:ea typeface="Open Sans Extrabold" panose="020B0906030804020204" pitchFamily="34" charset="0"/>
-                <a:cs typeface="Open Sans Extrabold" panose="020B0906030804020204" pitchFamily="34" charset="0"/>
-              </a:rPr>
-              <a:t>Choose a </a:t>
-            </a:r>
-            <a:r>
-              <a:rPr lang="en-US" sz="4500" b="1" dirty="0" err="1" smtClean="0">
-                <a:solidFill>
-                  <a:schemeClr val="bg1"/>
-                </a:solidFill>
-                <a:ea typeface="Open Sans Extrabold" panose="020B0906030804020204" pitchFamily="34" charset="0"/>
-                <a:cs typeface="Open Sans Extrabold" panose="020B0906030804020204" pitchFamily="34" charset="0"/>
-              </a:rPr>
-              <a:t>metholody</a:t>
-            </a:r>
-            <a:endParaRPr lang="es-MX" sz="4500" b="1" dirty="0">
-              <a:solidFill>
-                <a:schemeClr val="bg1"/>
-              </a:solidFill>
-              <a:ea typeface="Open Sans Extrabold" panose="020B0906030804020204" pitchFamily="34" charset="0"/>
-              <a:cs typeface="Open Sans Extrabold" panose="020B0906030804020204" pitchFamily="34" charset="0"/>
-            </a:endParaRPr>
-          </a:p>
-        </p:txBody>
-      </p:sp>
-      <p:sp>
-        <p:nvSpPr>
-          <p:cNvPr id="2" name="CuadroTexto 1"/>
-          <p:cNvSpPr txBox="1"/>
-          <p:nvPr/>
-        </p:nvSpPr>
-        <p:spPr>
-          <a:xfrm>
-            <a:off x="1949570" y="2130724"/>
-            <a:ext cx="3071004" cy="553998"/>
-          </a:xfrm>
-          <a:prstGeom prst="rect">
-            <a:avLst/>
-          </a:prstGeom>
-          <a:noFill/>
-        </p:spPr>
-        <p:txBody>
-          <a:bodyPr wrap="square" rtlCol="0">
-            <a:spAutoFit/>
-          </a:bodyPr>
-          <a:lstStyle/>
-          <a:p>
-            <a:r>
-              <a:rPr lang="en-US" sz="3000" b="1" dirty="0" smtClean="0">
-                <a:solidFill>
-                  <a:schemeClr val="bg1"/>
-                </a:solidFill>
-                <a:ea typeface="Roboto" panose="02000000000000000000" pitchFamily="2" charset="0"/>
-              </a:rPr>
-              <a:t>Waterfall Model</a:t>
-            </a:r>
-            <a:endParaRPr lang="es-MX" sz="3000" b="1" dirty="0">
-              <a:solidFill>
-                <a:schemeClr val="bg1"/>
-              </a:solidFill>
-              <a:ea typeface="Roboto" panose="02000000000000000000" pitchFamily="2" charset="0"/>
-            </a:endParaRPr>
-          </a:p>
-        </p:txBody>
-      </p:sp>
-      <p:sp>
-        <p:nvSpPr>
-          <p:cNvPr id="5" name="CuadroTexto 4"/>
-          <p:cNvSpPr txBox="1"/>
-          <p:nvPr/>
-        </p:nvSpPr>
-        <p:spPr>
-          <a:xfrm>
-            <a:off x="1949570" y="2781534"/>
-            <a:ext cx="4028536" cy="553998"/>
-          </a:xfrm>
-          <a:prstGeom prst="rect">
-            <a:avLst/>
-          </a:prstGeom>
-          <a:noFill/>
-        </p:spPr>
-        <p:txBody>
-          <a:bodyPr wrap="square" rtlCol="0">
-            <a:spAutoFit/>
-          </a:bodyPr>
-          <a:lstStyle/>
-          <a:p>
-            <a:r>
-              <a:rPr lang="en-US" sz="3000" b="1" dirty="0" smtClean="0">
-                <a:solidFill>
-                  <a:schemeClr val="bg1"/>
-                </a:solidFill>
-                <a:ea typeface="Roboto" panose="02000000000000000000" pitchFamily="2" charset="0"/>
-              </a:rPr>
-              <a:t>Prototype</a:t>
-            </a:r>
-            <a:endParaRPr lang="es-MX" sz="3000" b="1" dirty="0">
-              <a:solidFill>
-                <a:schemeClr val="bg1"/>
-              </a:solidFill>
-              <a:ea typeface="Roboto" panose="02000000000000000000" pitchFamily="2" charset="0"/>
-            </a:endParaRPr>
-          </a:p>
-        </p:txBody>
-      </p:sp>
-      <p:sp>
-        <p:nvSpPr>
-          <p:cNvPr id="6" name="CuadroTexto 5"/>
-          <p:cNvSpPr txBox="1"/>
-          <p:nvPr/>
-        </p:nvSpPr>
-        <p:spPr>
-          <a:xfrm>
-            <a:off x="1949570" y="3432344"/>
-            <a:ext cx="4787660" cy="553998"/>
-          </a:xfrm>
-          <a:prstGeom prst="rect">
-            <a:avLst/>
-          </a:prstGeom>
-          <a:noFill/>
-        </p:spPr>
-        <p:txBody>
-          <a:bodyPr wrap="square" rtlCol="0">
-            <a:spAutoFit/>
-          </a:bodyPr>
-          <a:lstStyle/>
-          <a:p>
-            <a:r>
-              <a:rPr lang="en-US" sz="3000" b="1" dirty="0" smtClean="0">
-                <a:solidFill>
-                  <a:schemeClr val="bg1"/>
-                </a:solidFill>
-                <a:ea typeface="Roboto" panose="02000000000000000000" pitchFamily="2" charset="0"/>
-              </a:rPr>
-              <a:t>Agile Software </a:t>
-            </a:r>
-            <a:r>
-              <a:rPr lang="en-US" sz="3000" b="1" dirty="0">
-                <a:solidFill>
-                  <a:schemeClr val="bg1"/>
-                </a:solidFill>
-                <a:ea typeface="Roboto" panose="02000000000000000000" pitchFamily="2" charset="0"/>
-              </a:rPr>
-              <a:t>D</a:t>
-            </a:r>
-            <a:r>
-              <a:rPr lang="en-US" sz="3000" b="1" dirty="0" smtClean="0">
-                <a:solidFill>
-                  <a:schemeClr val="bg1"/>
-                </a:solidFill>
-                <a:ea typeface="Roboto" panose="02000000000000000000" pitchFamily="2" charset="0"/>
-              </a:rPr>
-              <a:t>evelopment</a:t>
-            </a:r>
-            <a:endParaRPr lang="es-MX" sz="3000" b="1" dirty="0">
-              <a:solidFill>
-                <a:schemeClr val="bg1"/>
-              </a:solidFill>
-              <a:ea typeface="Roboto" panose="02000000000000000000" pitchFamily="2" charset="0"/>
-            </a:endParaRPr>
-          </a:p>
-        </p:txBody>
-      </p:sp>
-      <p:sp>
-        <p:nvSpPr>
-          <p:cNvPr id="7" name="CuadroTexto 6"/>
-          <p:cNvSpPr txBox="1"/>
-          <p:nvPr/>
-        </p:nvSpPr>
-        <p:spPr>
-          <a:xfrm>
-            <a:off x="1949570" y="4083154"/>
-            <a:ext cx="4787660" cy="553998"/>
-          </a:xfrm>
-          <a:prstGeom prst="rect">
-            <a:avLst/>
-          </a:prstGeom>
-          <a:noFill/>
-        </p:spPr>
-        <p:txBody>
-          <a:bodyPr wrap="square" rtlCol="0">
-            <a:spAutoFit/>
-          </a:bodyPr>
-          <a:lstStyle/>
-          <a:p>
-            <a:r>
-              <a:rPr lang="en-US" sz="3000" b="1" dirty="0" smtClean="0">
-                <a:solidFill>
-                  <a:schemeClr val="bg1"/>
-                </a:solidFill>
-                <a:ea typeface="Roboto" panose="02000000000000000000" pitchFamily="2" charset="0"/>
-              </a:rPr>
-              <a:t>Extreme Programming</a:t>
-            </a:r>
-            <a:endParaRPr lang="es-MX" sz="3000" b="1" dirty="0">
-              <a:solidFill>
-                <a:schemeClr val="bg1"/>
-              </a:solidFill>
-              <a:ea typeface="Roboto" panose="02000000000000000000" pitchFamily="2" charset="0"/>
-            </a:endParaRPr>
-          </a:p>
-        </p:txBody>
-      </p:sp>
-      <p:sp>
-        <p:nvSpPr>
-          <p:cNvPr id="8" name="CuadroTexto 7"/>
-          <p:cNvSpPr txBox="1"/>
-          <p:nvPr/>
-        </p:nvSpPr>
-        <p:spPr>
-          <a:xfrm>
-            <a:off x="1949570" y="4733964"/>
-            <a:ext cx="4787660" cy="553998"/>
-          </a:xfrm>
-          <a:prstGeom prst="rect">
-            <a:avLst/>
-          </a:prstGeom>
-          <a:noFill/>
-        </p:spPr>
-        <p:txBody>
-          <a:bodyPr wrap="square" rtlCol="0">
-            <a:spAutoFit/>
-          </a:bodyPr>
-          <a:lstStyle/>
-          <a:p>
-            <a:r>
-              <a:rPr lang="en-US" sz="3000" b="1" dirty="0" smtClean="0">
-                <a:solidFill>
-                  <a:schemeClr val="bg1"/>
-                </a:solidFill>
-                <a:ea typeface="Roboto" panose="02000000000000000000" pitchFamily="2" charset="0"/>
-              </a:rPr>
-              <a:t>Feature </a:t>
-            </a:r>
-            <a:r>
-              <a:rPr lang="en-US" sz="3000" b="1" dirty="0">
-                <a:solidFill>
-                  <a:schemeClr val="bg1"/>
-                </a:solidFill>
-                <a:ea typeface="Roboto" panose="02000000000000000000" pitchFamily="2" charset="0"/>
-              </a:rPr>
-              <a:t>D</a:t>
-            </a:r>
-            <a:r>
-              <a:rPr lang="en-US" sz="3000" b="1" dirty="0" smtClean="0">
-                <a:solidFill>
-                  <a:schemeClr val="bg1"/>
-                </a:solidFill>
-                <a:ea typeface="Roboto" panose="02000000000000000000" pitchFamily="2" charset="0"/>
-              </a:rPr>
-              <a:t>riven</a:t>
-            </a:r>
-            <a:endParaRPr lang="es-MX" sz="3000" b="1" dirty="0">
-              <a:solidFill>
-                <a:schemeClr val="bg1"/>
-              </a:solidFill>
-              <a:ea typeface="Roboto" panose="02000000000000000000" pitchFamily="2" charset="0"/>
-            </a:endParaRPr>
-          </a:p>
-        </p:txBody>
-      </p:sp>
-      <p:sp>
-        <p:nvSpPr>
-          <p:cNvPr id="9" name="CuadroTexto 8"/>
-          <p:cNvSpPr txBox="1"/>
-          <p:nvPr/>
-        </p:nvSpPr>
-        <p:spPr>
-          <a:xfrm>
-            <a:off x="1949570" y="5384774"/>
-            <a:ext cx="4787660" cy="553998"/>
-          </a:xfrm>
-          <a:prstGeom prst="rect">
-            <a:avLst/>
-          </a:prstGeom>
-          <a:noFill/>
-        </p:spPr>
-        <p:txBody>
-          <a:bodyPr wrap="square" rtlCol="0">
-            <a:spAutoFit/>
-          </a:bodyPr>
-          <a:lstStyle/>
-          <a:p>
-            <a:r>
-              <a:rPr lang="en-US" sz="3000" b="1" dirty="0" smtClean="0">
-                <a:solidFill>
-                  <a:schemeClr val="bg1"/>
-                </a:solidFill>
-                <a:ea typeface="Roboto" panose="02000000000000000000" pitchFamily="2" charset="0"/>
-              </a:rPr>
-              <a:t>Lean Development</a:t>
-            </a:r>
-            <a:endParaRPr lang="es-MX" sz="3000" b="1" dirty="0">
-              <a:solidFill>
-                <a:schemeClr val="bg1"/>
-              </a:solidFill>
-              <a:ea typeface="Roboto" panose="02000000000000000000" pitchFamily="2" charset="0"/>
-            </a:endParaRPr>
-          </a:p>
-        </p:txBody>
-      </p:sp>
-    </p:spTree>
-    <p:extLst>
-      <p:ext uri="{BB962C8B-B14F-4D97-AF65-F5344CB8AC3E}">
-        <p14:creationId xmlns:p14="http://schemas.microsoft.com/office/powerpoint/2010/main" val="3331233952"/>
-      </p:ext>
-    </p:extLst>
-  </p:cSld>
-  <p:clrMapOvr>
-    <a:masterClrMapping/>
-  </p:clrMapOvr>
-  <p:timing>
-    <p:tnLst>
-      <p:par>
-        <p:cTn id="1" dur="indefinite" restart="never" nodeType="tmRoot"/>
-      </p:par>
-    </p:tnLst>
-  </p:timing>
-</p:sld>
-</file>
-
-<file path=ppt/slides/slide8.xml><?xml version="1.0" encoding="utf-8"?>
-<p:sld xmlns:a="http://schemas.openxmlformats.org/drawingml/2006/main" xmlns:r="http://schemas.openxmlformats.org/officeDocument/2006/relationships" xmlns:p="http://schemas.openxmlformats.org/presentationml/2006/main">
-  <p:cSld>
-    <p:spTree>
-      <p:nvGrpSpPr>
-        <p:cNvPr id="1" name=""/>
-        <p:cNvGrpSpPr/>
-        <p:nvPr/>
-      </p:nvGrpSpPr>
-      <p:grpSpPr>
-        <a:xfrm>
-          <a:off x="0" y="0"/>
-          <a:ext cx="0" cy="0"/>
-          <a:chOff x="0" y="0"/>
-          <a:chExt cx="0" cy="0"/>
-        </a:xfrm>
-      </p:grpSpPr>
       <p:grpSp>
         <p:nvGrpSpPr>
           <p:cNvPr id="10" name="Grupo 9"/>
@@ -9391,6 +8891,157 @@
 </p:sld>
 </file>
 
+<file path=ppt/slides/slide8.xml><?xml version="1.0" encoding="utf-8"?>
+<p:sld xmlns:a="http://schemas.openxmlformats.org/drawingml/2006/main" xmlns:r="http://schemas.openxmlformats.org/officeDocument/2006/relationships" xmlns:p="http://schemas.openxmlformats.org/presentationml/2006/main">
+  <p:cSld>
+    <p:spTree>
+      <p:nvGrpSpPr>
+        <p:cNvPr id="1" name=""/>
+        <p:cNvGrpSpPr/>
+        <p:nvPr/>
+      </p:nvGrpSpPr>
+      <p:grpSpPr>
+        <a:xfrm>
+          <a:off x="0" y="0"/>
+          <a:ext cx="0" cy="0"/>
+          <a:chOff x="0" y="0"/>
+          <a:chExt cx="0" cy="0"/>
+        </a:xfrm>
+      </p:grpSpPr>
+      <p:sp>
+        <p:nvSpPr>
+          <p:cNvPr id="4" name="CuadroTexto 3"/>
+          <p:cNvSpPr txBox="1"/>
+          <p:nvPr/>
+        </p:nvSpPr>
+        <p:spPr>
+          <a:xfrm>
+            <a:off x="980440" y="1036037"/>
+            <a:ext cx="10231120" cy="4785926"/>
+          </a:xfrm>
+          <a:prstGeom prst="rect">
+            <a:avLst/>
+          </a:prstGeom>
+          <a:noFill/>
+        </p:spPr>
+        <p:txBody>
+          <a:bodyPr wrap="square" rtlCol="0">
+            <a:spAutoFit/>
+          </a:bodyPr>
+          <a:lstStyle/>
+          <a:p>
+            <a:r>
+              <a:rPr lang="en-US" sz="4500" b="1" dirty="0">
+                <a:solidFill>
+                  <a:schemeClr val="bg1"/>
+                </a:solidFill>
+                <a:ea typeface="Open Sans Extrabold" panose="020B0906030804020204" pitchFamily="34" charset="0"/>
+                <a:cs typeface="Open Sans Extrabold" panose="020B0906030804020204" pitchFamily="34" charset="0"/>
+              </a:rPr>
+              <a:t>Say </a:t>
+            </a:r>
+            <a:endParaRPr lang="en-US" sz="4500" b="1" dirty="0" smtClean="0">
+              <a:solidFill>
+                <a:schemeClr val="bg1"/>
+              </a:solidFill>
+              <a:ea typeface="Open Sans Extrabold" panose="020B0906030804020204" pitchFamily="34" charset="0"/>
+              <a:cs typeface="Open Sans Extrabold" panose="020B0906030804020204" pitchFamily="34" charset="0"/>
+            </a:endParaRPr>
+          </a:p>
+          <a:p>
+            <a:r>
+              <a:rPr lang="en-US" sz="20000" b="1" dirty="0" smtClean="0">
+                <a:solidFill>
+                  <a:srgbClr val="FE9F69"/>
+                </a:solidFill>
+                <a:ea typeface="Open Sans Extrabold" panose="020B0906030804020204" pitchFamily="34" charset="0"/>
+                <a:cs typeface="Open Sans Extrabold" panose="020B0906030804020204" pitchFamily="34" charset="0"/>
+              </a:rPr>
+              <a:t>  #thanks</a:t>
+            </a:r>
+          </a:p>
+          <a:p>
+            <a:pPr algn="r"/>
+            <a:r>
+              <a:rPr lang="en-US" sz="3000" b="1" dirty="0">
+                <a:solidFill>
+                  <a:schemeClr val="bg1"/>
+                </a:solidFill>
+                <a:ea typeface="Open Sans Extrabold" panose="020B0906030804020204" pitchFamily="34" charset="0"/>
+                <a:cs typeface="Open Sans Extrabold" panose="020B0906030804020204" pitchFamily="34" charset="0"/>
+              </a:rPr>
+              <a:t>and</a:t>
+            </a:r>
+            <a:r>
+              <a:rPr lang="en-US" sz="4500" b="1" dirty="0" smtClean="0">
+                <a:solidFill>
+                  <a:schemeClr val="bg1"/>
+                </a:solidFill>
+                <a:ea typeface="Open Sans Extrabold" panose="020B0906030804020204" pitchFamily="34" charset="0"/>
+                <a:cs typeface="Open Sans Extrabold" panose="020B0906030804020204" pitchFamily="34" charset="0"/>
+              </a:rPr>
+              <a:t> </a:t>
+            </a:r>
+            <a:r>
+              <a:rPr lang="en-US" sz="6000" b="1" dirty="0" smtClean="0">
+                <a:solidFill>
+                  <a:schemeClr val="bg1"/>
+                </a:solidFill>
+                <a:ea typeface="Open Sans Extrabold" panose="020B0906030804020204" pitchFamily="34" charset="0"/>
+                <a:cs typeface="Open Sans Extrabold" panose="020B0906030804020204" pitchFamily="34" charset="0"/>
+              </a:rPr>
+              <a:t>RECOGNIZE</a:t>
+            </a:r>
+            <a:r>
+              <a:rPr lang="en-US" sz="4500" b="1" dirty="0" smtClean="0">
+                <a:solidFill>
+                  <a:schemeClr val="bg1"/>
+                </a:solidFill>
+                <a:ea typeface="Open Sans Extrabold" panose="020B0906030804020204" pitchFamily="34" charset="0"/>
+                <a:cs typeface="Open Sans Extrabold" panose="020B0906030804020204" pitchFamily="34" charset="0"/>
+              </a:rPr>
+              <a:t> </a:t>
+            </a:r>
+            <a:r>
+              <a:rPr lang="en-US" sz="3000" b="1" dirty="0" smtClean="0">
+                <a:solidFill>
+                  <a:schemeClr val="bg1"/>
+                </a:solidFill>
+                <a:ea typeface="Open Sans Extrabold" panose="020B0906030804020204" pitchFamily="34" charset="0"/>
+                <a:cs typeface="Open Sans Extrabold" panose="020B0906030804020204" pitchFamily="34" charset="0"/>
+              </a:rPr>
+              <a:t>the effort</a:t>
+            </a:r>
+            <a:endParaRPr lang="en-US" sz="3000" b="1" dirty="0">
+              <a:solidFill>
+                <a:schemeClr val="bg1"/>
+              </a:solidFill>
+              <a:ea typeface="Open Sans Extrabold" panose="020B0906030804020204" pitchFamily="34" charset="0"/>
+              <a:cs typeface="Open Sans Extrabold" panose="020B0906030804020204" pitchFamily="34" charset="0"/>
+            </a:endParaRPr>
+          </a:p>
+        </p:txBody>
+      </p:sp>
+    </p:spTree>
+    <p:extLst>
+      <p:ext uri="{BB962C8B-B14F-4D97-AF65-F5344CB8AC3E}">
+        <p14:creationId xmlns:p14="http://schemas.microsoft.com/office/powerpoint/2010/main" val="46031866"/>
+      </p:ext>
+    </p:extLst>
+  </p:cSld>
+  <p:clrMapOvr>
+    <a:masterClrMapping/>
+  </p:clrMapOvr>
+  <p:timing>
+    <p:tnLst>
+      <p:par>
+        <p:cTn id="1" dur="indefinite" restart="never" nodeType="tmRoot"/>
+      </p:par>
+    </p:tnLst>
+  </p:timing>
+</p:sld>
+</file>
+
 <file path=ppt/slides/slide9.xml><?xml version="1.0" encoding="utf-8"?>
 <p:sld xmlns:a="http://schemas.openxmlformats.org/drawingml/2006/main" xmlns:r="http://schemas.openxmlformats.org/officeDocument/2006/relationships" xmlns:p="http://schemas.openxmlformats.org/presentationml/2006/main">
   <p:cSld>
@@ -9416,8 +9067,8 @@
         </p:nvSpPr>
         <p:spPr>
           <a:xfrm>
-            <a:off x="980440" y="1036037"/>
-            <a:ext cx="10231120" cy="4785926"/>
+            <a:off x="980440" y="1151454"/>
+            <a:ext cx="10231120" cy="4555093"/>
           </a:xfrm>
           <a:prstGeom prst="rect">
             <a:avLst/>
@@ -9438,9 +9089,34 @@
                 <a:ea typeface="Open Sans Extrabold" panose="020B0906030804020204" pitchFamily="34" charset="0"/>
                 <a:cs typeface="Open Sans Extrabold" panose="020B0906030804020204" pitchFamily="34" charset="0"/>
               </a:rPr>
-              <a:t>Say </a:t>
-            </a:r>
-            <a:endParaRPr lang="en-US" sz="4500" b="1" dirty="0" smtClean="0">
+              <a:t>Be</a:t>
+            </a:r>
+          </a:p>
+          <a:p>
+            <a:r>
+              <a:rPr lang="en-US" sz="20000" b="1" dirty="0" smtClean="0">
+                <a:solidFill>
+                  <a:srgbClr val="FE9F69"/>
+                </a:solidFill>
+                <a:ea typeface="Open Sans Extrabold" panose="020B0906030804020204" pitchFamily="34" charset="0"/>
+                <a:cs typeface="Open Sans Extrabold" panose="020B0906030804020204" pitchFamily="34" charset="0"/>
+              </a:rPr>
+              <a:t>  #proud</a:t>
+            </a:r>
+          </a:p>
+          <a:p>
+            <a:pPr algn="r"/>
+            <a:r>
+              <a:rPr lang="en-US" sz="4500" b="1" dirty="0" smtClean="0">
+                <a:solidFill>
+                  <a:schemeClr val="bg1"/>
+                </a:solidFill>
+                <a:ea typeface="Open Sans Extrabold" panose="020B0906030804020204" pitchFamily="34" charset="0"/>
+                <a:cs typeface="Open Sans Extrabold" panose="020B0906030804020204" pitchFamily="34" charset="0"/>
+              </a:rPr>
+              <a:t>of your team</a:t>
+            </a:r>
+            <a:endParaRPr lang="es-MX" sz="4500" b="1" dirty="0">
               <a:solidFill>
                 <a:schemeClr val="bg1"/>
               </a:solidFill>
@@ -9448,84 +9124,12 @@
               <a:cs typeface="Open Sans Extrabold" panose="020B0906030804020204" pitchFamily="34" charset="0"/>
             </a:endParaRPr>
           </a:p>
-          <a:p>
-            <a:r>
-              <a:rPr lang="en-US" sz="20000" b="1" dirty="0" smtClean="0">
-                <a:solidFill>
-                  <a:srgbClr val="FE9F69"/>
-                </a:solidFill>
-                <a:ea typeface="Open Sans Extrabold" panose="020B0906030804020204" pitchFamily="34" charset="0"/>
-                <a:cs typeface="Open Sans Extrabold" panose="020B0906030804020204" pitchFamily="34" charset="0"/>
-              </a:rPr>
-              <a:t>  #thanks</a:t>
-            </a:r>
-          </a:p>
-          <a:p>
-            <a:pPr algn="r"/>
-            <a:r>
-              <a:rPr lang="en-US" sz="3000" b="1" dirty="0">
-                <a:solidFill>
-                  <a:schemeClr val="bg1"/>
-                </a:solidFill>
-                <a:ea typeface="Open Sans Extrabold" panose="020B0906030804020204" pitchFamily="34" charset="0"/>
-                <a:cs typeface="Open Sans Extrabold" panose="020B0906030804020204" pitchFamily="34" charset="0"/>
-              </a:rPr>
-              <a:t>and</a:t>
-            </a:r>
-            <a:r>
-              <a:rPr lang="en-US" sz="4500" b="1" dirty="0" smtClean="0">
-                <a:solidFill>
-                  <a:schemeClr val="bg1"/>
-                </a:solidFill>
-                <a:ea typeface="Open Sans Extrabold" panose="020B0906030804020204" pitchFamily="34" charset="0"/>
-                <a:cs typeface="Open Sans Extrabold" panose="020B0906030804020204" pitchFamily="34" charset="0"/>
-              </a:rPr>
-              <a:t> </a:t>
-            </a:r>
-            <a:r>
-              <a:rPr lang="en-US" sz="6000" b="1" dirty="0" smtClean="0">
-                <a:solidFill>
-                  <a:schemeClr val="bg1"/>
-                </a:solidFill>
-                <a:ea typeface="Open Sans Extrabold" panose="020B0906030804020204" pitchFamily="34" charset="0"/>
-                <a:cs typeface="Open Sans Extrabold" panose="020B0906030804020204" pitchFamily="34" charset="0"/>
-              </a:rPr>
-              <a:t>RECOGNIZE</a:t>
-            </a:r>
-            <a:r>
-              <a:rPr lang="en-US" sz="4500" b="1" dirty="0" smtClean="0">
-                <a:solidFill>
-                  <a:schemeClr val="bg1"/>
-                </a:solidFill>
-                <a:ea typeface="Open Sans Extrabold" panose="020B0906030804020204" pitchFamily="34" charset="0"/>
-                <a:cs typeface="Open Sans Extrabold" panose="020B0906030804020204" pitchFamily="34" charset="0"/>
-              </a:rPr>
-              <a:t> </a:t>
-            </a:r>
-            <a:r>
-              <a:rPr lang="en-US" sz="3000" b="1" dirty="0" smtClean="0">
-                <a:solidFill>
-                  <a:schemeClr val="bg1"/>
-                </a:solidFill>
-                <a:ea typeface="Open Sans Extrabold" panose="020B0906030804020204" pitchFamily="34" charset="0"/>
-                <a:cs typeface="Open Sans Extrabold" panose="020B0906030804020204" pitchFamily="34" charset="0"/>
-              </a:rPr>
-              <a:t>the effort</a:t>
-            </a:r>
-            <a:endParaRPr lang="en-US" sz="3000" b="1" dirty="0">
-              <a:solidFill>
-                <a:schemeClr val="bg1"/>
-              </a:solidFill>
-              <a:ea typeface="Open Sans Extrabold" panose="020B0906030804020204" pitchFamily="34" charset="0"/>
-              <a:cs typeface="Open Sans Extrabold" panose="020B0906030804020204" pitchFamily="34" charset="0"/>
-            </a:endParaRPr>
-          </a:p>
         </p:txBody>
       </p:sp>
     </p:spTree>
     <p:extLst>
       <p:ext uri="{BB962C8B-B14F-4D97-AF65-F5344CB8AC3E}">
-        <p14:creationId xmlns:p14="http://schemas.microsoft.com/office/powerpoint/2010/main" val="46031866"/>
+        <p14:creationId xmlns:p14="http://schemas.microsoft.com/office/powerpoint/2010/main" val="1907411541"/>
       </p:ext>
     </p:extLst>
   </p:cSld>
